--- a/Preprocesadores SASS - LESS.pptx
+++ b/Preprocesadores SASS - LESS.pptx
@@ -5,7 +5,7 @@
     <p:sldMasterId id="2147483648" r:id="rId1"/>
   </p:sldMasterIdLst>
   <p:notesMasterIdLst>
-    <p:notesMasterId r:id="rId33"/>
+    <p:notesMasterId r:id="rId35"/>
   </p:notesMasterIdLst>
   <p:sldIdLst>
     <p:sldId id="308" r:id="rId2"/>
@@ -26,19 +26,21 @@
     <p:sldId id="435" r:id="rId17"/>
     <p:sldId id="436" r:id="rId18"/>
     <p:sldId id="447" r:id="rId19"/>
-    <p:sldId id="437" r:id="rId20"/>
-    <p:sldId id="438" r:id="rId21"/>
+    <p:sldId id="438" r:id="rId20"/>
+    <p:sldId id="437" r:id="rId21"/>
     <p:sldId id="439" r:id="rId22"/>
     <p:sldId id="441" r:id="rId23"/>
     <p:sldId id="442" r:id="rId24"/>
     <p:sldId id="443" r:id="rId25"/>
     <p:sldId id="445" r:id="rId26"/>
-    <p:sldId id="453" r:id="rId27"/>
-    <p:sldId id="455" r:id="rId28"/>
-    <p:sldId id="456" r:id="rId29"/>
-    <p:sldId id="457" r:id="rId30"/>
-    <p:sldId id="426" r:id="rId31"/>
-    <p:sldId id="452" r:id="rId32"/>
+    <p:sldId id="459" r:id="rId27"/>
+    <p:sldId id="453" r:id="rId28"/>
+    <p:sldId id="455" r:id="rId29"/>
+    <p:sldId id="456" r:id="rId30"/>
+    <p:sldId id="457" r:id="rId31"/>
+    <p:sldId id="458" r:id="rId32"/>
+    <p:sldId id="426" r:id="rId33"/>
+    <p:sldId id="452" r:id="rId34"/>
   </p:sldIdLst>
   <p:sldSz cx="9144000" cy="6858000" type="screen4x3"/>
   <p:notesSz cx="6858000" cy="9144000"/>
@@ -1758,7 +1760,7 @@
     </p:spTree>
     <p:extLst>
       <p:ext uri="{BB962C8B-B14F-4D97-AF65-F5344CB8AC3E}">
-        <p14:creationId xmlns:p14="http://schemas.microsoft.com/office/powerpoint/2010/main" val="4291342175"/>
+        <p14:creationId xmlns:p14="http://schemas.microsoft.com/office/powerpoint/2010/main" val="3721896169"/>
       </p:ext>
     </p:extLst>
   </p:cSld>
@@ -1980,7 +1982,7 @@
     </p:spTree>
     <p:extLst>
       <p:ext uri="{BB962C8B-B14F-4D97-AF65-F5344CB8AC3E}">
-        <p14:creationId xmlns:p14="http://schemas.microsoft.com/office/powerpoint/2010/main" val="3721896169"/>
+        <p14:creationId xmlns:p14="http://schemas.microsoft.com/office/powerpoint/2010/main" val="4291342175"/>
       </p:ext>
     </p:extLst>
   </p:cSld>
@@ -2556,458 +2558,6 @@
 </file>
 
 <file path=ppt/notesSlides/notesSlide26.xml><?xml version="1.0" encoding="utf-8"?>
-<p:notes xmlns:a="http://schemas.openxmlformats.org/drawingml/2006/main" xmlns:r="http://schemas.openxmlformats.org/officeDocument/2006/relationships" xmlns:p="http://schemas.openxmlformats.org/presentationml/2006/main" showMasterSp="0" showMasterPhAnim="0">
-  <p:cSld>
-    <p:spTree>
-      <p:nvGrpSpPr>
-        <p:cNvPr id="1" name="Shape 389"/>
-        <p:cNvGrpSpPr/>
-        <p:nvPr/>
-      </p:nvGrpSpPr>
-      <p:grpSpPr>
-        <a:xfrm>
-          <a:off x="0" y="0"/>
-          <a:ext cx="0" cy="0"/>
-          <a:chOff x="0" y="0"/>
-          <a:chExt cx="0" cy="0"/>
-        </a:xfrm>
-      </p:grpSpPr>
-      <p:sp>
-        <p:nvSpPr>
-          <p:cNvPr id="390" name="Shape 390"/>
-          <p:cNvSpPr>
-            <a:spLocks noGrp="1" noRot="1" noChangeAspect="1"/>
-          </p:cNvSpPr>
-          <p:nvPr>
-            <p:ph type="sldImg" idx="2"/>
-          </p:nvPr>
-        </p:nvSpPr>
-        <p:spPr>
-          <a:xfrm>
-            <a:off x="1143000" y="685800"/>
-            <a:ext cx="4572000" cy="3429000"/>
-          </a:xfrm>
-          <a:custGeom>
-            <a:avLst/>
-            <a:gdLst/>
-            <a:ahLst/>
-            <a:cxnLst/>
-            <a:rect l="0" t="0" r="0" b="0"/>
-            <a:pathLst>
-              <a:path w="120000" h="120000" extrusionOk="0">
-                <a:moveTo>
-                  <a:pt x="0" y="0"/>
-                </a:moveTo>
-                <a:lnTo>
-                  <a:pt x="120000" y="0"/>
-                </a:lnTo>
-                <a:lnTo>
-                  <a:pt x="120000" y="120000"/>
-                </a:lnTo>
-                <a:lnTo>
-                  <a:pt x="0" y="120000"/>
-                </a:lnTo>
-                <a:close/>
-              </a:path>
-            </a:pathLst>
-          </a:custGeom>
-        </p:spPr>
-      </p:sp>
-      <p:sp>
-        <p:nvSpPr>
-          <p:cNvPr id="391" name="Shape 391"/>
-          <p:cNvSpPr txBox="1">
-            <a:spLocks noGrp="1"/>
-          </p:cNvSpPr>
-          <p:nvPr>
-            <p:ph type="body" idx="1"/>
-          </p:nvPr>
-        </p:nvSpPr>
-        <p:spPr>
-          <a:xfrm>
-            <a:off x="685800" y="4343400"/>
-            <a:ext cx="5486400" cy="4114800"/>
-          </a:xfrm>
-          <a:prstGeom prst="rect">
-            <a:avLst/>
-          </a:prstGeom>
-        </p:spPr>
-        <p:txBody>
-          <a:bodyPr spcFirstLastPara="1" wrap="square" lIns="91425" tIns="91425" rIns="91425" bIns="91425" anchor="t" anchorCtr="0">
-            <a:noAutofit/>
-          </a:bodyPr>
-          <a:lstStyle/>
-          <a:p>
-            <a:pPr marL="0" lvl="0" indent="0" rtl="0">
-              <a:spcBef>
-                <a:spcPts val="0"/>
-              </a:spcBef>
-              <a:spcAft>
-                <a:spcPts val="0"/>
-              </a:spcAft>
-              <a:buNone/>
-            </a:pPr>
-            <a:r>
-              <a:rPr lang="es-CL" dirty="0"/>
-              <a:t>Después de esta slide, mostrar avances en PCs del equipo</a:t>
-            </a:r>
-            <a:endParaRPr dirty="0"/>
-          </a:p>
-        </p:txBody>
-      </p:sp>
-    </p:spTree>
-    <p:extLst>
-      <p:ext uri="{BB962C8B-B14F-4D97-AF65-F5344CB8AC3E}">
-        <p14:creationId xmlns:p14="http://schemas.microsoft.com/office/powerpoint/2010/main" val="720240425"/>
-      </p:ext>
-    </p:extLst>
-  </p:cSld>
-  <p:clrMapOvr>
-    <a:masterClrMapping/>
-  </p:clrMapOvr>
-</p:notes>
-</file>
-
-<file path=ppt/notesSlides/notesSlide27.xml><?xml version="1.0" encoding="utf-8"?>
-<p:notes xmlns:a="http://schemas.openxmlformats.org/drawingml/2006/main" xmlns:r="http://schemas.openxmlformats.org/officeDocument/2006/relationships" xmlns:p="http://schemas.openxmlformats.org/presentationml/2006/main" showMasterSp="0" showMasterPhAnim="0">
-  <p:cSld>
-    <p:spTree>
-      <p:nvGrpSpPr>
-        <p:cNvPr id="1" name="Shape 389"/>
-        <p:cNvGrpSpPr/>
-        <p:nvPr/>
-      </p:nvGrpSpPr>
-      <p:grpSpPr>
-        <a:xfrm>
-          <a:off x="0" y="0"/>
-          <a:ext cx="0" cy="0"/>
-          <a:chOff x="0" y="0"/>
-          <a:chExt cx="0" cy="0"/>
-        </a:xfrm>
-      </p:grpSpPr>
-      <p:sp>
-        <p:nvSpPr>
-          <p:cNvPr id="390" name="Shape 390"/>
-          <p:cNvSpPr>
-            <a:spLocks noGrp="1" noRot="1" noChangeAspect="1"/>
-          </p:cNvSpPr>
-          <p:nvPr>
-            <p:ph type="sldImg" idx="2"/>
-          </p:nvPr>
-        </p:nvSpPr>
-        <p:spPr>
-          <a:xfrm>
-            <a:off x="1143000" y="685800"/>
-            <a:ext cx="4572000" cy="3429000"/>
-          </a:xfrm>
-          <a:custGeom>
-            <a:avLst/>
-            <a:gdLst/>
-            <a:ahLst/>
-            <a:cxnLst/>
-            <a:rect l="0" t="0" r="0" b="0"/>
-            <a:pathLst>
-              <a:path w="120000" h="120000" extrusionOk="0">
-                <a:moveTo>
-                  <a:pt x="0" y="0"/>
-                </a:moveTo>
-                <a:lnTo>
-                  <a:pt x="120000" y="0"/>
-                </a:lnTo>
-                <a:lnTo>
-                  <a:pt x="120000" y="120000"/>
-                </a:lnTo>
-                <a:lnTo>
-                  <a:pt x="0" y="120000"/>
-                </a:lnTo>
-                <a:close/>
-              </a:path>
-            </a:pathLst>
-          </a:custGeom>
-        </p:spPr>
-      </p:sp>
-      <p:sp>
-        <p:nvSpPr>
-          <p:cNvPr id="391" name="Shape 391"/>
-          <p:cNvSpPr txBox="1">
-            <a:spLocks noGrp="1"/>
-          </p:cNvSpPr>
-          <p:nvPr>
-            <p:ph type="body" idx="1"/>
-          </p:nvPr>
-        </p:nvSpPr>
-        <p:spPr>
-          <a:xfrm>
-            <a:off x="685800" y="4343400"/>
-            <a:ext cx="5486400" cy="4114800"/>
-          </a:xfrm>
-          <a:prstGeom prst="rect">
-            <a:avLst/>
-          </a:prstGeom>
-        </p:spPr>
-        <p:txBody>
-          <a:bodyPr spcFirstLastPara="1" wrap="square" lIns="91425" tIns="91425" rIns="91425" bIns="91425" anchor="t" anchorCtr="0">
-            <a:noAutofit/>
-          </a:bodyPr>
-          <a:lstStyle/>
-          <a:p>
-            <a:pPr marL="0" lvl="0" indent="0" rtl="0">
-              <a:spcBef>
-                <a:spcPts val="0"/>
-              </a:spcBef>
-              <a:spcAft>
-                <a:spcPts val="0"/>
-              </a:spcAft>
-              <a:buNone/>
-            </a:pPr>
-            <a:r>
-              <a:rPr lang="es-CL" dirty="0"/>
-              <a:t>Después de esta slide, mostrar avances en PCs del equipo</a:t>
-            </a:r>
-            <a:endParaRPr dirty="0"/>
-          </a:p>
-        </p:txBody>
-      </p:sp>
-    </p:spTree>
-    <p:extLst>
-      <p:ext uri="{BB962C8B-B14F-4D97-AF65-F5344CB8AC3E}">
-        <p14:creationId xmlns:p14="http://schemas.microsoft.com/office/powerpoint/2010/main" val="2810988861"/>
-      </p:ext>
-    </p:extLst>
-  </p:cSld>
-  <p:clrMapOvr>
-    <a:masterClrMapping/>
-  </p:clrMapOvr>
-</p:notes>
-</file>
-
-<file path=ppt/notesSlides/notesSlide28.xml><?xml version="1.0" encoding="utf-8"?>
-<p:notes xmlns:a="http://schemas.openxmlformats.org/drawingml/2006/main" xmlns:r="http://schemas.openxmlformats.org/officeDocument/2006/relationships" xmlns:p="http://schemas.openxmlformats.org/presentationml/2006/main" showMasterSp="0" showMasterPhAnim="0">
-  <p:cSld>
-    <p:spTree>
-      <p:nvGrpSpPr>
-        <p:cNvPr id="1" name="Shape 389"/>
-        <p:cNvGrpSpPr/>
-        <p:nvPr/>
-      </p:nvGrpSpPr>
-      <p:grpSpPr>
-        <a:xfrm>
-          <a:off x="0" y="0"/>
-          <a:ext cx="0" cy="0"/>
-          <a:chOff x="0" y="0"/>
-          <a:chExt cx="0" cy="0"/>
-        </a:xfrm>
-      </p:grpSpPr>
-      <p:sp>
-        <p:nvSpPr>
-          <p:cNvPr id="390" name="Shape 390"/>
-          <p:cNvSpPr>
-            <a:spLocks noGrp="1" noRot="1" noChangeAspect="1"/>
-          </p:cNvSpPr>
-          <p:nvPr>
-            <p:ph type="sldImg" idx="2"/>
-          </p:nvPr>
-        </p:nvSpPr>
-        <p:spPr>
-          <a:xfrm>
-            <a:off x="1143000" y="685800"/>
-            <a:ext cx="4572000" cy="3429000"/>
-          </a:xfrm>
-          <a:custGeom>
-            <a:avLst/>
-            <a:gdLst/>
-            <a:ahLst/>
-            <a:cxnLst/>
-            <a:rect l="0" t="0" r="0" b="0"/>
-            <a:pathLst>
-              <a:path w="120000" h="120000" extrusionOk="0">
-                <a:moveTo>
-                  <a:pt x="0" y="0"/>
-                </a:moveTo>
-                <a:lnTo>
-                  <a:pt x="120000" y="0"/>
-                </a:lnTo>
-                <a:lnTo>
-                  <a:pt x="120000" y="120000"/>
-                </a:lnTo>
-                <a:lnTo>
-                  <a:pt x="0" y="120000"/>
-                </a:lnTo>
-                <a:close/>
-              </a:path>
-            </a:pathLst>
-          </a:custGeom>
-        </p:spPr>
-      </p:sp>
-      <p:sp>
-        <p:nvSpPr>
-          <p:cNvPr id="391" name="Shape 391"/>
-          <p:cNvSpPr txBox="1">
-            <a:spLocks noGrp="1"/>
-          </p:cNvSpPr>
-          <p:nvPr>
-            <p:ph type="body" idx="1"/>
-          </p:nvPr>
-        </p:nvSpPr>
-        <p:spPr>
-          <a:xfrm>
-            <a:off x="685800" y="4343400"/>
-            <a:ext cx="5486400" cy="4114800"/>
-          </a:xfrm>
-          <a:prstGeom prst="rect">
-            <a:avLst/>
-          </a:prstGeom>
-        </p:spPr>
-        <p:txBody>
-          <a:bodyPr spcFirstLastPara="1" wrap="square" lIns="91425" tIns="91425" rIns="91425" bIns="91425" anchor="t" anchorCtr="0">
-            <a:noAutofit/>
-          </a:bodyPr>
-          <a:lstStyle/>
-          <a:p>
-            <a:pPr marL="0" lvl="0" indent="0" rtl="0">
-              <a:spcBef>
-                <a:spcPts val="0"/>
-              </a:spcBef>
-              <a:spcAft>
-                <a:spcPts val="0"/>
-              </a:spcAft>
-              <a:buNone/>
-            </a:pPr>
-            <a:r>
-              <a:rPr lang="es-CL" dirty="0"/>
-              <a:t>Después de esta slide, mostrar avances en PCs del equipo</a:t>
-            </a:r>
-            <a:endParaRPr dirty="0"/>
-          </a:p>
-        </p:txBody>
-      </p:sp>
-    </p:spTree>
-    <p:extLst>
-      <p:ext uri="{BB962C8B-B14F-4D97-AF65-F5344CB8AC3E}">
-        <p14:creationId xmlns:p14="http://schemas.microsoft.com/office/powerpoint/2010/main" val="194836630"/>
-      </p:ext>
-    </p:extLst>
-  </p:cSld>
-  <p:clrMapOvr>
-    <a:masterClrMapping/>
-  </p:clrMapOvr>
-</p:notes>
-</file>
-
-<file path=ppt/notesSlides/notesSlide29.xml><?xml version="1.0" encoding="utf-8"?>
-<p:notes xmlns:a="http://schemas.openxmlformats.org/drawingml/2006/main" xmlns:r="http://schemas.openxmlformats.org/officeDocument/2006/relationships" xmlns:p="http://schemas.openxmlformats.org/presentationml/2006/main" showMasterSp="0" showMasterPhAnim="0">
-  <p:cSld>
-    <p:spTree>
-      <p:nvGrpSpPr>
-        <p:cNvPr id="1" name="Shape 389"/>
-        <p:cNvGrpSpPr/>
-        <p:nvPr/>
-      </p:nvGrpSpPr>
-      <p:grpSpPr>
-        <a:xfrm>
-          <a:off x="0" y="0"/>
-          <a:ext cx="0" cy="0"/>
-          <a:chOff x="0" y="0"/>
-          <a:chExt cx="0" cy="0"/>
-        </a:xfrm>
-      </p:grpSpPr>
-      <p:sp>
-        <p:nvSpPr>
-          <p:cNvPr id="390" name="Shape 390"/>
-          <p:cNvSpPr>
-            <a:spLocks noGrp="1" noRot="1" noChangeAspect="1"/>
-          </p:cNvSpPr>
-          <p:nvPr>
-            <p:ph type="sldImg" idx="2"/>
-          </p:nvPr>
-        </p:nvSpPr>
-        <p:spPr>
-          <a:xfrm>
-            <a:off x="1143000" y="685800"/>
-            <a:ext cx="4572000" cy="3429000"/>
-          </a:xfrm>
-          <a:custGeom>
-            <a:avLst/>
-            <a:gdLst/>
-            <a:ahLst/>
-            <a:cxnLst/>
-            <a:rect l="0" t="0" r="0" b="0"/>
-            <a:pathLst>
-              <a:path w="120000" h="120000" extrusionOk="0">
-                <a:moveTo>
-                  <a:pt x="0" y="0"/>
-                </a:moveTo>
-                <a:lnTo>
-                  <a:pt x="120000" y="0"/>
-                </a:lnTo>
-                <a:lnTo>
-                  <a:pt x="120000" y="120000"/>
-                </a:lnTo>
-                <a:lnTo>
-                  <a:pt x="0" y="120000"/>
-                </a:lnTo>
-                <a:close/>
-              </a:path>
-            </a:pathLst>
-          </a:custGeom>
-        </p:spPr>
-      </p:sp>
-      <p:sp>
-        <p:nvSpPr>
-          <p:cNvPr id="391" name="Shape 391"/>
-          <p:cNvSpPr txBox="1">
-            <a:spLocks noGrp="1"/>
-          </p:cNvSpPr>
-          <p:nvPr>
-            <p:ph type="body" idx="1"/>
-          </p:nvPr>
-        </p:nvSpPr>
-        <p:spPr>
-          <a:xfrm>
-            <a:off x="685800" y="4343400"/>
-            <a:ext cx="5486400" cy="4114800"/>
-          </a:xfrm>
-          <a:prstGeom prst="rect">
-            <a:avLst/>
-          </a:prstGeom>
-        </p:spPr>
-        <p:txBody>
-          <a:bodyPr spcFirstLastPara="1" wrap="square" lIns="91425" tIns="91425" rIns="91425" bIns="91425" anchor="t" anchorCtr="0">
-            <a:noAutofit/>
-          </a:bodyPr>
-          <a:lstStyle/>
-          <a:p>
-            <a:pPr marL="0" lvl="0" indent="0" rtl="0">
-              <a:spcBef>
-                <a:spcPts val="0"/>
-              </a:spcBef>
-              <a:spcAft>
-                <a:spcPts val="0"/>
-              </a:spcAft>
-              <a:buNone/>
-            </a:pPr>
-            <a:r>
-              <a:rPr lang="es-CL" dirty="0"/>
-              <a:t>Después de esta slide, mostrar avances en PCs del equipo</a:t>
-            </a:r>
-            <a:endParaRPr dirty="0"/>
-          </a:p>
-        </p:txBody>
-      </p:sp>
-    </p:spTree>
-    <p:extLst>
-      <p:ext uri="{BB962C8B-B14F-4D97-AF65-F5344CB8AC3E}">
-        <p14:creationId xmlns:p14="http://schemas.microsoft.com/office/powerpoint/2010/main" val="639975255"/>
-      </p:ext>
-    </p:extLst>
-  </p:cSld>
-  <p:clrMapOvr>
-    <a:masterClrMapping/>
-  </p:clrMapOvr>
-</p:notes>
-</file>
-
-<file path=ppt/notesSlides/notesSlide3.xml><?xml version="1.0" encoding="utf-8"?>
 <p:notes xmlns:a="http://schemas.openxmlformats.org/drawingml/2006/main" xmlns:r="http://schemas.openxmlformats.org/officeDocument/2006/relationships" xmlns:p="http://schemas.openxmlformats.org/presentationml/2006/main" showMasterSp="0" showMasterPhAnim="0">
   <p:cSld>
     <p:spTree>
@@ -3133,7 +2683,7 @@
     </p:spTree>
     <p:extLst>
       <p:ext uri="{BB962C8B-B14F-4D97-AF65-F5344CB8AC3E}">
-        <p14:creationId xmlns:p14="http://schemas.microsoft.com/office/powerpoint/2010/main" val="1651431924"/>
+        <p14:creationId xmlns:p14="http://schemas.microsoft.com/office/powerpoint/2010/main" val="290444762"/>
       </p:ext>
     </p:extLst>
   </p:cSld>
@@ -3143,12 +2693,12 @@
 </p:notes>
 </file>
 
-<file path=ppt/notesSlides/notesSlide30.xml><?xml version="1.0" encoding="utf-8"?>
+<file path=ppt/notesSlides/notesSlide27.xml><?xml version="1.0" encoding="utf-8"?>
 <p:notes xmlns:a="http://schemas.openxmlformats.org/drawingml/2006/main" xmlns:r="http://schemas.openxmlformats.org/officeDocument/2006/relationships" xmlns:p="http://schemas.openxmlformats.org/presentationml/2006/main" showMasterSp="0" showMasterPhAnim="0">
   <p:cSld>
     <p:spTree>
       <p:nvGrpSpPr>
-        <p:cNvPr id="1" name="Shape 445"/>
+        <p:cNvPr id="1" name="Shape 389"/>
         <p:cNvGrpSpPr/>
         <p:nvPr/>
       </p:nvGrpSpPr>
@@ -3162,7 +2712,7 @@
       </p:grpSpPr>
       <p:sp>
         <p:nvSpPr>
-          <p:cNvPr id="446" name="Shape 446"/>
+          <p:cNvPr id="390" name="Shape 390"/>
           <p:cNvSpPr>
             <a:spLocks noGrp="1" noRot="1" noChangeAspect="1"/>
           </p:cNvSpPr>
@@ -3203,6 +2753,707 @@
       </p:sp>
       <p:sp>
         <p:nvSpPr>
+          <p:cNvPr id="391" name="Shape 391"/>
+          <p:cNvSpPr txBox="1">
+            <a:spLocks noGrp="1"/>
+          </p:cNvSpPr>
+          <p:nvPr>
+            <p:ph type="body" idx="1"/>
+          </p:nvPr>
+        </p:nvSpPr>
+        <p:spPr>
+          <a:xfrm>
+            <a:off x="685800" y="4343400"/>
+            <a:ext cx="5486400" cy="4114800"/>
+          </a:xfrm>
+          <a:prstGeom prst="rect">
+            <a:avLst/>
+          </a:prstGeom>
+        </p:spPr>
+        <p:txBody>
+          <a:bodyPr spcFirstLastPara="1" wrap="square" lIns="91425" tIns="91425" rIns="91425" bIns="91425" anchor="t" anchorCtr="0">
+            <a:noAutofit/>
+          </a:bodyPr>
+          <a:lstStyle/>
+          <a:p>
+            <a:pPr marL="0" lvl="0" indent="0" rtl="0">
+              <a:spcBef>
+                <a:spcPts val="0"/>
+              </a:spcBef>
+              <a:spcAft>
+                <a:spcPts val="0"/>
+              </a:spcAft>
+              <a:buNone/>
+            </a:pPr>
+            <a:r>
+              <a:rPr lang="es-CL" dirty="0"/>
+              <a:t>Después de esta slide, mostrar avances en PCs del equipo</a:t>
+            </a:r>
+            <a:endParaRPr dirty="0"/>
+          </a:p>
+        </p:txBody>
+      </p:sp>
+    </p:spTree>
+    <p:extLst>
+      <p:ext uri="{BB962C8B-B14F-4D97-AF65-F5344CB8AC3E}">
+        <p14:creationId xmlns:p14="http://schemas.microsoft.com/office/powerpoint/2010/main" val="720240425"/>
+      </p:ext>
+    </p:extLst>
+  </p:cSld>
+  <p:clrMapOvr>
+    <a:masterClrMapping/>
+  </p:clrMapOvr>
+</p:notes>
+</file>
+
+<file path=ppt/notesSlides/notesSlide28.xml><?xml version="1.0" encoding="utf-8"?>
+<p:notes xmlns:a="http://schemas.openxmlformats.org/drawingml/2006/main" xmlns:r="http://schemas.openxmlformats.org/officeDocument/2006/relationships" xmlns:p="http://schemas.openxmlformats.org/presentationml/2006/main" showMasterSp="0" showMasterPhAnim="0">
+  <p:cSld>
+    <p:spTree>
+      <p:nvGrpSpPr>
+        <p:cNvPr id="1" name="Shape 389"/>
+        <p:cNvGrpSpPr/>
+        <p:nvPr/>
+      </p:nvGrpSpPr>
+      <p:grpSpPr>
+        <a:xfrm>
+          <a:off x="0" y="0"/>
+          <a:ext cx="0" cy="0"/>
+          <a:chOff x="0" y="0"/>
+          <a:chExt cx="0" cy="0"/>
+        </a:xfrm>
+      </p:grpSpPr>
+      <p:sp>
+        <p:nvSpPr>
+          <p:cNvPr id="390" name="Shape 390"/>
+          <p:cNvSpPr>
+            <a:spLocks noGrp="1" noRot="1" noChangeAspect="1"/>
+          </p:cNvSpPr>
+          <p:nvPr>
+            <p:ph type="sldImg" idx="2"/>
+          </p:nvPr>
+        </p:nvSpPr>
+        <p:spPr>
+          <a:xfrm>
+            <a:off x="1143000" y="685800"/>
+            <a:ext cx="4572000" cy="3429000"/>
+          </a:xfrm>
+          <a:custGeom>
+            <a:avLst/>
+            <a:gdLst/>
+            <a:ahLst/>
+            <a:cxnLst/>
+            <a:rect l="0" t="0" r="0" b="0"/>
+            <a:pathLst>
+              <a:path w="120000" h="120000" extrusionOk="0">
+                <a:moveTo>
+                  <a:pt x="0" y="0"/>
+                </a:moveTo>
+                <a:lnTo>
+                  <a:pt x="120000" y="0"/>
+                </a:lnTo>
+                <a:lnTo>
+                  <a:pt x="120000" y="120000"/>
+                </a:lnTo>
+                <a:lnTo>
+                  <a:pt x="0" y="120000"/>
+                </a:lnTo>
+                <a:close/>
+              </a:path>
+            </a:pathLst>
+          </a:custGeom>
+        </p:spPr>
+      </p:sp>
+      <p:sp>
+        <p:nvSpPr>
+          <p:cNvPr id="391" name="Shape 391"/>
+          <p:cNvSpPr txBox="1">
+            <a:spLocks noGrp="1"/>
+          </p:cNvSpPr>
+          <p:nvPr>
+            <p:ph type="body" idx="1"/>
+          </p:nvPr>
+        </p:nvSpPr>
+        <p:spPr>
+          <a:xfrm>
+            <a:off x="685800" y="4343400"/>
+            <a:ext cx="5486400" cy="4114800"/>
+          </a:xfrm>
+          <a:prstGeom prst="rect">
+            <a:avLst/>
+          </a:prstGeom>
+        </p:spPr>
+        <p:txBody>
+          <a:bodyPr spcFirstLastPara="1" wrap="square" lIns="91425" tIns="91425" rIns="91425" bIns="91425" anchor="t" anchorCtr="0">
+            <a:noAutofit/>
+          </a:bodyPr>
+          <a:lstStyle/>
+          <a:p>
+            <a:pPr marL="0" lvl="0" indent="0" rtl="0">
+              <a:spcBef>
+                <a:spcPts val="0"/>
+              </a:spcBef>
+              <a:spcAft>
+                <a:spcPts val="0"/>
+              </a:spcAft>
+              <a:buNone/>
+            </a:pPr>
+            <a:r>
+              <a:rPr lang="es-CL" dirty="0"/>
+              <a:t>Después de esta slide, mostrar avances en PCs del equipo</a:t>
+            </a:r>
+            <a:endParaRPr dirty="0"/>
+          </a:p>
+        </p:txBody>
+      </p:sp>
+    </p:spTree>
+    <p:extLst>
+      <p:ext uri="{BB962C8B-B14F-4D97-AF65-F5344CB8AC3E}">
+        <p14:creationId xmlns:p14="http://schemas.microsoft.com/office/powerpoint/2010/main" val="2810988861"/>
+      </p:ext>
+    </p:extLst>
+  </p:cSld>
+  <p:clrMapOvr>
+    <a:masterClrMapping/>
+  </p:clrMapOvr>
+</p:notes>
+</file>
+
+<file path=ppt/notesSlides/notesSlide29.xml><?xml version="1.0" encoding="utf-8"?>
+<p:notes xmlns:a="http://schemas.openxmlformats.org/drawingml/2006/main" xmlns:r="http://schemas.openxmlformats.org/officeDocument/2006/relationships" xmlns:p="http://schemas.openxmlformats.org/presentationml/2006/main" showMasterSp="0" showMasterPhAnim="0">
+  <p:cSld>
+    <p:spTree>
+      <p:nvGrpSpPr>
+        <p:cNvPr id="1" name="Shape 389"/>
+        <p:cNvGrpSpPr/>
+        <p:nvPr/>
+      </p:nvGrpSpPr>
+      <p:grpSpPr>
+        <a:xfrm>
+          <a:off x="0" y="0"/>
+          <a:ext cx="0" cy="0"/>
+          <a:chOff x="0" y="0"/>
+          <a:chExt cx="0" cy="0"/>
+        </a:xfrm>
+      </p:grpSpPr>
+      <p:sp>
+        <p:nvSpPr>
+          <p:cNvPr id="390" name="Shape 390"/>
+          <p:cNvSpPr>
+            <a:spLocks noGrp="1" noRot="1" noChangeAspect="1"/>
+          </p:cNvSpPr>
+          <p:nvPr>
+            <p:ph type="sldImg" idx="2"/>
+          </p:nvPr>
+        </p:nvSpPr>
+        <p:spPr>
+          <a:xfrm>
+            <a:off x="1143000" y="685800"/>
+            <a:ext cx="4572000" cy="3429000"/>
+          </a:xfrm>
+          <a:custGeom>
+            <a:avLst/>
+            <a:gdLst/>
+            <a:ahLst/>
+            <a:cxnLst/>
+            <a:rect l="0" t="0" r="0" b="0"/>
+            <a:pathLst>
+              <a:path w="120000" h="120000" extrusionOk="0">
+                <a:moveTo>
+                  <a:pt x="0" y="0"/>
+                </a:moveTo>
+                <a:lnTo>
+                  <a:pt x="120000" y="0"/>
+                </a:lnTo>
+                <a:lnTo>
+                  <a:pt x="120000" y="120000"/>
+                </a:lnTo>
+                <a:lnTo>
+                  <a:pt x="0" y="120000"/>
+                </a:lnTo>
+                <a:close/>
+              </a:path>
+            </a:pathLst>
+          </a:custGeom>
+        </p:spPr>
+      </p:sp>
+      <p:sp>
+        <p:nvSpPr>
+          <p:cNvPr id="391" name="Shape 391"/>
+          <p:cNvSpPr txBox="1">
+            <a:spLocks noGrp="1"/>
+          </p:cNvSpPr>
+          <p:nvPr>
+            <p:ph type="body" idx="1"/>
+          </p:nvPr>
+        </p:nvSpPr>
+        <p:spPr>
+          <a:xfrm>
+            <a:off x="685800" y="4343400"/>
+            <a:ext cx="5486400" cy="4114800"/>
+          </a:xfrm>
+          <a:prstGeom prst="rect">
+            <a:avLst/>
+          </a:prstGeom>
+        </p:spPr>
+        <p:txBody>
+          <a:bodyPr spcFirstLastPara="1" wrap="square" lIns="91425" tIns="91425" rIns="91425" bIns="91425" anchor="t" anchorCtr="0">
+            <a:noAutofit/>
+          </a:bodyPr>
+          <a:lstStyle/>
+          <a:p>
+            <a:pPr marL="0" lvl="0" indent="0" rtl="0">
+              <a:spcBef>
+                <a:spcPts val="0"/>
+              </a:spcBef>
+              <a:spcAft>
+                <a:spcPts val="0"/>
+              </a:spcAft>
+              <a:buNone/>
+            </a:pPr>
+            <a:r>
+              <a:rPr lang="es-CL" dirty="0"/>
+              <a:t>Después de esta slide, mostrar avances en PCs del equipo</a:t>
+            </a:r>
+            <a:endParaRPr dirty="0"/>
+          </a:p>
+        </p:txBody>
+      </p:sp>
+    </p:spTree>
+    <p:extLst>
+      <p:ext uri="{BB962C8B-B14F-4D97-AF65-F5344CB8AC3E}">
+        <p14:creationId xmlns:p14="http://schemas.microsoft.com/office/powerpoint/2010/main" val="194836630"/>
+      </p:ext>
+    </p:extLst>
+  </p:cSld>
+  <p:clrMapOvr>
+    <a:masterClrMapping/>
+  </p:clrMapOvr>
+</p:notes>
+</file>
+
+<file path=ppt/notesSlides/notesSlide3.xml><?xml version="1.0" encoding="utf-8"?>
+<p:notes xmlns:a="http://schemas.openxmlformats.org/drawingml/2006/main" xmlns:r="http://schemas.openxmlformats.org/officeDocument/2006/relationships" xmlns:p="http://schemas.openxmlformats.org/presentationml/2006/main" showMasterSp="0" showMasterPhAnim="0">
+  <p:cSld>
+    <p:spTree>
+      <p:nvGrpSpPr>
+        <p:cNvPr id="1" name="Shape 384"/>
+        <p:cNvGrpSpPr/>
+        <p:nvPr/>
+      </p:nvGrpSpPr>
+      <p:grpSpPr>
+        <a:xfrm>
+          <a:off x="0" y="0"/>
+          <a:ext cx="0" cy="0"/>
+          <a:chOff x="0" y="0"/>
+          <a:chExt cx="0" cy="0"/>
+        </a:xfrm>
+      </p:grpSpPr>
+      <p:sp>
+        <p:nvSpPr>
+          <p:cNvPr id="385" name="Shape 385"/>
+          <p:cNvSpPr>
+            <a:spLocks noGrp="1" noRot="1" noChangeAspect="1"/>
+          </p:cNvSpPr>
+          <p:nvPr>
+            <p:ph type="sldImg" idx="2"/>
+          </p:nvPr>
+        </p:nvSpPr>
+        <p:spPr>
+          <a:xfrm>
+            <a:off x="1143000" y="685800"/>
+            <a:ext cx="4572000" cy="3429000"/>
+          </a:xfrm>
+          <a:custGeom>
+            <a:avLst/>
+            <a:gdLst/>
+            <a:ahLst/>
+            <a:cxnLst/>
+            <a:rect l="0" t="0" r="0" b="0"/>
+            <a:pathLst>
+              <a:path w="120000" h="120000" extrusionOk="0">
+                <a:moveTo>
+                  <a:pt x="0" y="0"/>
+                </a:moveTo>
+                <a:lnTo>
+                  <a:pt x="120000" y="0"/>
+                </a:lnTo>
+                <a:lnTo>
+                  <a:pt x="120000" y="120000"/>
+                </a:lnTo>
+                <a:lnTo>
+                  <a:pt x="0" y="120000"/>
+                </a:lnTo>
+                <a:close/>
+              </a:path>
+            </a:pathLst>
+          </a:custGeom>
+          <a:noFill/>
+          <a:ln w="9525" cap="flat" cmpd="sng">
+            <a:solidFill>
+              <a:srgbClr val="000000"/>
+            </a:solidFill>
+            <a:prstDash val="solid"/>
+            <a:round/>
+            <a:headEnd type="none" w="sm" len="sm"/>
+            <a:tailEnd type="none" w="sm" len="sm"/>
+          </a:ln>
+        </p:spPr>
+      </p:sp>
+      <p:sp>
+        <p:nvSpPr>
+          <p:cNvPr id="386" name="Shape 386"/>
+          <p:cNvSpPr txBox="1">
+            <a:spLocks noGrp="1"/>
+          </p:cNvSpPr>
+          <p:nvPr>
+            <p:ph type="body" idx="1"/>
+          </p:nvPr>
+        </p:nvSpPr>
+        <p:spPr>
+          <a:xfrm>
+            <a:off x="685800" y="4343400"/>
+            <a:ext cx="5486400" cy="4114800"/>
+          </a:xfrm>
+          <a:prstGeom prst="rect">
+            <a:avLst/>
+          </a:prstGeom>
+          <a:noFill/>
+          <a:ln>
+            <a:noFill/>
+          </a:ln>
+        </p:spPr>
+        <p:txBody>
+          <a:bodyPr spcFirstLastPara="1" wrap="square" lIns="91425" tIns="91425" rIns="91425" bIns="91425" anchor="t" anchorCtr="0">
+            <a:noAutofit/>
+          </a:bodyPr>
+          <a:lstStyle/>
+          <a:p>
+            <a:pPr marL="0" marR="0" lvl="0" indent="69850" algn="l" rtl="0">
+              <a:spcBef>
+                <a:spcPts val="0"/>
+              </a:spcBef>
+              <a:spcAft>
+                <a:spcPts val="0"/>
+              </a:spcAft>
+              <a:buClr>
+                <a:srgbClr val="FF0000"/>
+              </a:buClr>
+              <a:buSzPts val="1100"/>
+              <a:buFont typeface="Arial"/>
+              <a:buNone/>
+            </a:pPr>
+            <a:endParaRPr sz="1100" b="0" i="0" u="none" strike="noStrike" cap="none">
+              <a:solidFill>
+                <a:srgbClr val="FF0000"/>
+              </a:solidFill>
+              <a:latin typeface="Arial"/>
+              <a:ea typeface="Arial"/>
+              <a:cs typeface="Arial"/>
+              <a:sym typeface="Arial"/>
+            </a:endParaRPr>
+          </a:p>
+        </p:txBody>
+      </p:sp>
+    </p:spTree>
+    <p:extLst>
+      <p:ext uri="{BB962C8B-B14F-4D97-AF65-F5344CB8AC3E}">
+        <p14:creationId xmlns:p14="http://schemas.microsoft.com/office/powerpoint/2010/main" val="1651431924"/>
+      </p:ext>
+    </p:extLst>
+  </p:cSld>
+  <p:clrMapOvr>
+    <a:masterClrMapping/>
+  </p:clrMapOvr>
+</p:notes>
+</file>
+
+<file path=ppt/notesSlides/notesSlide30.xml><?xml version="1.0" encoding="utf-8"?>
+<p:notes xmlns:a="http://schemas.openxmlformats.org/drawingml/2006/main" xmlns:r="http://schemas.openxmlformats.org/officeDocument/2006/relationships" xmlns:p="http://schemas.openxmlformats.org/presentationml/2006/main" showMasterSp="0" showMasterPhAnim="0">
+  <p:cSld>
+    <p:spTree>
+      <p:nvGrpSpPr>
+        <p:cNvPr id="1" name="Shape 389"/>
+        <p:cNvGrpSpPr/>
+        <p:nvPr/>
+      </p:nvGrpSpPr>
+      <p:grpSpPr>
+        <a:xfrm>
+          <a:off x="0" y="0"/>
+          <a:ext cx="0" cy="0"/>
+          <a:chOff x="0" y="0"/>
+          <a:chExt cx="0" cy="0"/>
+        </a:xfrm>
+      </p:grpSpPr>
+      <p:sp>
+        <p:nvSpPr>
+          <p:cNvPr id="390" name="Shape 390"/>
+          <p:cNvSpPr>
+            <a:spLocks noGrp="1" noRot="1" noChangeAspect="1"/>
+          </p:cNvSpPr>
+          <p:nvPr>
+            <p:ph type="sldImg" idx="2"/>
+          </p:nvPr>
+        </p:nvSpPr>
+        <p:spPr>
+          <a:xfrm>
+            <a:off x="1143000" y="685800"/>
+            <a:ext cx="4572000" cy="3429000"/>
+          </a:xfrm>
+          <a:custGeom>
+            <a:avLst/>
+            <a:gdLst/>
+            <a:ahLst/>
+            <a:cxnLst/>
+            <a:rect l="0" t="0" r="0" b="0"/>
+            <a:pathLst>
+              <a:path w="120000" h="120000" extrusionOk="0">
+                <a:moveTo>
+                  <a:pt x="0" y="0"/>
+                </a:moveTo>
+                <a:lnTo>
+                  <a:pt x="120000" y="0"/>
+                </a:lnTo>
+                <a:lnTo>
+                  <a:pt x="120000" y="120000"/>
+                </a:lnTo>
+                <a:lnTo>
+                  <a:pt x="0" y="120000"/>
+                </a:lnTo>
+                <a:close/>
+              </a:path>
+            </a:pathLst>
+          </a:custGeom>
+        </p:spPr>
+      </p:sp>
+      <p:sp>
+        <p:nvSpPr>
+          <p:cNvPr id="391" name="Shape 391"/>
+          <p:cNvSpPr txBox="1">
+            <a:spLocks noGrp="1"/>
+          </p:cNvSpPr>
+          <p:nvPr>
+            <p:ph type="body" idx="1"/>
+          </p:nvPr>
+        </p:nvSpPr>
+        <p:spPr>
+          <a:xfrm>
+            <a:off x="685800" y="4343400"/>
+            <a:ext cx="5486400" cy="4114800"/>
+          </a:xfrm>
+          <a:prstGeom prst="rect">
+            <a:avLst/>
+          </a:prstGeom>
+        </p:spPr>
+        <p:txBody>
+          <a:bodyPr spcFirstLastPara="1" wrap="square" lIns="91425" tIns="91425" rIns="91425" bIns="91425" anchor="t" anchorCtr="0">
+            <a:noAutofit/>
+          </a:bodyPr>
+          <a:lstStyle/>
+          <a:p>
+            <a:pPr marL="0" lvl="0" indent="0" rtl="0">
+              <a:spcBef>
+                <a:spcPts val="0"/>
+              </a:spcBef>
+              <a:spcAft>
+                <a:spcPts val="0"/>
+              </a:spcAft>
+              <a:buNone/>
+            </a:pPr>
+            <a:r>
+              <a:rPr lang="es-CL" dirty="0"/>
+              <a:t>Después de esta slide, mostrar avances en PCs del equipo</a:t>
+            </a:r>
+            <a:endParaRPr dirty="0"/>
+          </a:p>
+        </p:txBody>
+      </p:sp>
+    </p:spTree>
+    <p:extLst>
+      <p:ext uri="{BB962C8B-B14F-4D97-AF65-F5344CB8AC3E}">
+        <p14:creationId xmlns:p14="http://schemas.microsoft.com/office/powerpoint/2010/main" val="639975255"/>
+      </p:ext>
+    </p:extLst>
+  </p:cSld>
+  <p:clrMapOvr>
+    <a:masterClrMapping/>
+  </p:clrMapOvr>
+</p:notes>
+</file>
+
+<file path=ppt/notesSlides/notesSlide31.xml><?xml version="1.0" encoding="utf-8"?>
+<p:notes xmlns:a="http://schemas.openxmlformats.org/drawingml/2006/main" xmlns:r="http://schemas.openxmlformats.org/officeDocument/2006/relationships" xmlns:p="http://schemas.openxmlformats.org/presentationml/2006/main" showMasterSp="0" showMasterPhAnim="0">
+  <p:cSld>
+    <p:spTree>
+      <p:nvGrpSpPr>
+        <p:cNvPr id="1" name="Shape 389"/>
+        <p:cNvGrpSpPr/>
+        <p:nvPr/>
+      </p:nvGrpSpPr>
+      <p:grpSpPr>
+        <a:xfrm>
+          <a:off x="0" y="0"/>
+          <a:ext cx="0" cy="0"/>
+          <a:chOff x="0" y="0"/>
+          <a:chExt cx="0" cy="0"/>
+        </a:xfrm>
+      </p:grpSpPr>
+      <p:sp>
+        <p:nvSpPr>
+          <p:cNvPr id="390" name="Shape 390"/>
+          <p:cNvSpPr>
+            <a:spLocks noGrp="1" noRot="1" noChangeAspect="1"/>
+          </p:cNvSpPr>
+          <p:nvPr>
+            <p:ph type="sldImg" idx="2"/>
+          </p:nvPr>
+        </p:nvSpPr>
+        <p:spPr>
+          <a:xfrm>
+            <a:off x="1143000" y="685800"/>
+            <a:ext cx="4572000" cy="3429000"/>
+          </a:xfrm>
+          <a:custGeom>
+            <a:avLst/>
+            <a:gdLst/>
+            <a:ahLst/>
+            <a:cxnLst/>
+            <a:rect l="0" t="0" r="0" b="0"/>
+            <a:pathLst>
+              <a:path w="120000" h="120000" extrusionOk="0">
+                <a:moveTo>
+                  <a:pt x="0" y="0"/>
+                </a:moveTo>
+                <a:lnTo>
+                  <a:pt x="120000" y="0"/>
+                </a:lnTo>
+                <a:lnTo>
+                  <a:pt x="120000" y="120000"/>
+                </a:lnTo>
+                <a:lnTo>
+                  <a:pt x="0" y="120000"/>
+                </a:lnTo>
+                <a:close/>
+              </a:path>
+            </a:pathLst>
+          </a:custGeom>
+        </p:spPr>
+      </p:sp>
+      <p:sp>
+        <p:nvSpPr>
+          <p:cNvPr id="391" name="Shape 391"/>
+          <p:cNvSpPr txBox="1">
+            <a:spLocks noGrp="1"/>
+          </p:cNvSpPr>
+          <p:nvPr>
+            <p:ph type="body" idx="1"/>
+          </p:nvPr>
+        </p:nvSpPr>
+        <p:spPr>
+          <a:xfrm>
+            <a:off x="685800" y="4343400"/>
+            <a:ext cx="5486400" cy="4114800"/>
+          </a:xfrm>
+          <a:prstGeom prst="rect">
+            <a:avLst/>
+          </a:prstGeom>
+        </p:spPr>
+        <p:txBody>
+          <a:bodyPr spcFirstLastPara="1" wrap="square" lIns="91425" tIns="91425" rIns="91425" bIns="91425" anchor="t" anchorCtr="0">
+            <a:noAutofit/>
+          </a:bodyPr>
+          <a:lstStyle/>
+          <a:p>
+            <a:pPr marL="0" lvl="0" indent="0" rtl="0">
+              <a:spcBef>
+                <a:spcPts val="0"/>
+              </a:spcBef>
+              <a:spcAft>
+                <a:spcPts val="0"/>
+              </a:spcAft>
+              <a:buNone/>
+            </a:pPr>
+            <a:r>
+              <a:rPr lang="es-CL" dirty="0"/>
+              <a:t>Después de esta slide, mostrar avances en PCs del equipo</a:t>
+            </a:r>
+            <a:endParaRPr dirty="0"/>
+          </a:p>
+        </p:txBody>
+      </p:sp>
+    </p:spTree>
+    <p:extLst>
+      <p:ext uri="{BB962C8B-B14F-4D97-AF65-F5344CB8AC3E}">
+        <p14:creationId xmlns:p14="http://schemas.microsoft.com/office/powerpoint/2010/main" val="2948569079"/>
+      </p:ext>
+    </p:extLst>
+  </p:cSld>
+  <p:clrMapOvr>
+    <a:masterClrMapping/>
+  </p:clrMapOvr>
+</p:notes>
+</file>
+
+<file path=ppt/notesSlides/notesSlide32.xml><?xml version="1.0" encoding="utf-8"?>
+<p:notes xmlns:a="http://schemas.openxmlformats.org/drawingml/2006/main" xmlns:r="http://schemas.openxmlformats.org/officeDocument/2006/relationships" xmlns:p="http://schemas.openxmlformats.org/presentationml/2006/main" showMasterSp="0" showMasterPhAnim="0">
+  <p:cSld>
+    <p:spTree>
+      <p:nvGrpSpPr>
+        <p:cNvPr id="1" name="Shape 445"/>
+        <p:cNvGrpSpPr/>
+        <p:nvPr/>
+      </p:nvGrpSpPr>
+      <p:grpSpPr>
+        <a:xfrm>
+          <a:off x="0" y="0"/>
+          <a:ext cx="0" cy="0"/>
+          <a:chOff x="0" y="0"/>
+          <a:chExt cx="0" cy="0"/>
+        </a:xfrm>
+      </p:grpSpPr>
+      <p:sp>
+        <p:nvSpPr>
+          <p:cNvPr id="446" name="Shape 446"/>
+          <p:cNvSpPr>
+            <a:spLocks noGrp="1" noRot="1" noChangeAspect="1"/>
+          </p:cNvSpPr>
+          <p:nvPr>
+            <p:ph type="sldImg" idx="2"/>
+          </p:nvPr>
+        </p:nvSpPr>
+        <p:spPr>
+          <a:xfrm>
+            <a:off x="1143000" y="685800"/>
+            <a:ext cx="4572000" cy="3429000"/>
+          </a:xfrm>
+          <a:custGeom>
+            <a:avLst/>
+            <a:gdLst/>
+            <a:ahLst/>
+            <a:cxnLst/>
+            <a:rect l="0" t="0" r="0" b="0"/>
+            <a:pathLst>
+              <a:path w="120000" h="120000" extrusionOk="0">
+                <a:moveTo>
+                  <a:pt x="0" y="0"/>
+                </a:moveTo>
+                <a:lnTo>
+                  <a:pt x="120000" y="0"/>
+                </a:lnTo>
+                <a:lnTo>
+                  <a:pt x="120000" y="120000"/>
+                </a:lnTo>
+                <a:lnTo>
+                  <a:pt x="0" y="120000"/>
+                </a:lnTo>
+                <a:close/>
+              </a:path>
+            </a:pathLst>
+          </a:custGeom>
+        </p:spPr>
+      </p:sp>
+      <p:sp>
+        <p:nvSpPr>
           <p:cNvPr id="447" name="Shape 447"/>
           <p:cNvSpPr txBox="1">
             <a:spLocks noGrp="1"/>
@@ -3252,7 +3503,7 @@
 </p:notes>
 </file>
 
-<file path=ppt/notesSlides/notesSlide31.xml><?xml version="1.0" encoding="utf-8"?>
+<file path=ppt/notesSlides/notesSlide33.xml><?xml version="1.0" encoding="utf-8"?>
 <p:notes xmlns:a="http://schemas.openxmlformats.org/drawingml/2006/main" xmlns:r="http://schemas.openxmlformats.org/officeDocument/2006/relationships" xmlns:p="http://schemas.openxmlformats.org/presentationml/2006/main" showMasterSp="0" showMasterPhAnim="0">
   <p:cSld>
     <p:spTree>
@@ -10371,17 +10622,7 @@
                   </a:schemeClr>
                 </a:solidFill>
               </a:rPr>
-              <a:t>Forma de Compilar</a:t>
-            </a:r>
-            <a:r>
-              <a:rPr lang="es-CL" sz="2200" dirty="0" smtClean="0">
-                <a:solidFill>
-                  <a:schemeClr val="accent6">
-                    <a:lumMod val="75000"/>
-                  </a:schemeClr>
-                </a:solidFill>
-              </a:rPr>
-              <a:t>:</a:t>
+              <a:t>Forma de Compilar:</a:t>
             </a:r>
           </a:p>
         </p:txBody>
@@ -10468,13 +10709,6 @@
               </a:rPr>
               <a:t>Extensión de Archivo: </a:t>
             </a:r>
-            <a:endParaRPr lang="es-ES" sz="1500" b="1" dirty="0">
-              <a:solidFill>
-                <a:schemeClr val="accent1">
-                  <a:lumMod val="75000"/>
-                </a:schemeClr>
-              </a:solidFill>
-            </a:endParaRPr>
           </a:p>
           <a:p>
             <a:pPr algn="ctr"/>
@@ -12799,11 +13033,11 @@
           <a:p>
             <a:r>
               <a:rPr lang="es-CL" sz="2400" dirty="0" smtClean="0"/>
-              <a:t>3.1 Sintaxis HTML </a:t>
-            </a:r>
-            <a:r>
-              <a:rPr lang="es-CL" sz="2400" dirty="0" err="1" smtClean="0"/>
-              <a:t>Estandar</a:t>
+              <a:t>3.1 Sintaxis </a:t>
+            </a:r>
+            <a:r>
+              <a:rPr lang="es-CL" sz="2400" dirty="0" smtClean="0"/>
+              <a:t>General</a:t>
             </a:r>
             <a:endParaRPr lang="es-CL" sz="2400" dirty="0">
               <a:solidFill>
@@ -12948,7 +13182,7 @@
         <p:spPr>
           <a:xfrm>
             <a:off x="1891080" y="1417697"/>
-            <a:ext cx="698076" cy="430887"/>
+            <a:ext cx="665567" cy="430887"/>
           </a:xfrm>
           <a:prstGeom prst="rect">
             <a:avLst/>
@@ -12961,14 +13195,14 @@
           <a:lstStyle/>
           <a:p>
             <a:r>
-              <a:rPr lang="es-CL" sz="2200" dirty="0" smtClean="0">
+              <a:rPr lang="es-CL" sz="2200" dirty="0" err="1" smtClean="0">
                 <a:solidFill>
                   <a:schemeClr val="accent6">
                     <a:lumMod val="75000"/>
                   </a:schemeClr>
                 </a:solidFill>
               </a:rPr>
-              <a:t>LESS</a:t>
+              <a:t>Less</a:t>
             </a:r>
             <a:endParaRPr lang="es-CL" sz="2200" dirty="0">
               <a:solidFill>
@@ -12989,7 +13223,7 @@
         <p:spPr>
           <a:xfrm>
             <a:off x="6084168" y="1437901"/>
-            <a:ext cx="735651" cy="430887"/>
+            <a:ext cx="670376" cy="430887"/>
           </a:xfrm>
           <a:prstGeom prst="rect">
             <a:avLst/>
@@ -13002,14 +13236,14 @@
           <a:lstStyle/>
           <a:p>
             <a:r>
-              <a:rPr lang="es-CL" sz="2200" dirty="0" smtClean="0">
+              <a:rPr lang="es-CL" sz="2200" dirty="0" err="1" smtClean="0">
                 <a:solidFill>
                   <a:schemeClr val="accent6">
                     <a:lumMod val="75000"/>
                   </a:schemeClr>
                 </a:solidFill>
               </a:rPr>
-              <a:t>SASS</a:t>
+              <a:t>Sass</a:t>
             </a:r>
             <a:endParaRPr lang="es-CL" sz="2200" dirty="0">
               <a:solidFill>
@@ -13054,7 +13288,7 @@
         <p:spPr>
           <a:xfrm>
             <a:off x="3851920" y="2839338"/>
-            <a:ext cx="1011815" cy="430887"/>
+            <a:ext cx="859531" cy="430887"/>
           </a:xfrm>
           <a:prstGeom prst="rect">
             <a:avLst/>
@@ -13067,14 +13301,14 @@
           <a:lstStyle/>
           <a:p>
             <a:r>
-              <a:rPr lang="es-CL" sz="2200" dirty="0" smtClean="0">
+              <a:rPr lang="es-CL" sz="2200" dirty="0" err="1" smtClean="0">
                 <a:solidFill>
                   <a:schemeClr val="accent6">
                     <a:lumMod val="75000"/>
                   </a:schemeClr>
                 </a:solidFill>
               </a:rPr>
-              <a:t>STYLUS</a:t>
+              <a:t>Stylus</a:t>
             </a:r>
             <a:endParaRPr lang="es-CL" sz="2200" dirty="0">
               <a:solidFill>
@@ -13257,7 +13491,7 @@
         <p:spPr>
           <a:xfrm>
             <a:off x="1763204" y="1557953"/>
-            <a:ext cx="698076" cy="430887"/>
+            <a:ext cx="665567" cy="430887"/>
           </a:xfrm>
           <a:prstGeom prst="rect">
             <a:avLst/>
@@ -13270,14 +13504,14 @@
           <a:lstStyle/>
           <a:p>
             <a:r>
-              <a:rPr lang="es-CL" sz="2200" dirty="0" smtClean="0">
+              <a:rPr lang="es-CL" sz="2200" dirty="0" err="1" smtClean="0">
                 <a:solidFill>
                   <a:schemeClr val="accent6">
                     <a:lumMod val="75000"/>
                   </a:schemeClr>
                 </a:solidFill>
               </a:rPr>
-              <a:t>LESS</a:t>
+              <a:t>Less</a:t>
             </a:r>
             <a:endParaRPr lang="es-CL" sz="2200" dirty="0">
               <a:solidFill>
@@ -13298,7 +13532,7 @@
         <p:spPr>
           <a:xfrm>
             <a:off x="6412605" y="1557953"/>
-            <a:ext cx="735651" cy="430887"/>
+            <a:ext cx="670376" cy="430887"/>
           </a:xfrm>
           <a:prstGeom prst="rect">
             <a:avLst/>
@@ -13311,14 +13545,14 @@
           <a:lstStyle/>
           <a:p>
             <a:r>
-              <a:rPr lang="es-CL" sz="2200" dirty="0" smtClean="0">
+              <a:rPr lang="es-CL" sz="2200" dirty="0" err="1" smtClean="0">
                 <a:solidFill>
                   <a:schemeClr val="accent6">
                     <a:lumMod val="75000"/>
                   </a:schemeClr>
                 </a:solidFill>
               </a:rPr>
-              <a:t>SASS</a:t>
+              <a:t>Sass</a:t>
             </a:r>
             <a:endParaRPr lang="es-CL" sz="2200" dirty="0">
               <a:solidFill>
@@ -13339,7 +13573,7 @@
         <p:spPr>
           <a:xfrm>
             <a:off x="4139952" y="3934217"/>
-            <a:ext cx="1011815" cy="430887"/>
+            <a:ext cx="859531" cy="430887"/>
           </a:xfrm>
           <a:prstGeom prst="rect">
             <a:avLst/>
@@ -13352,14 +13586,14 @@
           <a:lstStyle/>
           <a:p>
             <a:r>
-              <a:rPr lang="es-CL" sz="2200" dirty="0" smtClean="0">
+              <a:rPr lang="es-CL" sz="2200" dirty="0" err="1" smtClean="0">
                 <a:solidFill>
                   <a:schemeClr val="accent6">
                     <a:lumMod val="75000"/>
                   </a:schemeClr>
                 </a:solidFill>
               </a:rPr>
-              <a:t>STYLUS</a:t>
+              <a:t>Stylus</a:t>
             </a:r>
             <a:endParaRPr lang="es-CL" sz="2200" dirty="0">
               <a:solidFill>
@@ -13673,7 +13907,7 @@
         <p:spPr>
           <a:xfrm>
             <a:off x="5188551" y="1809452"/>
-            <a:ext cx="1762470" cy="430887"/>
+            <a:ext cx="1577676" cy="430887"/>
           </a:xfrm>
           <a:prstGeom prst="rect">
             <a:avLst/>
@@ -13686,14 +13920,44 @@
           <a:lstStyle/>
           <a:p>
             <a:r>
-              <a:rPr lang="es-CL" sz="2200" dirty="0" smtClean="0">
+              <a:rPr lang="es-CL" sz="2200" dirty="0" err="1" smtClean="0">
                 <a:solidFill>
                   <a:schemeClr val="accent6">
                     <a:lumMod val="75000"/>
                   </a:schemeClr>
                 </a:solidFill>
               </a:rPr>
-              <a:t>LESS / STYLUS</a:t>
+              <a:t>Less</a:t>
+            </a:r>
+            <a:r>
+              <a:rPr lang="es-CL" sz="2200" dirty="0" smtClean="0">
+                <a:solidFill>
+                  <a:schemeClr val="accent6">
+                    <a:lumMod val="75000"/>
+                  </a:schemeClr>
+                </a:solidFill>
+              </a:rPr>
+              <a:t> </a:t>
+            </a:r>
+            <a:r>
+              <a:rPr lang="es-CL" sz="2200" dirty="0" smtClean="0">
+                <a:solidFill>
+                  <a:schemeClr val="accent6">
+                    <a:lumMod val="75000"/>
+                  </a:schemeClr>
+                </a:solidFill>
+              </a:rPr>
+              <a:t>/ </a:t>
+            </a:r>
+            <a:r>
+              <a:rPr lang="es-CL" sz="2200" dirty="0" err="1" smtClean="0">
+                <a:solidFill>
+                  <a:schemeClr val="accent6">
+                    <a:lumMod val="75000"/>
+                  </a:schemeClr>
+                </a:solidFill>
+              </a:rPr>
+              <a:t>Stylus</a:t>
             </a:r>
             <a:endParaRPr lang="es-CL" sz="2200" dirty="0"/>
           </a:p>
@@ -14046,7 +14310,7 @@
         <p:spPr>
           <a:xfrm>
             <a:off x="5220072" y="1990001"/>
-            <a:ext cx="1800045" cy="430887"/>
+            <a:ext cx="1582484" cy="430887"/>
           </a:xfrm>
           <a:prstGeom prst="rect">
             <a:avLst/>
@@ -14059,14 +14323,44 @@
           <a:lstStyle/>
           <a:p>
             <a:r>
-              <a:rPr lang="es-CL" sz="2200" dirty="0" smtClean="0">
+              <a:rPr lang="es-CL" sz="2200" dirty="0" err="1" smtClean="0">
                 <a:solidFill>
                   <a:schemeClr val="accent6">
                     <a:lumMod val="75000"/>
                   </a:schemeClr>
                 </a:solidFill>
               </a:rPr>
-              <a:t>SASS / STYLUS</a:t>
+              <a:t>Sass</a:t>
+            </a:r>
+            <a:r>
+              <a:rPr lang="es-CL" sz="2200" dirty="0" smtClean="0">
+                <a:solidFill>
+                  <a:schemeClr val="accent6">
+                    <a:lumMod val="75000"/>
+                  </a:schemeClr>
+                </a:solidFill>
+              </a:rPr>
+              <a:t> </a:t>
+            </a:r>
+            <a:r>
+              <a:rPr lang="es-CL" sz="2200" dirty="0" smtClean="0">
+                <a:solidFill>
+                  <a:schemeClr val="accent6">
+                    <a:lumMod val="75000"/>
+                  </a:schemeClr>
+                </a:solidFill>
+              </a:rPr>
+              <a:t>/ </a:t>
+            </a:r>
+            <a:r>
+              <a:rPr lang="es-CL" sz="2200" dirty="0" err="1" smtClean="0">
+                <a:solidFill>
+                  <a:schemeClr val="accent6">
+                    <a:lumMod val="75000"/>
+                  </a:schemeClr>
+                </a:solidFill>
+              </a:rPr>
+              <a:t>Stylus</a:t>
             </a:r>
             <a:endParaRPr lang="es-CL" sz="2200" dirty="0"/>
           </a:p>
@@ -14261,6 +14555,14 @@
               <a:rPr lang="es-CL" sz="2400" dirty="0" err="1" smtClean="0"/>
               <a:t>Mixins</a:t>
             </a:r>
+            <a:r>
+              <a:rPr lang="es-CL" sz="2400" dirty="0" smtClean="0"/>
+              <a:t> en </a:t>
+            </a:r>
+            <a:r>
+              <a:rPr lang="es-CL" sz="2400" dirty="0" err="1" smtClean="0"/>
+              <a:t>Less</a:t>
+            </a:r>
             <a:endParaRPr lang="es-CL" sz="2400" dirty="0">
               <a:solidFill>
                 <a:srgbClr val="000000"/>
@@ -14355,8 +14657,8 @@
         </p:nvSpPr>
         <p:spPr>
           <a:xfrm>
-            <a:off x="492249" y="1628800"/>
-            <a:ext cx="735651" cy="430887"/>
+            <a:off x="585435" y="1269922"/>
+            <a:ext cx="665567" cy="430887"/>
           </a:xfrm>
           <a:prstGeom prst="rect">
             <a:avLst/>
@@ -14369,96 +14671,16 @@
           <a:lstStyle/>
           <a:p>
             <a:r>
-              <a:rPr lang="es-CL" sz="2200" dirty="0" smtClean="0">
+              <a:rPr lang="es-CL" sz="2200" dirty="0" err="1" smtClean="0">
                 <a:solidFill>
                   <a:schemeClr val="accent6">
                     <a:lumMod val="75000"/>
                   </a:schemeClr>
                 </a:solidFill>
               </a:rPr>
-              <a:t>SASS</a:t>
+              <a:t>Less</a:t>
             </a:r>
             <a:endParaRPr lang="es-CL" sz="2200" dirty="0"/>
-          </a:p>
-        </p:txBody>
-      </p:sp>
-      <p:sp>
-        <p:nvSpPr>
-          <p:cNvPr id="12" name="Rectángulo 11"/>
-          <p:cNvSpPr/>
-          <p:nvPr/>
-        </p:nvSpPr>
-        <p:spPr>
-          <a:xfrm>
-            <a:off x="492248" y="831917"/>
-            <a:ext cx="8112200" cy="738664"/>
-          </a:xfrm>
-          <a:prstGeom prst="rect">
-            <a:avLst/>
-          </a:prstGeom>
-        </p:spPr>
-        <p:txBody>
-          <a:bodyPr wrap="square">
-            <a:spAutoFit/>
-          </a:bodyPr>
-          <a:lstStyle/>
-          <a:p>
-            <a:pPr>
-              <a:lnSpc>
-                <a:spcPct val="150000"/>
-              </a:lnSpc>
-            </a:pPr>
-            <a:r>
-              <a:rPr lang="es-ES" sz="1400" dirty="0">
-                <a:latin typeface="+mj-lt"/>
-              </a:rPr>
-              <a:t>Los “</a:t>
-            </a:r>
-            <a:r>
-              <a:rPr lang="es-ES" sz="1400" dirty="0" err="1">
-                <a:latin typeface="+mj-lt"/>
-              </a:rPr>
-              <a:t>mixins</a:t>
-            </a:r>
-            <a:r>
-              <a:rPr lang="es-ES" sz="1400" dirty="0">
-                <a:latin typeface="+mj-lt"/>
-              </a:rPr>
-              <a:t>” son </a:t>
-            </a:r>
-            <a:r>
-              <a:rPr lang="es-ES" sz="1400" dirty="0" smtClean="0">
-                <a:latin typeface="+mj-lt"/>
-              </a:rPr>
-              <a:t>como</a:t>
-            </a:r>
-            <a:r>
-              <a:rPr lang="es-ES" sz="1400" dirty="0">
-                <a:latin typeface="+mj-lt"/>
-              </a:rPr>
-              <a:t> </a:t>
-            </a:r>
-            <a:r>
-              <a:rPr lang="es-ES" sz="1400" dirty="0" smtClean="0">
-                <a:latin typeface="+mj-lt"/>
-              </a:rPr>
-              <a:t>funciones </a:t>
-            </a:r>
-            <a:r>
-              <a:rPr lang="es-ES" sz="1400" dirty="0">
-                <a:latin typeface="+mj-lt"/>
-              </a:rPr>
-              <a:t>de un lenguaje de programación, </a:t>
-            </a:r>
-            <a:r>
-              <a:rPr lang="es-ES" sz="1400" dirty="0" smtClean="0">
-                <a:latin typeface="+mj-lt"/>
-              </a:rPr>
-              <a:t>estas permiten ser usadas en las declaraciones CSS, cuantas veces sean necesarias:</a:t>
-            </a:r>
-            <a:endParaRPr lang="es-CL" sz="1400" dirty="0">
-              <a:latin typeface="+mj-lt"/>
-            </a:endParaRPr>
           </a:p>
         </p:txBody>
       </p:sp>
@@ -14478,14 +14700,46 @@
         </p:blipFill>
         <p:spPr>
           <a:xfrm>
-            <a:off x="611560" y="2204864"/>
-            <a:ext cx="3528392" cy="2895391"/>
+            <a:off x="5004048" y="1844824"/>
+            <a:ext cx="3458570" cy="3390219"/>
           </a:xfrm>
           <a:prstGeom prst="rect">
             <a:avLst/>
           </a:prstGeom>
         </p:spPr>
       </p:pic>
+      <p:sp>
+        <p:nvSpPr>
+          <p:cNvPr id="9" name="Rectángulo 8"/>
+          <p:cNvSpPr/>
+          <p:nvPr/>
+        </p:nvSpPr>
+        <p:spPr>
+          <a:xfrm>
+            <a:off x="4972527" y="1475492"/>
+            <a:ext cx="1584088" cy="369332"/>
+          </a:xfrm>
+          <a:prstGeom prst="rect">
+            <a:avLst/>
+          </a:prstGeom>
+        </p:spPr>
+        <p:txBody>
+          <a:bodyPr wrap="none">
+            <a:spAutoFit/>
+          </a:bodyPr>
+          <a:lstStyle/>
+          <a:p>
+            <a:r>
+              <a:rPr lang="es-CL" dirty="0">
+                <a:solidFill>
+                  <a:srgbClr val="00B050"/>
+                </a:solidFill>
+              </a:rPr>
+              <a:t>CSS Compilado</a:t>
+            </a:r>
+          </a:p>
+        </p:txBody>
+      </p:sp>
       <p:pic>
         <p:nvPicPr>
           <p:cNvPr id="6" name="Imagen 5"/>
@@ -14502,8 +14756,8 @@
         </p:blipFill>
         <p:spPr>
           <a:xfrm>
-            <a:off x="4716016" y="2204863"/>
-            <a:ext cx="2880320" cy="2928729"/>
+            <a:off x="611560" y="1844824"/>
+            <a:ext cx="3323447" cy="3240361"/>
           </a:xfrm>
           <a:prstGeom prst="rect">
             <a:avLst/>
@@ -14512,45 +14766,13 @@
       </p:pic>
       <p:sp>
         <p:nvSpPr>
-          <p:cNvPr id="7" name="Rectángulo 6"/>
+          <p:cNvPr id="11" name="Rectángulo 10"/>
           <p:cNvSpPr/>
           <p:nvPr/>
         </p:nvSpPr>
         <p:spPr>
           <a:xfrm>
-            <a:off x="4572088" y="1659577"/>
-            <a:ext cx="1584088" cy="369332"/>
-          </a:xfrm>
-          <a:prstGeom prst="rect">
-            <a:avLst/>
-          </a:prstGeom>
-        </p:spPr>
-        <p:txBody>
-          <a:bodyPr wrap="none">
-            <a:spAutoFit/>
-          </a:bodyPr>
-          <a:lstStyle/>
-          <a:p>
-            <a:r>
-              <a:rPr lang="es-CL" dirty="0">
-                <a:solidFill>
-                  <a:srgbClr val="00B050"/>
-                </a:solidFill>
-              </a:rPr>
-              <a:t>CSS Compilado</a:t>
-            </a:r>
-          </a:p>
-        </p:txBody>
-      </p:sp>
-      <p:sp>
-        <p:nvSpPr>
-          <p:cNvPr id="9" name="Rectángulo 8"/>
-          <p:cNvSpPr/>
-          <p:nvPr/>
-        </p:nvSpPr>
-        <p:spPr>
-          <a:xfrm>
-            <a:off x="4716016" y="5502102"/>
+            <a:off x="4972527" y="5477350"/>
             <a:ext cx="4572000" cy="507831"/>
           </a:xfrm>
           <a:prstGeom prst="rect">
@@ -14576,7 +14798,37 @@
                   </a:schemeClr>
                 </a:solidFill>
               </a:rPr>
-              <a:t>En SASS no se usan los corchetes y los ;</a:t>
+              <a:t>En </a:t>
+            </a:r>
+            <a:r>
+              <a:rPr lang="es-ES" dirty="0" err="1" smtClean="0">
+                <a:solidFill>
+                  <a:schemeClr val="accent6">
+                    <a:lumMod val="75000"/>
+                  </a:schemeClr>
+                </a:solidFill>
+              </a:rPr>
+              <a:t>Less</a:t>
+            </a:r>
+            <a:r>
+              <a:rPr lang="es-ES" dirty="0" smtClean="0">
+                <a:solidFill>
+                  <a:schemeClr val="accent6">
+                    <a:lumMod val="75000"/>
+                  </a:schemeClr>
+                </a:solidFill>
+              </a:rPr>
+              <a:t> </a:t>
+            </a:r>
+            <a:r>
+              <a:rPr lang="es-ES" dirty="0" smtClean="0">
+                <a:solidFill>
+                  <a:schemeClr val="accent6">
+                    <a:lumMod val="75000"/>
+                  </a:schemeClr>
+                </a:solidFill>
+              </a:rPr>
+              <a:t>se usan los corchetes y los ;</a:t>
             </a:r>
             <a:endParaRPr lang="es-CL" dirty="0">
               <a:solidFill>
@@ -14590,7 +14842,7 @@
       </p:sp>
       <p:pic>
         <p:nvPicPr>
-          <p:cNvPr id="13" name="Imagen 12"/>
+          <p:cNvPr id="12" name="Imagen 11"/>
           <p:cNvPicPr>
             <a:picLocks noChangeAspect="1"/>
           </p:cNvPicPr>
@@ -14610,7 +14862,7 @@
         </p:blipFill>
         <p:spPr>
           <a:xfrm>
-            <a:off x="4262098" y="5445224"/>
+            <a:off x="4499992" y="5373216"/>
             <a:ext cx="572500" cy="572500"/>
           </a:xfrm>
           <a:prstGeom prst="rect">
@@ -14621,7 +14873,7 @@
     </p:spTree>
     <p:extLst>
       <p:ext uri="{BB962C8B-B14F-4D97-AF65-F5344CB8AC3E}">
-        <p14:creationId xmlns:p14="http://schemas.microsoft.com/office/powerpoint/2010/main" val="3078056824"/>
+        <p14:creationId xmlns:p14="http://schemas.microsoft.com/office/powerpoint/2010/main" val="1503009919"/>
       </p:ext>
     </p:extLst>
   </p:cSld>
@@ -15058,6 +15310,14 @@
               <a:rPr lang="es-CL" sz="2400" dirty="0" err="1" smtClean="0"/>
               <a:t>Mixins</a:t>
             </a:r>
+            <a:r>
+              <a:rPr lang="es-CL" sz="2400" dirty="0" smtClean="0"/>
+              <a:t> en </a:t>
+            </a:r>
+            <a:r>
+              <a:rPr lang="es-CL" sz="2400" dirty="0" err="1" smtClean="0"/>
+              <a:t>Sass</a:t>
+            </a:r>
             <a:endParaRPr lang="es-CL" sz="2400" dirty="0">
               <a:solidFill>
                 <a:srgbClr val="000000"/>
@@ -15152,8 +15412,8 @@
         </p:nvSpPr>
         <p:spPr>
           <a:xfrm>
-            <a:off x="585435" y="1269922"/>
-            <a:ext cx="698076" cy="430887"/>
+            <a:off x="492249" y="1628800"/>
+            <a:ext cx="670376" cy="430887"/>
           </a:xfrm>
           <a:prstGeom prst="rect">
             <a:avLst/>
@@ -15166,16 +15426,96 @@
           <a:lstStyle/>
           <a:p>
             <a:r>
-              <a:rPr lang="es-CL" sz="2200" dirty="0" smtClean="0">
+              <a:rPr lang="es-CL" sz="2200" dirty="0" err="1" smtClean="0">
                 <a:solidFill>
                   <a:schemeClr val="accent6">
                     <a:lumMod val="75000"/>
                   </a:schemeClr>
                 </a:solidFill>
               </a:rPr>
-              <a:t>LESS</a:t>
+              <a:t>Sass</a:t>
             </a:r>
             <a:endParaRPr lang="es-CL" sz="2200" dirty="0"/>
+          </a:p>
+        </p:txBody>
+      </p:sp>
+      <p:sp>
+        <p:nvSpPr>
+          <p:cNvPr id="12" name="Rectángulo 11"/>
+          <p:cNvSpPr/>
+          <p:nvPr/>
+        </p:nvSpPr>
+        <p:spPr>
+          <a:xfrm>
+            <a:off x="492248" y="831917"/>
+            <a:ext cx="8112200" cy="738664"/>
+          </a:xfrm>
+          <a:prstGeom prst="rect">
+            <a:avLst/>
+          </a:prstGeom>
+        </p:spPr>
+        <p:txBody>
+          <a:bodyPr wrap="square">
+            <a:spAutoFit/>
+          </a:bodyPr>
+          <a:lstStyle/>
+          <a:p>
+            <a:pPr>
+              <a:lnSpc>
+                <a:spcPct val="150000"/>
+              </a:lnSpc>
+            </a:pPr>
+            <a:r>
+              <a:rPr lang="es-ES" sz="1400" dirty="0">
+                <a:latin typeface="+mj-lt"/>
+              </a:rPr>
+              <a:t>Los “</a:t>
+            </a:r>
+            <a:r>
+              <a:rPr lang="es-ES" sz="1400" dirty="0" err="1">
+                <a:latin typeface="+mj-lt"/>
+              </a:rPr>
+              <a:t>mixins</a:t>
+            </a:r>
+            <a:r>
+              <a:rPr lang="es-ES" sz="1400" dirty="0">
+                <a:latin typeface="+mj-lt"/>
+              </a:rPr>
+              <a:t>” son </a:t>
+            </a:r>
+            <a:r>
+              <a:rPr lang="es-ES" sz="1400" dirty="0" smtClean="0">
+                <a:latin typeface="+mj-lt"/>
+              </a:rPr>
+              <a:t>como</a:t>
+            </a:r>
+            <a:r>
+              <a:rPr lang="es-ES" sz="1400" dirty="0">
+                <a:latin typeface="+mj-lt"/>
+              </a:rPr>
+              <a:t> </a:t>
+            </a:r>
+            <a:r>
+              <a:rPr lang="es-ES" sz="1400" dirty="0" smtClean="0">
+                <a:latin typeface="+mj-lt"/>
+              </a:rPr>
+              <a:t>funciones </a:t>
+            </a:r>
+            <a:r>
+              <a:rPr lang="es-ES" sz="1400" dirty="0">
+                <a:latin typeface="+mj-lt"/>
+              </a:rPr>
+              <a:t>de un lenguaje de programación, </a:t>
+            </a:r>
+            <a:r>
+              <a:rPr lang="es-ES" sz="1400" dirty="0" smtClean="0">
+                <a:latin typeface="+mj-lt"/>
+              </a:rPr>
+              <a:t>estas permiten ser usadas en las declaraciones CSS, cuantas veces sean necesarias:</a:t>
+            </a:r>
+            <a:endParaRPr lang="es-CL" sz="1400" dirty="0">
+              <a:latin typeface="+mj-lt"/>
+            </a:endParaRPr>
           </a:p>
         </p:txBody>
       </p:sp>
@@ -15195,46 +15535,14 @@
         </p:blipFill>
         <p:spPr>
           <a:xfrm>
-            <a:off x="5004048" y="1844824"/>
-            <a:ext cx="3458570" cy="3390219"/>
+            <a:off x="611560" y="2204864"/>
+            <a:ext cx="3528392" cy="2895391"/>
           </a:xfrm>
           <a:prstGeom prst="rect">
             <a:avLst/>
           </a:prstGeom>
         </p:spPr>
       </p:pic>
-      <p:sp>
-        <p:nvSpPr>
-          <p:cNvPr id="9" name="Rectángulo 8"/>
-          <p:cNvSpPr/>
-          <p:nvPr/>
-        </p:nvSpPr>
-        <p:spPr>
-          <a:xfrm>
-            <a:off x="4972527" y="1475492"/>
-            <a:ext cx="1584088" cy="369332"/>
-          </a:xfrm>
-          <a:prstGeom prst="rect">
-            <a:avLst/>
-          </a:prstGeom>
-        </p:spPr>
-        <p:txBody>
-          <a:bodyPr wrap="none">
-            <a:spAutoFit/>
-          </a:bodyPr>
-          <a:lstStyle/>
-          <a:p>
-            <a:r>
-              <a:rPr lang="es-CL" dirty="0">
-                <a:solidFill>
-                  <a:srgbClr val="00B050"/>
-                </a:solidFill>
-              </a:rPr>
-              <a:t>CSS Compilado</a:t>
-            </a:r>
-          </a:p>
-        </p:txBody>
-      </p:sp>
       <p:pic>
         <p:nvPicPr>
           <p:cNvPr id="6" name="Imagen 5"/>
@@ -15251,8 +15559,8 @@
         </p:blipFill>
         <p:spPr>
           <a:xfrm>
-            <a:off x="611560" y="1844824"/>
-            <a:ext cx="3323447" cy="3240361"/>
+            <a:off x="4716016" y="2204863"/>
+            <a:ext cx="2880320" cy="2928729"/>
           </a:xfrm>
           <a:prstGeom prst="rect">
             <a:avLst/>
@@ -15261,13 +15569,45 @@
       </p:pic>
       <p:sp>
         <p:nvSpPr>
-          <p:cNvPr id="11" name="Rectángulo 10"/>
+          <p:cNvPr id="7" name="Rectángulo 6"/>
           <p:cNvSpPr/>
           <p:nvPr/>
         </p:nvSpPr>
         <p:spPr>
           <a:xfrm>
-            <a:off x="4972527" y="5477350"/>
+            <a:off x="4572088" y="1659577"/>
+            <a:ext cx="1584088" cy="369332"/>
+          </a:xfrm>
+          <a:prstGeom prst="rect">
+            <a:avLst/>
+          </a:prstGeom>
+        </p:spPr>
+        <p:txBody>
+          <a:bodyPr wrap="none">
+            <a:spAutoFit/>
+          </a:bodyPr>
+          <a:lstStyle/>
+          <a:p>
+            <a:r>
+              <a:rPr lang="es-CL" dirty="0">
+                <a:solidFill>
+                  <a:srgbClr val="00B050"/>
+                </a:solidFill>
+              </a:rPr>
+              <a:t>CSS Compilado</a:t>
+            </a:r>
+          </a:p>
+        </p:txBody>
+      </p:sp>
+      <p:sp>
+        <p:nvSpPr>
+          <p:cNvPr id="9" name="Rectángulo 8"/>
+          <p:cNvSpPr/>
+          <p:nvPr/>
+        </p:nvSpPr>
+        <p:spPr>
+          <a:xfrm>
+            <a:off x="4716016" y="5502102"/>
             <a:ext cx="4572000" cy="507831"/>
           </a:xfrm>
           <a:prstGeom prst="rect">
@@ -15293,7 +15633,7 @@
                   </a:schemeClr>
                 </a:solidFill>
               </a:rPr>
-              <a:t>En LESS se usan los corchetes y los ;</a:t>
+              <a:t>En SASS no se usan los corchetes y los ;</a:t>
             </a:r>
             <a:endParaRPr lang="es-CL" dirty="0">
               <a:solidFill>
@@ -15307,7 +15647,7 @@
       </p:sp>
       <p:pic>
         <p:nvPicPr>
-          <p:cNvPr id="12" name="Imagen 11"/>
+          <p:cNvPr id="13" name="Imagen 12"/>
           <p:cNvPicPr>
             <a:picLocks noChangeAspect="1"/>
           </p:cNvPicPr>
@@ -15327,7 +15667,7 @@
         </p:blipFill>
         <p:spPr>
           <a:xfrm>
-            <a:off x="4499992" y="5373216"/>
+            <a:off x="4262098" y="5445224"/>
             <a:ext cx="572500" cy="572500"/>
           </a:xfrm>
           <a:prstGeom prst="rect">
@@ -15338,7 +15678,7 @@
     </p:spTree>
     <p:extLst>
       <p:ext uri="{BB962C8B-B14F-4D97-AF65-F5344CB8AC3E}">
-        <p14:creationId xmlns:p14="http://schemas.microsoft.com/office/powerpoint/2010/main" val="1503009919"/>
+        <p14:creationId xmlns:p14="http://schemas.microsoft.com/office/powerpoint/2010/main" val="3078056824"/>
       </p:ext>
     </p:extLst>
   </p:cSld>
@@ -15493,7 +15833,7 @@
         <p:spPr>
           <a:xfrm>
             <a:off x="689410" y="1608528"/>
-            <a:ext cx="1011815" cy="430887"/>
+            <a:ext cx="859531" cy="430887"/>
           </a:xfrm>
           <a:prstGeom prst="rect">
             <a:avLst/>
@@ -15506,14 +15846,14 @@
           <a:lstStyle/>
           <a:p>
             <a:r>
-              <a:rPr lang="es-CL" sz="2200" dirty="0" smtClean="0">
+              <a:rPr lang="es-CL" sz="2200" dirty="0" err="1" smtClean="0">
                 <a:solidFill>
                   <a:schemeClr val="accent6">
                     <a:lumMod val="75000"/>
                   </a:schemeClr>
                 </a:solidFill>
               </a:rPr>
-              <a:t>STYLUS</a:t>
+              <a:t>Stylus</a:t>
             </a:r>
             <a:endParaRPr lang="es-CL" sz="2200" dirty="0"/>
           </a:p>
@@ -15859,7 +16199,15 @@
           <a:p>
             <a:r>
               <a:rPr lang="es-CL" sz="2400" dirty="0" smtClean="0"/>
-              <a:t>3.5 Herencia</a:t>
+              <a:t>3.5 </a:t>
+            </a:r>
+            <a:r>
+              <a:rPr lang="es-CL" sz="2400" dirty="0" smtClean="0"/>
+              <a:t>Herencia en </a:t>
+            </a:r>
+            <a:r>
+              <a:rPr lang="es-CL" sz="2400" dirty="0" err="1" smtClean="0"/>
+              <a:t>Sass</a:t>
             </a:r>
             <a:endParaRPr lang="es-CL" sz="2400" dirty="0">
               <a:solidFill>
@@ -15956,7 +16304,7 @@
         <p:spPr>
           <a:xfrm>
             <a:off x="492249" y="1412776"/>
-            <a:ext cx="1601721" cy="430887"/>
+            <a:ext cx="670376" cy="430887"/>
           </a:xfrm>
           <a:prstGeom prst="rect">
             <a:avLst/>
@@ -15977,26 +16325,6 @@
                 </a:solidFill>
               </a:rPr>
               <a:t>Sass</a:t>
-            </a:r>
-            <a:r>
-              <a:rPr lang="es-CL" sz="2200" dirty="0" smtClean="0">
-                <a:solidFill>
-                  <a:schemeClr val="accent6">
-                    <a:lumMod val="75000"/>
-                  </a:schemeClr>
-                </a:solidFill>
-              </a:rPr>
-              <a:t> y </a:t>
-            </a:r>
-            <a:r>
-              <a:rPr lang="es-CL" sz="2200" dirty="0" err="1" smtClean="0">
-                <a:solidFill>
-                  <a:schemeClr val="accent6">
-                    <a:lumMod val="75000"/>
-                  </a:schemeClr>
-                </a:solidFill>
-              </a:rPr>
-              <a:t>Stylus</a:t>
             </a:r>
             <a:endParaRPr lang="es-CL" sz="2200" dirty="0"/>
           </a:p>
@@ -16148,7 +16476,15 @@
           <a:p>
             <a:r>
               <a:rPr lang="es-CL" sz="2400" dirty="0" smtClean="0"/>
-              <a:t>3.5 Herencia</a:t>
+              <a:t>3.5 </a:t>
+            </a:r>
+            <a:r>
+              <a:rPr lang="es-CL" sz="2400" dirty="0" smtClean="0"/>
+              <a:t>Herencia en </a:t>
+            </a:r>
+            <a:r>
+              <a:rPr lang="es-CL" sz="2400" dirty="0" err="1" smtClean="0"/>
+              <a:t>Less</a:t>
             </a:r>
             <a:endParaRPr lang="es-CL" sz="2400" dirty="0">
               <a:solidFill>
@@ -16245,7 +16581,7 @@
         <p:spPr>
           <a:xfrm>
             <a:off x="782089" y="1497873"/>
-            <a:ext cx="698076" cy="430887"/>
+            <a:ext cx="665567" cy="430887"/>
           </a:xfrm>
           <a:prstGeom prst="rect">
             <a:avLst/>
@@ -16258,14 +16594,14 @@
           <a:lstStyle/>
           <a:p>
             <a:r>
-              <a:rPr lang="es-CL" sz="2200" dirty="0" smtClean="0">
+              <a:rPr lang="es-CL" sz="2200" dirty="0" err="1" smtClean="0">
                 <a:solidFill>
                   <a:schemeClr val="accent6">
                     <a:lumMod val="75000"/>
                   </a:schemeClr>
                 </a:solidFill>
               </a:rPr>
-              <a:t>LESS</a:t>
+              <a:t>Less</a:t>
             </a:r>
             <a:endParaRPr lang="es-CL" sz="2200" dirty="0"/>
           </a:p>
@@ -16514,7 +16850,7 @@
         <p:spPr>
           <a:xfrm>
             <a:off x="782089" y="1497873"/>
-            <a:ext cx="2193229" cy="430887"/>
+            <a:ext cx="2095445" cy="430887"/>
           </a:xfrm>
           <a:prstGeom prst="rect">
             <a:avLst/>
@@ -16527,14 +16863,44 @@
           <a:lstStyle/>
           <a:p>
             <a:r>
-              <a:rPr lang="es-CL" sz="2200" dirty="0" smtClean="0">
+              <a:rPr lang="es-CL" sz="2200" dirty="0" err="1" smtClean="0">
                 <a:solidFill>
                   <a:schemeClr val="accent6">
                     <a:lumMod val="75000"/>
                   </a:schemeClr>
                 </a:solidFill>
               </a:rPr>
-              <a:t>SASS, LESS, </a:t>
+              <a:t>Sass</a:t>
+            </a:r>
+            <a:r>
+              <a:rPr lang="es-CL" sz="2200" dirty="0" smtClean="0">
+                <a:solidFill>
+                  <a:schemeClr val="accent6">
+                    <a:lumMod val="75000"/>
+                  </a:schemeClr>
+                </a:solidFill>
+              </a:rPr>
+              <a:t>, </a:t>
+            </a:r>
+            <a:r>
+              <a:rPr lang="es-CL" sz="2200" dirty="0" err="1" smtClean="0">
+                <a:solidFill>
+                  <a:schemeClr val="accent6">
+                    <a:lumMod val="75000"/>
+                  </a:schemeClr>
+                </a:solidFill>
+              </a:rPr>
+              <a:t>Less</a:t>
+            </a:r>
+            <a:r>
+              <a:rPr lang="es-CL" sz="2200" dirty="0" smtClean="0">
+                <a:solidFill>
+                  <a:schemeClr val="accent6">
+                    <a:lumMod val="75000"/>
+                  </a:schemeClr>
+                </a:solidFill>
+              </a:rPr>
+              <a:t>, </a:t>
             </a:r>
             <a:r>
               <a:rPr lang="es-CL" sz="2200" dirty="0" err="1" smtClean="0">
@@ -16965,7 +17331,7 @@
         <p:spPr>
           <a:xfrm>
             <a:off x="452438" y="1718140"/>
-            <a:ext cx="1507592" cy="430887"/>
+            <a:ext cx="1475084" cy="430887"/>
           </a:xfrm>
           <a:prstGeom prst="rect">
             <a:avLst/>
@@ -16978,14 +17344,24 @@
           <a:lstStyle/>
           <a:p>
             <a:r>
-              <a:rPr lang="es-CL" sz="2200" dirty="0" smtClean="0">
+              <a:rPr lang="es-CL" sz="2200" dirty="0" err="1" smtClean="0">
                 <a:solidFill>
                   <a:schemeClr val="accent6">
                     <a:lumMod val="75000"/>
                   </a:schemeClr>
                 </a:solidFill>
               </a:rPr>
-              <a:t>LESS, </a:t>
+              <a:t>Less</a:t>
+            </a:r>
+            <a:r>
+              <a:rPr lang="es-CL" sz="2200" dirty="0" smtClean="0">
+                <a:solidFill>
+                  <a:schemeClr val="accent6">
+                    <a:lumMod val="75000"/>
+                  </a:schemeClr>
+                </a:solidFill>
+              </a:rPr>
+              <a:t>, </a:t>
             </a:r>
             <a:r>
               <a:rPr lang="es-CL" sz="2200" dirty="0" err="1" smtClean="0">
@@ -17199,7 +17575,7 @@
         <p:spPr>
           <a:xfrm>
             <a:off x="467544" y="3935420"/>
-            <a:ext cx="1545167" cy="430887"/>
+            <a:ext cx="1479892" cy="430887"/>
           </a:xfrm>
           <a:prstGeom prst="rect">
             <a:avLst/>
@@ -17212,14 +17588,24 @@
           <a:lstStyle/>
           <a:p>
             <a:r>
-              <a:rPr lang="es-CL" sz="2200" dirty="0" smtClean="0">
+              <a:rPr lang="es-CL" sz="2200" dirty="0" err="1" smtClean="0">
                 <a:solidFill>
                   <a:schemeClr val="accent6">
                     <a:lumMod val="75000"/>
                   </a:schemeClr>
                 </a:solidFill>
               </a:rPr>
-              <a:t>SASS, </a:t>
+              <a:t>Sass</a:t>
+            </a:r>
+            <a:r>
+              <a:rPr lang="es-CL" sz="2200" dirty="0" smtClean="0">
+                <a:solidFill>
+                  <a:schemeClr val="accent6">
+                    <a:lumMod val="75000"/>
+                  </a:schemeClr>
+                </a:solidFill>
+              </a:rPr>
+              <a:t>, </a:t>
             </a:r>
             <a:r>
               <a:rPr lang="es-CL" sz="2200" dirty="0" err="1" smtClean="0">
@@ -17516,7 +17902,7 @@
   <p:cSld>
     <p:spTree>
       <p:nvGrpSpPr>
-        <p:cNvPr id="1" name="Shape 392"/>
+        <p:cNvPr id="1" name="Shape 387"/>
         <p:cNvGrpSpPr/>
         <p:nvPr/>
       </p:nvGrpSpPr>
@@ -17530,49 +17916,69 @@
       </p:grpSpPr>
       <p:sp>
         <p:nvSpPr>
-          <p:cNvPr id="4" name="3 Título"/>
-          <p:cNvSpPr>
+          <p:cNvPr id="388" name="Shape 388"/>
+          <p:cNvSpPr txBox="1">
             <a:spLocks noGrp="1"/>
           </p:cNvSpPr>
           <p:nvPr>
-            <p:ph type="title"/>
+            <p:ph type="ctrTitle" idx="4294967295"/>
           </p:nvPr>
         </p:nvSpPr>
         <p:spPr>
           <a:xfrm>
-            <a:off x="467544" y="404664"/>
-            <a:ext cx="7995074" cy="663600"/>
-          </a:xfrm>
-        </p:spPr>
-        <p:txBody>
-          <a:bodyPr>
-            <a:normAutofit/>
+            <a:off x="642611" y="2333567"/>
+            <a:ext cx="7858800" cy="1865700"/>
+          </a:xfrm>
+          <a:prstGeom prst="rect">
+            <a:avLst/>
+          </a:prstGeom>
+          <a:noFill/>
+          <a:ln>
+            <a:noFill/>
+          </a:ln>
+        </p:spPr>
+        <p:txBody>
+          <a:bodyPr spcFirstLastPara="1" wrap="square" lIns="121886" tIns="121886" rIns="121886" bIns="121886" anchor="t" anchorCtr="0">
+            <a:noAutofit/>
           </a:bodyPr>
           <a:lstStyle/>
           <a:p>
-            <a:r>
-              <a:rPr lang="es-CL" sz="2400" dirty="0"/>
-              <a:t>Practicando con </a:t>
-            </a:r>
-            <a:r>
-              <a:rPr lang="es-CL" sz="2400" dirty="0" err="1"/>
-              <a:t>Less</a:t>
-            </a:r>
-            <a:r>
-              <a:rPr lang="es-CL" sz="2400" dirty="0"/>
-              <a:t> usando un Browser</a:t>
-            </a:r>
-            <a:endParaRPr lang="es-CL" sz="2400" dirty="0">
+            <a:pPr algn="l">
+              <a:spcBef>
+                <a:spcPts val="0"/>
+              </a:spcBef>
+              <a:buClr>
+                <a:schemeClr val="dk1"/>
+              </a:buClr>
+              <a:buSzPts val="1100"/>
+            </a:pPr>
+            <a:r>
+              <a:rPr lang="es-CL" sz="4800" dirty="0" smtClean="0">
+                <a:solidFill>
+                  <a:srgbClr val="FFFFFF"/>
+                </a:solidFill>
+                <a:latin typeface="Raleway"/>
+                <a:ea typeface="Raleway"/>
+                <a:cs typeface="Raleway"/>
+                <a:sym typeface="Raleway"/>
+              </a:rPr>
+              <a:t>4. Practica</a:t>
+            </a:r>
+            <a:endParaRPr sz="7200" dirty="0">
               <a:solidFill>
-                <a:srgbClr val="000000"/>
+                <a:srgbClr val="FFFFFF"/>
               </a:solidFill>
+              <a:latin typeface="Raleway"/>
+              <a:ea typeface="Raleway"/>
+              <a:cs typeface="Raleway"/>
+              <a:sym typeface="Raleway"/>
             </a:endParaRPr>
           </a:p>
         </p:txBody>
       </p:sp>
       <p:sp>
         <p:nvSpPr>
-          <p:cNvPr id="8" name="AutoShape 2" descr="Resultado de imagen para angular"/>
+          <p:cNvPr id="2" name="AutoShape 2" descr="https://web123.com.au/wp-content/uploads/2016/10/G-SUITE-LOGOS.png"/>
           <p:cNvSpPr>
             <a:spLocks noChangeAspect="1" noChangeArrowheads="1"/>
           </p:cNvSpPr>
@@ -17580,8 +17986,8 @@
         </p:nvSpPr>
         <p:spPr bwMode="auto">
           <a:xfrm>
-            <a:off x="116681" y="-144461"/>
-            <a:ext cx="228600" cy="304801"/>
+            <a:off x="155575" y="-144461"/>
+            <a:ext cx="304800" cy="304801"/>
           </a:xfrm>
           <a:prstGeom prst="rect">
             <a:avLst/>
@@ -17609,329 +18015,10 @@
           </a:p>
         </p:txBody>
       </p:sp>
-      <p:sp>
-        <p:nvSpPr>
-          <p:cNvPr id="2" name="AutoShape 2" descr="Resultado de imagen para NgModules"/>
-          <p:cNvSpPr>
-            <a:spLocks noChangeAspect="1" noChangeArrowheads="1"/>
-          </p:cNvSpPr>
-          <p:nvPr/>
-        </p:nvSpPr>
-        <p:spPr bwMode="auto">
-          <a:xfrm>
-            <a:off x="155575" y="-136525"/>
-            <a:ext cx="296863" cy="296863"/>
-          </a:xfrm>
-          <a:prstGeom prst="rect">
-            <a:avLst/>
-          </a:prstGeom>
-          <a:noFill/>
-          <a:extLst>
-            <a:ext uri="{909E8E84-426E-40DD-AFC4-6F175D3DCCD1}">
-              <a14:hiddenFill xmlns:a14="http://schemas.microsoft.com/office/drawing/2010/main">
-                <a:solidFill>
-                  <a:srgbClr val="FFFFFF"/>
-                </a:solidFill>
-              </a14:hiddenFill>
-            </a:ext>
-          </a:extLst>
-        </p:spPr>
-        <p:txBody>
-          <a:bodyPr vert="horz" wrap="square" lIns="91440" tIns="45720" rIns="91440" bIns="45720" numCol="1" anchor="t" anchorCtr="0" compatLnSpc="1">
-            <a:prstTxWarp prst="textNoShape">
-              <a:avLst/>
-            </a:prstTxWarp>
-          </a:bodyPr>
-          <a:lstStyle/>
-          <a:p>
-            <a:endParaRPr lang="es-CL"/>
-          </a:p>
-        </p:txBody>
-      </p:sp>
-      <p:sp>
-        <p:nvSpPr>
-          <p:cNvPr id="5" name="Rectángulo 4"/>
-          <p:cNvSpPr/>
-          <p:nvPr/>
-        </p:nvSpPr>
-        <p:spPr>
-          <a:xfrm>
-            <a:off x="683568" y="1988840"/>
-            <a:ext cx="8208912" cy="2308324"/>
-          </a:xfrm>
-          <a:prstGeom prst="rect">
-            <a:avLst/>
-          </a:prstGeom>
-        </p:spPr>
-        <p:txBody>
-          <a:bodyPr wrap="square">
-            <a:spAutoFit/>
-          </a:bodyPr>
-          <a:lstStyle/>
-          <a:p>
-            <a:pPr>
-              <a:lnSpc>
-                <a:spcPct val="150000"/>
-              </a:lnSpc>
-            </a:pPr>
-            <a:r>
-              <a:rPr lang="es-ES" sz="1600" b="1" dirty="0" smtClean="0">
-                <a:solidFill>
-                  <a:schemeClr val="accent1">
-                    <a:lumMod val="75000"/>
-                  </a:schemeClr>
-                </a:solidFill>
-                <a:latin typeface="+mj-lt"/>
-              </a:rPr>
-              <a:t>Ver como usar dentro de un proyecto Less.JS</a:t>
-            </a:r>
-            <a:endParaRPr lang="es-ES" sz="1600" dirty="0">
-              <a:solidFill>
-                <a:schemeClr val="accent1">
-                  <a:lumMod val="75000"/>
-                </a:schemeClr>
-              </a:solidFill>
-              <a:latin typeface="+mj-lt"/>
-            </a:endParaRPr>
-          </a:p>
-          <a:p>
-            <a:pPr marL="342900" indent="-342900">
-              <a:lnSpc>
-                <a:spcPct val="150000"/>
-              </a:lnSpc>
-              <a:buAutoNum type="arabicParenR"/>
-            </a:pPr>
-            <a:r>
-              <a:rPr lang="es-ES" sz="1600" dirty="0" smtClean="0">
-                <a:solidFill>
-                  <a:srgbClr val="444444"/>
-                </a:solidFill>
-                <a:latin typeface="+mj-lt"/>
-              </a:rPr>
-              <a:t>Colocar script de </a:t>
-            </a:r>
-            <a:r>
-              <a:rPr lang="es-ES" sz="1600" dirty="0" err="1" smtClean="0">
-                <a:solidFill>
-                  <a:srgbClr val="444444"/>
-                </a:solidFill>
-                <a:latin typeface="+mj-lt"/>
-              </a:rPr>
-              <a:t>Less</a:t>
-            </a:r>
-            <a:r>
-              <a:rPr lang="es-ES" sz="1600" dirty="0" smtClean="0">
-                <a:solidFill>
-                  <a:srgbClr val="444444"/>
-                </a:solidFill>
-                <a:latin typeface="+mj-lt"/>
-              </a:rPr>
-              <a:t> dentro de nuestro HTML</a:t>
-            </a:r>
-          </a:p>
-          <a:p>
-            <a:pPr marL="342900" indent="-342900">
-              <a:lnSpc>
-                <a:spcPct val="150000"/>
-              </a:lnSpc>
-              <a:buAutoNum type="arabicParenR"/>
-            </a:pPr>
-            <a:r>
-              <a:rPr lang="es-ES" sz="1600" dirty="0" smtClean="0">
-                <a:solidFill>
-                  <a:srgbClr val="444444"/>
-                </a:solidFill>
-                <a:latin typeface="+mj-lt"/>
-              </a:rPr>
-              <a:t>Configurar directiva </a:t>
-            </a:r>
-            <a:r>
-              <a:rPr lang="es-ES" sz="1600" dirty="0" err="1" smtClean="0">
-                <a:solidFill>
-                  <a:srgbClr val="444444"/>
-                </a:solidFill>
-                <a:latin typeface="+mj-lt"/>
-              </a:rPr>
-              <a:t>watch</a:t>
-            </a:r>
-            <a:r>
-              <a:rPr lang="es-ES" sz="1600" dirty="0" smtClean="0">
-                <a:solidFill>
-                  <a:srgbClr val="444444"/>
-                </a:solidFill>
-                <a:latin typeface="+mj-lt"/>
-              </a:rPr>
-              <a:t> para ver cambios en vivo</a:t>
-            </a:r>
-          </a:p>
-          <a:p>
-            <a:pPr marL="342900" indent="-342900">
-              <a:lnSpc>
-                <a:spcPct val="150000"/>
-              </a:lnSpc>
-              <a:buAutoNum type="arabicParenR"/>
-            </a:pPr>
-            <a:r>
-              <a:rPr lang="es-ES" sz="1600" dirty="0" smtClean="0">
-                <a:solidFill>
-                  <a:srgbClr val="444444"/>
-                </a:solidFill>
-                <a:latin typeface="+mj-lt"/>
-              </a:rPr>
-              <a:t>Colocar proyecto dentro de </a:t>
-            </a:r>
-            <a:r>
-              <a:rPr lang="es-ES" sz="1600" dirty="0" err="1" smtClean="0">
-                <a:solidFill>
-                  <a:srgbClr val="444444"/>
-                </a:solidFill>
-                <a:latin typeface="+mj-lt"/>
-              </a:rPr>
-              <a:t>Xampp</a:t>
-            </a:r>
-            <a:r>
-              <a:rPr lang="es-ES" sz="1600" dirty="0">
-                <a:solidFill>
-                  <a:srgbClr val="444444"/>
-                </a:solidFill>
-                <a:latin typeface="+mj-lt"/>
-              </a:rPr>
-              <a:t> </a:t>
-            </a:r>
-            <a:r>
-              <a:rPr lang="es-ES" sz="1600" dirty="0" smtClean="0">
-                <a:solidFill>
-                  <a:srgbClr val="444444"/>
-                </a:solidFill>
-                <a:latin typeface="+mj-lt"/>
-              </a:rPr>
-              <a:t>(Servidor Local)</a:t>
-            </a:r>
-          </a:p>
-          <a:p>
-            <a:pPr marL="342900" indent="-342900">
-              <a:lnSpc>
-                <a:spcPct val="150000"/>
-              </a:lnSpc>
-              <a:buAutoNum type="arabicParenR"/>
-            </a:pPr>
-            <a:r>
-              <a:rPr lang="es-ES" sz="1600" dirty="0" smtClean="0">
-                <a:solidFill>
-                  <a:srgbClr val="444444"/>
-                </a:solidFill>
-                <a:latin typeface="+mj-lt"/>
-              </a:rPr>
-              <a:t>Colocar nuestro proyecto en la carpeta </a:t>
-            </a:r>
-            <a:r>
-              <a:rPr lang="es-ES" sz="1600" dirty="0" err="1" smtClean="0">
-                <a:solidFill>
-                  <a:srgbClr val="444444"/>
-                </a:solidFill>
-                <a:latin typeface="+mj-lt"/>
-              </a:rPr>
-              <a:t>xampp</a:t>
-            </a:r>
-            <a:r>
-              <a:rPr lang="es-ES" sz="1600" dirty="0" smtClean="0">
-                <a:solidFill>
-                  <a:srgbClr val="444444"/>
-                </a:solidFill>
-                <a:latin typeface="+mj-lt"/>
-              </a:rPr>
-              <a:t>/</a:t>
-            </a:r>
-            <a:r>
-              <a:rPr lang="es-ES" sz="1600" dirty="0" err="1" smtClean="0">
-                <a:solidFill>
-                  <a:srgbClr val="444444"/>
-                </a:solidFill>
-                <a:latin typeface="+mj-lt"/>
-              </a:rPr>
-              <a:t>htdocs</a:t>
-            </a:r>
-            <a:endParaRPr lang="es-ES" sz="1600" dirty="0" smtClean="0">
-              <a:solidFill>
-                <a:srgbClr val="444444"/>
-              </a:solidFill>
-              <a:latin typeface="+mj-lt"/>
-            </a:endParaRPr>
-          </a:p>
-          <a:p>
-            <a:pPr marL="342900" indent="-342900">
-              <a:lnSpc>
-                <a:spcPct val="150000"/>
-              </a:lnSpc>
-              <a:buAutoNum type="arabicParenR"/>
-            </a:pPr>
-            <a:r>
-              <a:rPr lang="es-ES" sz="1600" dirty="0" smtClean="0">
-                <a:solidFill>
-                  <a:srgbClr val="444444"/>
-                </a:solidFill>
-                <a:latin typeface="+mj-lt"/>
-              </a:rPr>
-              <a:t>Abrir en </a:t>
-            </a:r>
-            <a:r>
-              <a:rPr lang="es-ES" sz="1600" dirty="0">
-                <a:solidFill>
-                  <a:srgbClr val="444444"/>
-                </a:solidFill>
-                <a:latin typeface="+mj-lt"/>
-              </a:rPr>
-              <a:t>el navegador e ir a </a:t>
-            </a:r>
-            <a:r>
-              <a:rPr lang="es-ES" sz="1600" dirty="0" smtClean="0">
-                <a:solidFill>
-                  <a:srgbClr val="444444"/>
-                </a:solidFill>
-                <a:latin typeface="+mj-lt"/>
-              </a:rPr>
-              <a:t>index-less.html</a:t>
-            </a:r>
-            <a:endParaRPr lang="es-CL" sz="1600" dirty="0">
-              <a:latin typeface="+mj-lt"/>
-            </a:endParaRPr>
-          </a:p>
-        </p:txBody>
-      </p:sp>
-      <p:pic>
-        <p:nvPicPr>
-          <p:cNvPr id="23" name="Imagen 22"/>
-          <p:cNvPicPr>
-            <a:picLocks noChangeAspect="1"/>
-          </p:cNvPicPr>
-          <p:nvPr/>
-        </p:nvPicPr>
-        <p:blipFill>
-          <a:blip r:embed="rId3">
-            <a:extLst>
-              <a:ext uri="{28A0092B-C50C-407E-A947-70E740481C1C}">
-                <a14:useLocalDpi xmlns:a14="http://schemas.microsoft.com/office/drawing/2010/main" val="0"/>
-              </a:ext>
-            </a:extLst>
-          </a:blip>
-          <a:stretch>
-            <a:fillRect/>
-          </a:stretch>
-        </p:blipFill>
-        <p:spPr>
-          <a:xfrm>
-            <a:off x="6660232" y="2132856"/>
-            <a:ext cx="1968014" cy="2399505"/>
-          </a:xfrm>
-          <a:prstGeom prst="rect">
-            <a:avLst/>
-          </a:prstGeom>
-        </p:spPr>
-      </p:pic>
     </p:spTree>
     <p:extLst>
       <p:ext uri="{BB962C8B-B14F-4D97-AF65-F5344CB8AC3E}">
-        <p14:creationId xmlns:p14="http://schemas.microsoft.com/office/powerpoint/2010/main" val="2303446424"/>
+        <p14:creationId xmlns:p14="http://schemas.microsoft.com/office/powerpoint/2010/main" val="2600773932"/>
       </p:ext>
     </p:extLst>
   </p:cSld>
@@ -17988,20 +18075,16 @@
           <a:lstStyle/>
           <a:p>
             <a:r>
-              <a:rPr lang="es-CL" sz="2400" dirty="0" smtClean="0"/>
+              <a:rPr lang="es-CL" sz="2400" dirty="0"/>
               <a:t>Practicando con </a:t>
             </a:r>
             <a:r>
-              <a:rPr lang="es-CL" sz="2400" dirty="0" err="1" smtClean="0"/>
+              <a:rPr lang="es-CL" sz="2400" dirty="0" err="1"/>
               <a:t>Less</a:t>
             </a:r>
             <a:r>
-              <a:rPr lang="es-CL" sz="2400" dirty="0" smtClean="0"/>
-              <a:t> usando </a:t>
-            </a:r>
-            <a:r>
-              <a:rPr lang="es-CL" sz="2400" dirty="0" err="1" smtClean="0"/>
-              <a:t>GUIs</a:t>
+              <a:rPr lang="es-CL" sz="2400" dirty="0"/>
+              <a:t> usando un Browser</a:t>
             </a:r>
             <a:endParaRPr lang="es-CL" sz="2400" dirty="0">
               <a:solidFill>
@@ -18091,49 +18174,21 @@
       </p:sp>
       <p:sp>
         <p:nvSpPr>
-          <p:cNvPr id="3" name="Rectángulo 2"/>
+          <p:cNvPr id="5" name="Rectángulo 4"/>
           <p:cNvSpPr/>
           <p:nvPr/>
         </p:nvSpPr>
         <p:spPr>
           <a:xfrm>
-            <a:off x="6241276" y="2556276"/>
-            <a:ext cx="1970091" cy="369332"/>
-          </a:xfrm>
-          <a:prstGeom prst="rect">
-            <a:avLst/>
-          </a:prstGeom>
-        </p:spPr>
-        <p:txBody>
-          <a:bodyPr wrap="none">
-            <a:spAutoFit/>
-          </a:bodyPr>
-          <a:lstStyle/>
-          <a:p>
-            <a:r>
-              <a:rPr lang="es-CL" dirty="0"/>
-              <a:t>http://winless.org/</a:t>
-            </a:r>
-          </a:p>
-        </p:txBody>
-      </p:sp>
-      <p:sp>
-        <p:nvSpPr>
-          <p:cNvPr id="6" name="Rectángulo 5"/>
-          <p:cNvSpPr/>
-          <p:nvPr/>
-        </p:nvSpPr>
-        <p:spPr>
-          <a:xfrm>
-            <a:off x="452438" y="973171"/>
-            <a:ext cx="2529860" cy="464871"/>
-          </a:xfrm>
-          <a:prstGeom prst="rect">
-            <a:avLst/>
-          </a:prstGeom>
-        </p:spPr>
-        <p:txBody>
-          <a:bodyPr wrap="none">
+            <a:off x="683568" y="1988840"/>
+            <a:ext cx="8208912" cy="2308324"/>
+          </a:xfrm>
+          <a:prstGeom prst="rect">
+            <a:avLst/>
+          </a:prstGeom>
+        </p:spPr>
+        <p:txBody>
+          <a:bodyPr wrap="square">
             <a:spAutoFit/>
           </a:bodyPr>
           <a:lstStyle/>
@@ -18144,388 +18199,253 @@
               </a:lnSpc>
             </a:pPr>
             <a:r>
-              <a:rPr lang="es-ES" b="1" dirty="0">
+              <a:rPr lang="es-ES" sz="1600" b="1" dirty="0" smtClean="0">
                 <a:solidFill>
                   <a:schemeClr val="accent1">
                     <a:lumMod val="75000"/>
                   </a:schemeClr>
                 </a:solidFill>
-              </a:rPr>
-              <a:t>Practica usando </a:t>
-            </a:r>
-            <a:r>
-              <a:rPr lang="es-ES" b="1" dirty="0" err="1">
-                <a:solidFill>
-                  <a:schemeClr val="accent1">
-                    <a:lumMod val="75000"/>
-                  </a:schemeClr>
-                </a:solidFill>
-              </a:rPr>
-              <a:t>WinLess</a:t>
-            </a:r>
-            <a:endParaRPr lang="es-ES" dirty="0">
+                <a:latin typeface="+mj-lt"/>
+              </a:rPr>
+              <a:t>Ver como usar dentro de un proyecto Less.JS</a:t>
+            </a:r>
+            <a:endParaRPr lang="es-ES" sz="1600" dirty="0">
               <a:solidFill>
                 <a:schemeClr val="accent1">
                   <a:lumMod val="75000"/>
                 </a:schemeClr>
               </a:solidFill>
+              <a:latin typeface="+mj-lt"/>
             </a:endParaRPr>
           </a:p>
-        </p:txBody>
-      </p:sp>
-      <p:sp>
-        <p:nvSpPr>
-          <p:cNvPr id="7" name="Rectángulo 6"/>
-          <p:cNvSpPr/>
-          <p:nvPr/>
-        </p:nvSpPr>
-        <p:spPr>
-          <a:xfrm>
-            <a:off x="454983" y="1475919"/>
-            <a:ext cx="4840680" cy="830997"/>
-          </a:xfrm>
-          <a:prstGeom prst="rect">
-            <a:avLst/>
-          </a:prstGeom>
-        </p:spPr>
-        <p:txBody>
-          <a:bodyPr wrap="square">
-            <a:spAutoFit/>
-          </a:bodyPr>
-          <a:lstStyle/>
-          <a:p>
-            <a:pPr>
+          <a:p>
+            <a:pPr marL="342900" indent="-342900">
               <a:lnSpc>
                 <a:spcPct val="150000"/>
               </a:lnSpc>
+              <a:buAutoNum type="arabicParenR"/>
             </a:pPr>
             <a:r>
+              <a:rPr lang="es-ES" sz="1600" dirty="0" smtClean="0">
+                <a:solidFill>
+                  <a:srgbClr val="444444"/>
+                </a:solidFill>
+                <a:latin typeface="+mj-lt"/>
+              </a:rPr>
+              <a:t>Colocar script de </a:t>
+            </a:r>
+            <a:r>
               <a:rPr lang="es-ES" sz="1600" dirty="0" err="1" smtClean="0">
                 <a:solidFill>
                   <a:srgbClr val="444444"/>
                 </a:solidFill>
-              </a:rPr>
-              <a:t>WinLess</a:t>
+                <a:latin typeface="+mj-lt"/>
+              </a:rPr>
+              <a:t>Less</a:t>
             </a:r>
             <a:r>
               <a:rPr lang="es-ES" sz="1600" dirty="0" smtClean="0">
                 <a:solidFill>
                   <a:srgbClr val="444444"/>
                 </a:solidFill>
-              </a:rPr>
-              <a:t> es una </a:t>
-            </a:r>
-            <a:r>
-              <a:rPr lang="es-ES" sz="1600" dirty="0" err="1" smtClean="0">
-                <a:solidFill>
-                  <a:srgbClr val="444444"/>
-                </a:solidFill>
-              </a:rPr>
-              <a:t>Intefaz</a:t>
-            </a:r>
-            <a:r>
-              <a:rPr lang="es-ES" sz="1600" dirty="0" smtClean="0">
-                <a:solidFill>
-                  <a:srgbClr val="444444"/>
-                </a:solidFill>
-              </a:rPr>
-              <a:t> Gráfica usada para compilar nuestros archivos .</a:t>
-            </a:r>
-            <a:r>
-              <a:rPr lang="es-ES" sz="1600" dirty="0" err="1" smtClean="0">
-                <a:solidFill>
-                  <a:srgbClr val="444444"/>
-                </a:solidFill>
-              </a:rPr>
-              <a:t>less</a:t>
-            </a:r>
-            <a:endParaRPr lang="es-ES" sz="1600" dirty="0">
-              <a:solidFill>
-                <a:srgbClr val="444444"/>
-              </a:solidFill>
-            </a:endParaRPr>
-          </a:p>
-        </p:txBody>
-      </p:sp>
-      <p:sp>
-        <p:nvSpPr>
-          <p:cNvPr id="13" name="Rectángulo 12"/>
-          <p:cNvSpPr/>
-          <p:nvPr/>
-        </p:nvSpPr>
-        <p:spPr>
-          <a:xfrm>
-            <a:off x="467544" y="2449274"/>
-            <a:ext cx="1425775" cy="464871"/>
-          </a:xfrm>
-          <a:prstGeom prst="rect">
-            <a:avLst/>
-          </a:prstGeom>
-        </p:spPr>
-        <p:txBody>
-          <a:bodyPr wrap="none">
-            <a:spAutoFit/>
-          </a:bodyPr>
-          <a:lstStyle/>
-          <a:p>
-            <a:pPr>
+                <a:latin typeface="+mj-lt"/>
+              </a:rPr>
+              <a:t> dentro de nuestro HTML</a:t>
+            </a:r>
+          </a:p>
+          <a:p>
+            <a:pPr marL="342900" indent="-342900">
               <a:lnSpc>
                 <a:spcPct val="150000"/>
               </a:lnSpc>
+              <a:buAutoNum type="arabicParenR"/>
             </a:pPr>
             <a:r>
-              <a:rPr lang="es-ES" b="1" dirty="0" smtClean="0">
-                <a:solidFill>
-                  <a:schemeClr val="accent1">
-                    <a:lumMod val="75000"/>
-                  </a:schemeClr>
-                </a:solidFill>
-              </a:rPr>
-              <a:t>Nos permite:</a:t>
-            </a:r>
-            <a:endParaRPr lang="es-ES" dirty="0">
-              <a:solidFill>
-                <a:schemeClr val="accent1">
-                  <a:lumMod val="75000"/>
-                </a:schemeClr>
-              </a:solidFill>
-            </a:endParaRPr>
-          </a:p>
-        </p:txBody>
-      </p:sp>
-      <p:sp>
-        <p:nvSpPr>
-          <p:cNvPr id="14" name="Rectángulo 13"/>
-          <p:cNvSpPr/>
-          <p:nvPr/>
-        </p:nvSpPr>
-        <p:spPr>
-          <a:xfrm>
-            <a:off x="452438" y="2920666"/>
-            <a:ext cx="7635771" cy="1162113"/>
-          </a:xfrm>
-          <a:prstGeom prst="rect">
-            <a:avLst/>
-          </a:prstGeom>
-        </p:spPr>
-        <p:txBody>
-          <a:bodyPr wrap="square">
-            <a:spAutoFit/>
-          </a:bodyPr>
-          <a:lstStyle/>
-          <a:p>
-            <a:pPr marL="285750" indent="-285750">
+              <a:rPr lang="es-ES" sz="1600" dirty="0" smtClean="0">
+                <a:solidFill>
+                  <a:srgbClr val="444444"/>
+                </a:solidFill>
+                <a:latin typeface="+mj-lt"/>
+              </a:rPr>
+              <a:t>Configurar directiva </a:t>
+            </a:r>
+            <a:r>
+              <a:rPr lang="es-ES" sz="1600" dirty="0" err="1" smtClean="0">
+                <a:solidFill>
+                  <a:srgbClr val="444444"/>
+                </a:solidFill>
+                <a:latin typeface="+mj-lt"/>
+              </a:rPr>
+              <a:t>watch</a:t>
+            </a:r>
+            <a:r>
+              <a:rPr lang="es-ES" sz="1600" dirty="0" smtClean="0">
+                <a:solidFill>
+                  <a:srgbClr val="444444"/>
+                </a:solidFill>
+                <a:latin typeface="+mj-lt"/>
+              </a:rPr>
+              <a:t> para ver cambios en vivo</a:t>
+            </a:r>
+          </a:p>
+          <a:p>
+            <a:pPr marL="342900" indent="-342900">
               <a:lnSpc>
                 <a:spcPct val="150000"/>
               </a:lnSpc>
-              <a:buFont typeface="Arial" panose="020B0604020202020204" pitchFamily="34" charset="0"/>
-              <a:buChar char="•"/>
+              <a:buAutoNum type="arabicParenR"/>
             </a:pPr>
             <a:r>
               <a:rPr lang="es-ES" sz="1600" dirty="0" smtClean="0">
                 <a:solidFill>
                   <a:srgbClr val="444444"/>
                 </a:solidFill>
-              </a:rPr>
-              <a:t>Seleccionar la carpeta de los proyectos los cuales deseamos compilar</a:t>
-            </a:r>
-          </a:p>
-          <a:p>
-            <a:pPr marL="285750" indent="-285750">
+                <a:latin typeface="+mj-lt"/>
+              </a:rPr>
+              <a:t>Colocar proyecto dentro de </a:t>
+            </a:r>
+            <a:r>
+              <a:rPr lang="es-ES" sz="1600" dirty="0" err="1" smtClean="0">
+                <a:solidFill>
+                  <a:srgbClr val="444444"/>
+                </a:solidFill>
+                <a:latin typeface="+mj-lt"/>
+              </a:rPr>
+              <a:t>Xampp</a:t>
+            </a:r>
+            <a:r>
+              <a:rPr lang="es-ES" sz="1600" dirty="0">
+                <a:solidFill>
+                  <a:srgbClr val="444444"/>
+                </a:solidFill>
+                <a:latin typeface="+mj-lt"/>
+              </a:rPr>
+              <a:t> </a:t>
+            </a:r>
+            <a:r>
+              <a:rPr lang="es-ES" sz="1600" dirty="0" smtClean="0">
+                <a:solidFill>
+                  <a:srgbClr val="444444"/>
+                </a:solidFill>
+                <a:latin typeface="+mj-lt"/>
+              </a:rPr>
+              <a:t>(Servidor Local)</a:t>
+            </a:r>
+          </a:p>
+          <a:p>
+            <a:pPr marL="342900" indent="-342900">
               <a:lnSpc>
                 <a:spcPct val="150000"/>
               </a:lnSpc>
-              <a:buFont typeface="Arial" panose="020B0604020202020204" pitchFamily="34" charset="0"/>
-              <a:buChar char="•"/>
+              <a:buAutoNum type="arabicParenR"/>
             </a:pPr>
             <a:r>
               <a:rPr lang="es-ES" sz="1600" dirty="0" smtClean="0">
                 <a:solidFill>
                   <a:srgbClr val="444444"/>
                 </a:solidFill>
-              </a:rPr>
-              <a:t>Minimizar los archivos finales</a:t>
-            </a:r>
-          </a:p>
-          <a:p>
-            <a:pPr marL="285750" indent="-285750">
-              <a:lnSpc>
-                <a:spcPct val="150000"/>
-              </a:lnSpc>
-              <a:buFont typeface="Arial" panose="020B0604020202020204" pitchFamily="34" charset="0"/>
-              <a:buChar char="•"/>
-            </a:pPr>
+                <a:latin typeface="+mj-lt"/>
+              </a:rPr>
+              <a:t>Colocar nuestro proyecto en la carpeta </a:t>
+            </a:r>
+            <a:r>
+              <a:rPr lang="es-ES" sz="1600" dirty="0" err="1" smtClean="0">
+                <a:solidFill>
+                  <a:srgbClr val="444444"/>
+                </a:solidFill>
+                <a:latin typeface="+mj-lt"/>
+              </a:rPr>
+              <a:t>xampp</a:t>
+            </a:r>
             <a:r>
               <a:rPr lang="es-ES" sz="1600" dirty="0" smtClean="0">
                 <a:solidFill>
                   <a:srgbClr val="444444"/>
                 </a:solidFill>
-              </a:rPr>
-              <a:t>Compilar por defecto si cambian nuestros archivos.</a:t>
-            </a:r>
-            <a:endParaRPr lang="es-ES" sz="1600" dirty="0">
-              <a:solidFill>
-                <a:srgbClr val="444444"/>
-              </a:solidFill>
-            </a:endParaRPr>
-          </a:p>
-        </p:txBody>
-      </p:sp>
-      <p:sp>
-        <p:nvSpPr>
-          <p:cNvPr id="16" name="Rectángulo 15"/>
-          <p:cNvSpPr/>
-          <p:nvPr/>
-        </p:nvSpPr>
-        <p:spPr>
-          <a:xfrm>
-            <a:off x="473466" y="4100527"/>
-            <a:ext cx="1003801" cy="464871"/>
-          </a:xfrm>
-          <a:prstGeom prst="rect">
-            <a:avLst/>
-          </a:prstGeom>
-        </p:spPr>
-        <p:txBody>
-          <a:bodyPr wrap="none">
-            <a:spAutoFit/>
-          </a:bodyPr>
-          <a:lstStyle/>
-          <a:p>
-            <a:pPr>
-              <a:lnSpc>
-                <a:spcPct val="150000"/>
-              </a:lnSpc>
-            </a:pPr>
-            <a:r>
-              <a:rPr lang="es-ES" b="1" dirty="0" smtClean="0">
-                <a:solidFill>
-                  <a:schemeClr val="accent1">
-                    <a:lumMod val="75000"/>
-                  </a:schemeClr>
-                </a:solidFill>
-              </a:rPr>
-              <a:t>Practica:</a:t>
-            </a:r>
-            <a:endParaRPr lang="es-ES" dirty="0">
-              <a:solidFill>
-                <a:schemeClr val="accent1">
-                  <a:lumMod val="75000"/>
-                </a:schemeClr>
-              </a:solidFill>
-            </a:endParaRPr>
-          </a:p>
-        </p:txBody>
-      </p:sp>
-      <p:sp>
-        <p:nvSpPr>
-          <p:cNvPr id="10" name="Rectángulo 9"/>
-          <p:cNvSpPr/>
-          <p:nvPr/>
-        </p:nvSpPr>
-        <p:spPr>
-          <a:xfrm>
-            <a:off x="452438" y="4532052"/>
-            <a:ext cx="7650938" cy="1162113"/>
-          </a:xfrm>
-          <a:prstGeom prst="rect">
-            <a:avLst/>
-          </a:prstGeom>
-        </p:spPr>
-        <p:txBody>
-          <a:bodyPr wrap="square">
-            <a:spAutoFit/>
-          </a:bodyPr>
-          <a:lstStyle/>
-          <a:p>
-            <a:pPr marL="285750" indent="-285750">
-              <a:lnSpc>
-                <a:spcPct val="150000"/>
-              </a:lnSpc>
-              <a:buFont typeface="Arial" panose="020B0604020202020204" pitchFamily="34" charset="0"/>
-              <a:buChar char="•"/>
-            </a:pPr>
-            <a:r>
-              <a:rPr lang="es-ES" sz="1600" dirty="0" smtClean="0">
+                <a:latin typeface="+mj-lt"/>
+              </a:rPr>
+              <a:t>/</a:t>
+            </a:r>
+            <a:r>
+              <a:rPr lang="es-ES" sz="1600" dirty="0" err="1" smtClean="0">
                 <a:solidFill>
                   <a:srgbClr val="444444"/>
                 </a:solidFill>
-              </a:rPr>
-              <a:t>Agregar una carpeta al Programa </a:t>
-            </a:r>
-            <a:r>
-              <a:rPr lang="es-ES" sz="1600" dirty="0" err="1" smtClean="0">
-                <a:solidFill>
-                  <a:srgbClr val="444444"/>
-                </a:solidFill>
-              </a:rPr>
-              <a:t>WinLess</a:t>
+                <a:latin typeface="+mj-lt"/>
+              </a:rPr>
+              <a:t>htdocs</a:t>
             </a:r>
             <a:endParaRPr lang="es-ES" sz="1600" dirty="0" smtClean="0">
               <a:solidFill>
                 <a:srgbClr val="444444"/>
               </a:solidFill>
+              <a:latin typeface="+mj-lt"/>
             </a:endParaRPr>
           </a:p>
           <a:p>
-            <a:pPr marL="285750" indent="-285750">
+            <a:pPr marL="342900" indent="-342900">
               <a:lnSpc>
                 <a:spcPct val="150000"/>
               </a:lnSpc>
-              <a:buFont typeface="Arial" panose="020B0604020202020204" pitchFamily="34" charset="0"/>
-              <a:buChar char="•"/>
+              <a:buAutoNum type="arabicParenR"/>
             </a:pPr>
             <a:r>
               <a:rPr lang="es-ES" sz="1600" dirty="0" smtClean="0">
                 <a:solidFill>
                   <a:srgbClr val="444444"/>
                 </a:solidFill>
-              </a:rPr>
-              <a:t>Compilar nuestros archivos usando la herramienta</a:t>
-            </a:r>
-          </a:p>
-          <a:p>
-            <a:pPr marL="285750" indent="-285750">
-              <a:lnSpc>
-                <a:spcPct val="150000"/>
-              </a:lnSpc>
-              <a:buFont typeface="Arial" panose="020B0604020202020204" pitchFamily="34" charset="0"/>
-              <a:buChar char="•"/>
-            </a:pPr>
+                <a:latin typeface="+mj-lt"/>
+              </a:rPr>
+              <a:t>Abrir en </a:t>
+            </a:r>
+            <a:r>
+              <a:rPr lang="es-ES" sz="1600" dirty="0">
+                <a:solidFill>
+                  <a:srgbClr val="444444"/>
+                </a:solidFill>
+                <a:latin typeface="+mj-lt"/>
+              </a:rPr>
+              <a:t>el navegador e ir a </a:t>
+            </a:r>
             <a:r>
               <a:rPr lang="es-ES" sz="1600" dirty="0" smtClean="0">
                 <a:solidFill>
                   <a:srgbClr val="444444"/>
                 </a:solidFill>
-              </a:rPr>
-              <a:t>Comprobar los cambios en nuestro navegador.</a:t>
-            </a:r>
-            <a:endParaRPr lang="es-ES" sz="1600" dirty="0">
-              <a:solidFill>
-                <a:srgbClr val="444444"/>
-              </a:solidFill>
+                <a:latin typeface="+mj-lt"/>
+              </a:rPr>
+              <a:t>index-less.html</a:t>
+            </a:r>
+            <a:endParaRPr lang="es-CL" sz="1600" dirty="0">
+              <a:latin typeface="+mj-lt"/>
             </a:endParaRPr>
           </a:p>
         </p:txBody>
       </p:sp>
       <p:pic>
         <p:nvPicPr>
-          <p:cNvPr id="9" name="Imagen 8"/>
+          <p:cNvPr id="23" name="Imagen 22"/>
           <p:cNvPicPr>
             <a:picLocks noChangeAspect="1"/>
           </p:cNvPicPr>
           <p:nvPr/>
         </p:nvPicPr>
         <p:blipFill>
-          <a:blip r:embed="rId3"/>
+          <a:blip r:embed="rId3">
+            <a:extLst>
+              <a:ext uri="{28A0092B-C50C-407E-A947-70E740481C1C}">
+                <a14:useLocalDpi xmlns:a14="http://schemas.microsoft.com/office/drawing/2010/main" val="0"/>
+              </a:ext>
+            </a:extLst>
+          </a:blip>
           <a:stretch>
             <a:fillRect/>
           </a:stretch>
         </p:blipFill>
         <p:spPr>
           <a:xfrm>
-            <a:off x="5689377" y="518448"/>
-            <a:ext cx="3112021" cy="1958743"/>
+            <a:off x="6660232" y="2132856"/>
+            <a:ext cx="1968014" cy="2399505"/>
           </a:xfrm>
           <a:prstGeom prst="rect">
             <a:avLst/>
@@ -18535,7 +18455,7 @@
     </p:spTree>
     <p:extLst>
       <p:ext uri="{BB962C8B-B14F-4D97-AF65-F5344CB8AC3E}">
-        <p14:creationId xmlns:p14="http://schemas.microsoft.com/office/powerpoint/2010/main" val="288586985"/>
+        <p14:creationId xmlns:p14="http://schemas.microsoft.com/office/powerpoint/2010/main" val="2303446424"/>
       </p:ext>
     </p:extLst>
   </p:cSld>
@@ -18593,7 +18513,19 @@
           <a:p>
             <a:r>
               <a:rPr lang="es-CL" sz="2400" dirty="0" smtClean="0"/>
-              <a:t>Practicando con SASS usando Scout-App</a:t>
+              <a:t>Practicando con </a:t>
+            </a:r>
+            <a:r>
+              <a:rPr lang="es-CL" sz="2400" dirty="0" err="1" smtClean="0"/>
+              <a:t>Less</a:t>
+            </a:r>
+            <a:r>
+              <a:rPr lang="es-CL" sz="2400" dirty="0" smtClean="0"/>
+              <a:t> usando </a:t>
+            </a:r>
+            <a:r>
+              <a:rPr lang="es-CL" sz="2400" dirty="0" err="1" smtClean="0"/>
+              <a:t>GUIs</a:t>
             </a:r>
             <a:endParaRPr lang="es-CL" sz="2400" dirty="0">
               <a:solidFill>
@@ -18689,8 +18621,8 @@
         </p:nvSpPr>
         <p:spPr>
           <a:xfrm>
-            <a:off x="6531257" y="3107284"/>
-            <a:ext cx="2067682" cy="369332"/>
+            <a:off x="6241276" y="2556276"/>
+            <a:ext cx="1970091" cy="369332"/>
           </a:xfrm>
           <a:prstGeom prst="rect">
             <a:avLst/>
@@ -18704,7 +18636,7 @@
           <a:p>
             <a:r>
               <a:rPr lang="es-CL" dirty="0"/>
-              <a:t>http://scout-app.io/</a:t>
+              <a:t>http://winless.org/</a:t>
             </a:r>
           </a:p>
         </p:txBody>
@@ -18717,8 +18649,8 @@
         </p:nvSpPr>
         <p:spPr>
           <a:xfrm>
-            <a:off x="486138" y="961968"/>
-            <a:ext cx="2732286" cy="507831"/>
+            <a:off x="452438" y="973171"/>
+            <a:ext cx="2529860" cy="464871"/>
           </a:xfrm>
           <a:prstGeom prst="rect">
             <a:avLst/>
@@ -18746,14 +18678,14 @@
               <a:t>Practica usando </a:t>
             </a:r>
             <a:r>
-              <a:rPr lang="es-ES" b="1" dirty="0" smtClean="0">
+              <a:rPr lang="es-ES" b="1" dirty="0" err="1">
                 <a:solidFill>
                   <a:schemeClr val="accent1">
                     <a:lumMod val="75000"/>
                   </a:schemeClr>
                 </a:solidFill>
               </a:rPr>
-              <a:t>Scout-App</a:t>
+              <a:t>WinLess</a:t>
             </a:r>
             <a:endParaRPr lang="es-ES" dirty="0">
               <a:solidFill>
@@ -18773,8 +18705,8 @@
         </p:nvSpPr>
         <p:spPr>
           <a:xfrm>
-            <a:off x="516911" y="1466130"/>
-            <a:ext cx="5720480" cy="584775"/>
+            <a:off x="454983" y="1475919"/>
+            <a:ext cx="4840680" cy="830997"/>
           </a:xfrm>
           <a:prstGeom prst="rect">
             <a:avLst/>
@@ -18786,13 +18718,26 @@
           </a:bodyPr>
           <a:lstStyle/>
           <a:p>
+            <a:pPr>
+              <a:lnSpc>
+                <a:spcPct val="150000"/>
+              </a:lnSpc>
+            </a:pPr>
+            <a:r>
+              <a:rPr lang="es-ES" sz="1600" dirty="0" err="1" smtClean="0">
+                <a:solidFill>
+                  <a:srgbClr val="444444"/>
+                </a:solidFill>
+              </a:rPr>
+              <a:t>WinLess</a:t>
+            </a:r>
             <a:r>
               <a:rPr lang="es-ES" sz="1600" dirty="0" smtClean="0">
                 <a:solidFill>
                   <a:srgbClr val="444444"/>
                 </a:solidFill>
               </a:rPr>
-              <a:t>Scout-app es una </a:t>
+              <a:t> es una </a:t>
             </a:r>
             <a:r>
               <a:rPr lang="es-ES" sz="1600" dirty="0" err="1" smtClean="0">
@@ -18816,7 +18761,7 @@
                   <a:srgbClr val="444444"/>
                 </a:solidFill>
               </a:rPr>
-              <a:t>sass</a:t>
+              <a:t>less</a:t>
             </a:r>
             <a:endParaRPr lang="es-ES" sz="1600" dirty="0">
               <a:solidFill>
@@ -18834,7 +18779,7 @@
         </p:nvSpPr>
         <p:spPr>
           <a:xfrm>
-            <a:off x="486138" y="1996192"/>
+            <a:off x="467544" y="2449274"/>
             <a:ext cx="1425775" cy="464871"/>
           </a:xfrm>
           <a:prstGeom prst="rect">
@@ -18880,8 +18825,8 @@
         </p:nvSpPr>
         <p:spPr>
           <a:xfrm>
-            <a:off x="427086" y="2383001"/>
-            <a:ext cx="5528864" cy="1938992"/>
+            <a:off x="452438" y="2920666"/>
+            <a:ext cx="7635771" cy="1162113"/>
           </a:xfrm>
           <a:prstGeom prst="rect">
             <a:avLst/>
@@ -18893,7 +18838,7 @@
           </a:bodyPr>
           <a:lstStyle/>
           <a:p>
-            <a:pPr marL="285750" indent="-285750" algn="just">
+            <a:pPr marL="285750" indent="-285750">
               <a:lnSpc>
                 <a:spcPct val="150000"/>
               </a:lnSpc>
@@ -18910,7 +18855,7 @@
             </a:r>
           </a:p>
           <a:p>
-            <a:pPr marL="285750" indent="-285750" algn="just">
+            <a:pPr marL="285750" indent="-285750">
               <a:lnSpc>
                 <a:spcPct val="150000"/>
               </a:lnSpc>
@@ -18927,7 +18872,7 @@
             </a:r>
           </a:p>
           <a:p>
-            <a:pPr marL="285750" indent="-285750" algn="just">
+            <a:pPr marL="285750" indent="-285750">
               <a:lnSpc>
                 <a:spcPct val="150000"/>
               </a:lnSpc>
@@ -18940,7 +18885,7 @@
                   <a:srgbClr val="444444"/>
                 </a:solidFill>
               </a:rPr>
-              <a:t>Al hacer un cambio tienes que manualmente volverlo a ejecutar.</a:t>
+              <a:t>Compilar por defecto si cambian nuestros archivos.</a:t>
             </a:r>
             <a:endParaRPr lang="es-ES" sz="1600" dirty="0">
               <a:solidFill>
@@ -18958,7 +18903,7 @@
         </p:nvSpPr>
         <p:spPr>
           <a:xfrm>
-            <a:off x="482712" y="4221088"/>
+            <a:off x="473466" y="4100527"/>
             <a:ext cx="1003801" cy="464871"/>
           </a:xfrm>
           <a:prstGeom prst="rect">
@@ -19004,8 +18949,8 @@
         </p:nvSpPr>
         <p:spPr>
           <a:xfrm>
-            <a:off x="467544" y="4628743"/>
-            <a:ext cx="8111911" cy="1200329"/>
+            <a:off x="452438" y="4532052"/>
+            <a:ext cx="7650938" cy="1162113"/>
           </a:xfrm>
           <a:prstGeom prst="rect">
             <a:avLst/>
@@ -19030,8 +18975,21 @@
                   <a:srgbClr val="444444"/>
                 </a:solidFill>
               </a:rPr>
-              <a:t>Agregar una carpeta al Programa Scout-App</a:t>
-            </a:r>
+              <a:t>Agregar una carpeta al Programa </a:t>
+            </a:r>
+            <a:r>
+              <a:rPr lang="es-ES" sz="1600" dirty="0" err="1" smtClean="0">
+                <a:solidFill>
+                  <a:srgbClr val="444444"/>
+                </a:solidFill>
+              </a:rPr>
+              <a:t>WinLess</a:t>
+            </a:r>
+            <a:endParaRPr lang="es-ES" sz="1600" dirty="0" smtClean="0">
+              <a:solidFill>
+                <a:srgbClr val="444444"/>
+              </a:solidFill>
+            </a:endParaRPr>
           </a:p>
           <a:p>
             <a:pPr marL="285750" indent="-285750">
@@ -19076,49 +19034,32 @@
       </p:sp>
       <p:pic>
         <p:nvPicPr>
-          <p:cNvPr id="12" name="Picture 4" descr="English (Windows 7)"/>
+          <p:cNvPr id="9" name="Imagen 8"/>
           <p:cNvPicPr>
-            <a:picLocks noChangeAspect="1" noChangeArrowheads="1"/>
+            <a:picLocks noChangeAspect="1"/>
           </p:cNvPicPr>
           <p:nvPr/>
         </p:nvPicPr>
         <p:blipFill>
-          <a:blip r:embed="rId3" cstate="print">
-            <a:extLst>
-              <a:ext uri="{28A0092B-C50C-407E-A947-70E740481C1C}">
-                <a14:useLocalDpi xmlns:a14="http://schemas.microsoft.com/office/drawing/2010/main" val="0"/>
-              </a:ext>
-            </a:extLst>
-          </a:blip>
-          <a:srcRect/>
+          <a:blip r:embed="rId3"/>
           <a:stretch>
             <a:fillRect/>
           </a:stretch>
         </p:blipFill>
-        <p:spPr bwMode="auto">
-          <a:xfrm>
-            <a:off x="6237716" y="908107"/>
-            <a:ext cx="2654764" cy="2160854"/>
-          </a:xfrm>
-          <a:prstGeom prst="rect">
-            <a:avLst/>
-          </a:prstGeom>
-          <a:noFill/>
-          <a:extLst>
-            <a:ext uri="{909E8E84-426E-40DD-AFC4-6F175D3DCCD1}">
-              <a14:hiddenFill xmlns:a14="http://schemas.microsoft.com/office/drawing/2010/main">
-                <a:solidFill>
-                  <a:srgbClr val="FFFFFF"/>
-                </a:solidFill>
-              </a14:hiddenFill>
-            </a:ext>
-          </a:extLst>
+        <p:spPr>
+          <a:xfrm>
+            <a:off x="5689377" y="518448"/>
+            <a:ext cx="3112021" cy="1958743"/>
+          </a:xfrm>
+          <a:prstGeom prst="rect">
+            <a:avLst/>
+          </a:prstGeom>
         </p:spPr>
       </p:pic>
     </p:spTree>
     <p:extLst>
       <p:ext uri="{BB962C8B-B14F-4D97-AF65-F5344CB8AC3E}">
-        <p14:creationId xmlns:p14="http://schemas.microsoft.com/office/powerpoint/2010/main" val="1662508296"/>
+        <p14:creationId xmlns:p14="http://schemas.microsoft.com/office/powerpoint/2010/main" val="288586985"/>
       </p:ext>
     </p:extLst>
   </p:cSld>
@@ -19176,7 +19117,7 @@
           <a:p>
             <a:r>
               <a:rPr lang="es-CL" sz="2400" dirty="0" smtClean="0"/>
-              <a:t>Practicando con SASS usando Koala</a:t>
+              <a:t>Practicando con SASS usando Scout-App</a:t>
             </a:r>
             <a:endParaRPr lang="es-CL" sz="2400" dirty="0">
               <a:solidFill>
@@ -19266,6 +19207,34 @@
       </p:sp>
       <p:sp>
         <p:nvSpPr>
+          <p:cNvPr id="3" name="Rectángulo 2"/>
+          <p:cNvSpPr/>
+          <p:nvPr/>
+        </p:nvSpPr>
+        <p:spPr>
+          <a:xfrm>
+            <a:off x="6531257" y="3107284"/>
+            <a:ext cx="2067682" cy="369332"/>
+          </a:xfrm>
+          <a:prstGeom prst="rect">
+            <a:avLst/>
+          </a:prstGeom>
+        </p:spPr>
+        <p:txBody>
+          <a:bodyPr wrap="none">
+            <a:spAutoFit/>
+          </a:bodyPr>
+          <a:lstStyle/>
+          <a:p>
+            <a:r>
+              <a:rPr lang="es-CL" dirty="0"/>
+              <a:t>http://scout-app.io/</a:t>
+            </a:r>
+          </a:p>
+        </p:txBody>
+      </p:sp>
+      <p:sp>
+        <p:nvSpPr>
           <p:cNvPr id="6" name="Rectángulo 5"/>
           <p:cNvSpPr/>
           <p:nvPr/>
@@ -19273,7 +19242,7 @@
         <p:spPr>
           <a:xfrm>
             <a:off x="486138" y="961968"/>
-            <a:ext cx="2274469" cy="464871"/>
+            <a:ext cx="2732286" cy="507831"/>
           </a:xfrm>
           <a:prstGeom prst="rect">
             <a:avLst/>
@@ -19308,7 +19277,7 @@
                   </a:schemeClr>
                 </a:solidFill>
               </a:rPr>
-              <a:t>Koala</a:t>
+              <a:t>Scout-App</a:t>
             </a:r>
             <a:endParaRPr lang="es-ES" dirty="0">
               <a:solidFill>
@@ -19347,7 +19316,7 @@
                   <a:srgbClr val="444444"/>
                 </a:solidFill>
               </a:rPr>
-              <a:t>Koala es una </a:t>
+              <a:t>Scout-app es una </a:t>
             </a:r>
             <a:r>
               <a:rPr lang="es-ES" sz="1600" dirty="0" err="1" smtClean="0">
@@ -19363,17 +19332,15 @@
                   <a:srgbClr val="444444"/>
                 </a:solidFill>
               </a:rPr>
-              <a:t> Gráfica usada para compilar nuestros </a:t>
-            </a:r>
-          </a:p>
-          <a:p>
-            <a:r>
-              <a:rPr lang="es-ES" sz="1600" dirty="0" smtClean="0">
+              <a:t> Gráfica usada para compilar nuestros archivos .</a:t>
+            </a:r>
+            <a:r>
+              <a:rPr lang="es-ES" sz="1600" dirty="0" err="1" smtClean="0">
                 <a:solidFill>
                   <a:srgbClr val="444444"/>
                 </a:solidFill>
               </a:rPr>
-              <a:t>archivos SASS y LESS</a:t>
+              <a:t>sass</a:t>
             </a:r>
             <a:endParaRPr lang="es-ES" sz="1600" dirty="0">
               <a:solidFill>
@@ -19463,30 +19430,7 @@
                   <a:srgbClr val="444444"/>
                 </a:solidFill>
               </a:rPr>
-              <a:t>Seleccionar la carpeta de los proyectos los cuales  </a:t>
-            </a:r>
-          </a:p>
-          <a:p>
-            <a:pPr algn="just">
-              <a:lnSpc>
-                <a:spcPct val="150000"/>
-              </a:lnSpc>
-            </a:pPr>
-            <a:r>
-              <a:rPr lang="es-ES" sz="1600" dirty="0">
-                <a:solidFill>
-                  <a:srgbClr val="444444"/>
-                </a:solidFill>
-              </a:rPr>
-              <a:t> </a:t>
-            </a:r>
-            <a:r>
-              <a:rPr lang="es-ES" sz="1600" dirty="0" smtClean="0">
-                <a:solidFill>
-                  <a:srgbClr val="444444"/>
-                </a:solidFill>
-              </a:rPr>
-              <a:t>     deseamos compilar</a:t>
+              <a:t>Seleccionar la carpeta de los proyectos los cuales deseamos compilar</a:t>
             </a:r>
           </a:p>
           <a:p>
@@ -19610,7 +19554,7 @@
                   <a:srgbClr val="444444"/>
                 </a:solidFill>
               </a:rPr>
-              <a:t>Agregar una carpeta al Programa Koala</a:t>
+              <a:t>Agregar una carpeta al Programa Scout-App</a:t>
             </a:r>
           </a:p>
           <a:p>
@@ -19654,44 +19598,16 @@
           </a:p>
         </p:txBody>
       </p:sp>
-      <p:sp>
-        <p:nvSpPr>
-          <p:cNvPr id="5" name="Rectángulo 4"/>
-          <p:cNvSpPr/>
-          <p:nvPr/>
-        </p:nvSpPr>
-        <p:spPr>
-          <a:xfrm>
-            <a:off x="6315070" y="3101115"/>
-            <a:ext cx="2285562" cy="369332"/>
-          </a:xfrm>
-          <a:prstGeom prst="rect">
-            <a:avLst/>
-          </a:prstGeom>
-        </p:spPr>
-        <p:txBody>
-          <a:bodyPr wrap="none">
-            <a:spAutoFit/>
-          </a:bodyPr>
-          <a:lstStyle/>
-          <a:p>
-            <a:r>
-              <a:rPr lang="es-CL" dirty="0"/>
-              <a:t>http://koala-app.com/</a:t>
-            </a:r>
-          </a:p>
-        </p:txBody>
-      </p:sp>
       <p:pic>
         <p:nvPicPr>
-          <p:cNvPr id="6146" name="Picture 2" descr="Resultado de imagen para koala gui"/>
+          <p:cNvPr id="12" name="Picture 4" descr="English (Windows 7)"/>
           <p:cNvPicPr>
             <a:picLocks noChangeAspect="1" noChangeArrowheads="1"/>
           </p:cNvPicPr>
           <p:nvPr/>
         </p:nvPicPr>
         <p:blipFill>
-          <a:blip r:embed="rId3">
+          <a:blip r:embed="rId3" cstate="print">
             <a:extLst>
               <a:ext uri="{28A0092B-C50C-407E-A947-70E740481C1C}">
                 <a14:useLocalDpi xmlns:a14="http://schemas.microsoft.com/office/drawing/2010/main" val="0"/>
@@ -19705,8 +19621,8 @@
         </p:blipFill>
         <p:spPr bwMode="auto">
           <a:xfrm>
-            <a:off x="5951001" y="1099436"/>
-            <a:ext cx="3054657" cy="1888797"/>
+            <a:off x="6237716" y="908107"/>
+            <a:ext cx="2654764" cy="2160854"/>
           </a:xfrm>
           <a:prstGeom prst="rect">
             <a:avLst/>
@@ -19726,7 +19642,7 @@
     </p:spTree>
     <p:extLst>
       <p:ext uri="{BB962C8B-B14F-4D97-AF65-F5344CB8AC3E}">
-        <p14:creationId xmlns:p14="http://schemas.microsoft.com/office/powerpoint/2010/main" val="2533201021"/>
+        <p14:creationId xmlns:p14="http://schemas.microsoft.com/office/powerpoint/2010/main" val="1662508296"/>
       </p:ext>
     </p:extLst>
   </p:cSld>
@@ -19886,6 +19802,1255 @@
   <p:cSld>
     <p:spTree>
       <p:nvGrpSpPr>
+        <p:cNvPr id="1" name="Shape 392"/>
+        <p:cNvGrpSpPr/>
+        <p:nvPr/>
+      </p:nvGrpSpPr>
+      <p:grpSpPr>
+        <a:xfrm>
+          <a:off x="0" y="0"/>
+          <a:ext cx="0" cy="0"/>
+          <a:chOff x="0" y="0"/>
+          <a:chExt cx="0" cy="0"/>
+        </a:xfrm>
+      </p:grpSpPr>
+      <p:sp>
+        <p:nvSpPr>
+          <p:cNvPr id="4" name="3 Título"/>
+          <p:cNvSpPr>
+            <a:spLocks noGrp="1"/>
+          </p:cNvSpPr>
+          <p:nvPr>
+            <p:ph type="title"/>
+          </p:nvPr>
+        </p:nvSpPr>
+        <p:spPr>
+          <a:xfrm>
+            <a:off x="467544" y="404664"/>
+            <a:ext cx="7995074" cy="663600"/>
+          </a:xfrm>
+        </p:spPr>
+        <p:txBody>
+          <a:bodyPr>
+            <a:normAutofit/>
+          </a:bodyPr>
+          <a:lstStyle/>
+          <a:p>
+            <a:r>
+              <a:rPr lang="es-CL" sz="2400" dirty="0" smtClean="0"/>
+              <a:t>Practicando con SASS usando Koala</a:t>
+            </a:r>
+            <a:endParaRPr lang="es-CL" sz="2400" dirty="0">
+              <a:solidFill>
+                <a:srgbClr val="000000"/>
+              </a:solidFill>
+            </a:endParaRPr>
+          </a:p>
+        </p:txBody>
+      </p:sp>
+      <p:sp>
+        <p:nvSpPr>
+          <p:cNvPr id="8" name="AutoShape 2" descr="Resultado de imagen para angular"/>
+          <p:cNvSpPr>
+            <a:spLocks noChangeAspect="1" noChangeArrowheads="1"/>
+          </p:cNvSpPr>
+          <p:nvPr/>
+        </p:nvSpPr>
+        <p:spPr bwMode="auto">
+          <a:xfrm>
+            <a:off x="116681" y="-144461"/>
+            <a:ext cx="228600" cy="304801"/>
+          </a:xfrm>
+          <a:prstGeom prst="rect">
+            <a:avLst/>
+          </a:prstGeom>
+          <a:noFill/>
+          <a:extLst>
+            <a:ext uri="{909E8E84-426E-40DD-AFC4-6F175D3DCCD1}">
+              <a14:hiddenFill xmlns:a14="http://schemas.microsoft.com/office/drawing/2010/main">
+                <a:solidFill>
+                  <a:srgbClr val="FFFFFF"/>
+                </a:solidFill>
+              </a14:hiddenFill>
+            </a:ext>
+          </a:extLst>
+        </p:spPr>
+        <p:txBody>
+          <a:bodyPr vert="horz" wrap="square" lIns="91430" tIns="45715" rIns="91430" bIns="45715" numCol="1" anchor="t" anchorCtr="0" compatLnSpc="1">
+            <a:prstTxWarp prst="textNoShape">
+              <a:avLst/>
+            </a:prstTxWarp>
+          </a:bodyPr>
+          <a:lstStyle/>
+          <a:p>
+            <a:endParaRPr lang="es-CL"/>
+          </a:p>
+        </p:txBody>
+      </p:sp>
+      <p:sp>
+        <p:nvSpPr>
+          <p:cNvPr id="2" name="AutoShape 2" descr="Resultado de imagen para NgModules"/>
+          <p:cNvSpPr>
+            <a:spLocks noChangeAspect="1" noChangeArrowheads="1"/>
+          </p:cNvSpPr>
+          <p:nvPr/>
+        </p:nvSpPr>
+        <p:spPr bwMode="auto">
+          <a:xfrm>
+            <a:off x="155575" y="-136525"/>
+            <a:ext cx="296863" cy="296863"/>
+          </a:xfrm>
+          <a:prstGeom prst="rect">
+            <a:avLst/>
+          </a:prstGeom>
+          <a:noFill/>
+          <a:extLst>
+            <a:ext uri="{909E8E84-426E-40DD-AFC4-6F175D3DCCD1}">
+              <a14:hiddenFill xmlns:a14="http://schemas.microsoft.com/office/drawing/2010/main">
+                <a:solidFill>
+                  <a:srgbClr val="FFFFFF"/>
+                </a:solidFill>
+              </a14:hiddenFill>
+            </a:ext>
+          </a:extLst>
+        </p:spPr>
+        <p:txBody>
+          <a:bodyPr vert="horz" wrap="square" lIns="91440" tIns="45720" rIns="91440" bIns="45720" numCol="1" anchor="t" anchorCtr="0" compatLnSpc="1">
+            <a:prstTxWarp prst="textNoShape">
+              <a:avLst/>
+            </a:prstTxWarp>
+          </a:bodyPr>
+          <a:lstStyle/>
+          <a:p>
+            <a:endParaRPr lang="es-CL"/>
+          </a:p>
+        </p:txBody>
+      </p:sp>
+      <p:sp>
+        <p:nvSpPr>
+          <p:cNvPr id="6" name="Rectángulo 5"/>
+          <p:cNvSpPr/>
+          <p:nvPr/>
+        </p:nvSpPr>
+        <p:spPr>
+          <a:xfrm>
+            <a:off x="486138" y="961968"/>
+            <a:ext cx="2274469" cy="464871"/>
+          </a:xfrm>
+          <a:prstGeom prst="rect">
+            <a:avLst/>
+          </a:prstGeom>
+        </p:spPr>
+        <p:txBody>
+          <a:bodyPr wrap="none">
+            <a:spAutoFit/>
+          </a:bodyPr>
+          <a:lstStyle/>
+          <a:p>
+            <a:pPr>
+              <a:lnSpc>
+                <a:spcPct val="150000"/>
+              </a:lnSpc>
+            </a:pPr>
+            <a:r>
+              <a:rPr lang="es-ES" b="1" dirty="0">
+                <a:solidFill>
+                  <a:schemeClr val="accent1">
+                    <a:lumMod val="75000"/>
+                  </a:schemeClr>
+                </a:solidFill>
+              </a:rPr>
+              <a:t>Practica usando </a:t>
+            </a:r>
+            <a:r>
+              <a:rPr lang="es-ES" b="1" dirty="0" smtClean="0">
+                <a:solidFill>
+                  <a:schemeClr val="accent1">
+                    <a:lumMod val="75000"/>
+                  </a:schemeClr>
+                </a:solidFill>
+              </a:rPr>
+              <a:t>Koala</a:t>
+            </a:r>
+            <a:endParaRPr lang="es-ES" dirty="0">
+              <a:solidFill>
+                <a:schemeClr val="accent1">
+                  <a:lumMod val="75000"/>
+                </a:schemeClr>
+              </a:solidFill>
+            </a:endParaRPr>
+          </a:p>
+        </p:txBody>
+      </p:sp>
+      <p:sp>
+        <p:nvSpPr>
+          <p:cNvPr id="7" name="Rectángulo 6"/>
+          <p:cNvSpPr/>
+          <p:nvPr/>
+        </p:nvSpPr>
+        <p:spPr>
+          <a:xfrm>
+            <a:off x="516911" y="1466130"/>
+            <a:ext cx="5720480" cy="584775"/>
+          </a:xfrm>
+          <a:prstGeom prst="rect">
+            <a:avLst/>
+          </a:prstGeom>
+        </p:spPr>
+        <p:txBody>
+          <a:bodyPr wrap="square">
+            <a:spAutoFit/>
+          </a:bodyPr>
+          <a:lstStyle/>
+          <a:p>
+            <a:r>
+              <a:rPr lang="es-ES" sz="1600" dirty="0" smtClean="0">
+                <a:solidFill>
+                  <a:srgbClr val="444444"/>
+                </a:solidFill>
+              </a:rPr>
+              <a:t>Koala es una </a:t>
+            </a:r>
+            <a:r>
+              <a:rPr lang="es-ES" sz="1600" dirty="0" err="1" smtClean="0">
+                <a:solidFill>
+                  <a:srgbClr val="444444"/>
+                </a:solidFill>
+              </a:rPr>
+              <a:t>Intefaz</a:t>
+            </a:r>
+            <a:r>
+              <a:rPr lang="es-ES" sz="1600" dirty="0" smtClean="0">
+                <a:solidFill>
+                  <a:srgbClr val="444444"/>
+                </a:solidFill>
+              </a:rPr>
+              <a:t> Gráfica usada para compilar nuestros </a:t>
+            </a:r>
+          </a:p>
+          <a:p>
+            <a:r>
+              <a:rPr lang="es-ES" sz="1600" dirty="0" smtClean="0">
+                <a:solidFill>
+                  <a:srgbClr val="444444"/>
+                </a:solidFill>
+              </a:rPr>
+              <a:t>archivos SASS y LESS</a:t>
+            </a:r>
+            <a:endParaRPr lang="es-ES" sz="1600" dirty="0">
+              <a:solidFill>
+                <a:srgbClr val="444444"/>
+              </a:solidFill>
+            </a:endParaRPr>
+          </a:p>
+        </p:txBody>
+      </p:sp>
+      <p:sp>
+        <p:nvSpPr>
+          <p:cNvPr id="13" name="Rectángulo 12"/>
+          <p:cNvSpPr/>
+          <p:nvPr/>
+        </p:nvSpPr>
+        <p:spPr>
+          <a:xfrm>
+            <a:off x="486138" y="1996192"/>
+            <a:ext cx="1425775" cy="464871"/>
+          </a:xfrm>
+          <a:prstGeom prst="rect">
+            <a:avLst/>
+          </a:prstGeom>
+        </p:spPr>
+        <p:txBody>
+          <a:bodyPr wrap="none">
+            <a:spAutoFit/>
+          </a:bodyPr>
+          <a:lstStyle/>
+          <a:p>
+            <a:pPr>
+              <a:lnSpc>
+                <a:spcPct val="150000"/>
+              </a:lnSpc>
+            </a:pPr>
+            <a:r>
+              <a:rPr lang="es-ES" b="1" dirty="0" smtClean="0">
+                <a:solidFill>
+                  <a:schemeClr val="accent1">
+                    <a:lumMod val="75000"/>
+                  </a:schemeClr>
+                </a:solidFill>
+              </a:rPr>
+              <a:t>Nos permite:</a:t>
+            </a:r>
+            <a:endParaRPr lang="es-ES" dirty="0">
+              <a:solidFill>
+                <a:schemeClr val="accent1">
+                  <a:lumMod val="75000"/>
+                </a:schemeClr>
+              </a:solidFill>
+            </a:endParaRPr>
+          </a:p>
+        </p:txBody>
+      </p:sp>
+      <p:sp>
+        <p:nvSpPr>
+          <p:cNvPr id="14" name="Rectángulo 13"/>
+          <p:cNvSpPr/>
+          <p:nvPr/>
+        </p:nvSpPr>
+        <p:spPr>
+          <a:xfrm>
+            <a:off x="427086" y="2383001"/>
+            <a:ext cx="5528864" cy="1938992"/>
+          </a:xfrm>
+          <a:prstGeom prst="rect">
+            <a:avLst/>
+          </a:prstGeom>
+        </p:spPr>
+        <p:txBody>
+          <a:bodyPr wrap="square">
+            <a:spAutoFit/>
+          </a:bodyPr>
+          <a:lstStyle/>
+          <a:p>
+            <a:pPr marL="285750" indent="-285750" algn="just">
+              <a:lnSpc>
+                <a:spcPct val="150000"/>
+              </a:lnSpc>
+              <a:buFont typeface="Arial" panose="020B0604020202020204" pitchFamily="34" charset="0"/>
+              <a:buChar char="•"/>
+            </a:pPr>
+            <a:r>
+              <a:rPr lang="es-ES" sz="1600" dirty="0" smtClean="0">
+                <a:solidFill>
+                  <a:srgbClr val="444444"/>
+                </a:solidFill>
+              </a:rPr>
+              <a:t>Seleccionar la carpeta de los proyectos los cuales  </a:t>
+            </a:r>
+          </a:p>
+          <a:p>
+            <a:pPr algn="just">
+              <a:lnSpc>
+                <a:spcPct val="150000"/>
+              </a:lnSpc>
+            </a:pPr>
+            <a:r>
+              <a:rPr lang="es-ES" sz="1600" dirty="0">
+                <a:solidFill>
+                  <a:srgbClr val="444444"/>
+                </a:solidFill>
+              </a:rPr>
+              <a:t> </a:t>
+            </a:r>
+            <a:r>
+              <a:rPr lang="es-ES" sz="1600" dirty="0" smtClean="0">
+                <a:solidFill>
+                  <a:srgbClr val="444444"/>
+                </a:solidFill>
+              </a:rPr>
+              <a:t>     deseamos compilar</a:t>
+            </a:r>
+          </a:p>
+          <a:p>
+            <a:pPr marL="285750" indent="-285750" algn="just">
+              <a:lnSpc>
+                <a:spcPct val="150000"/>
+              </a:lnSpc>
+              <a:buFont typeface="Arial" panose="020B0604020202020204" pitchFamily="34" charset="0"/>
+              <a:buChar char="•"/>
+            </a:pPr>
+            <a:r>
+              <a:rPr lang="es-ES" sz="1600" dirty="0" smtClean="0">
+                <a:solidFill>
+                  <a:srgbClr val="444444"/>
+                </a:solidFill>
+              </a:rPr>
+              <a:t>Minimizar los archivos finales</a:t>
+            </a:r>
+          </a:p>
+          <a:p>
+            <a:pPr marL="285750" indent="-285750" algn="just">
+              <a:lnSpc>
+                <a:spcPct val="150000"/>
+              </a:lnSpc>
+              <a:buFont typeface="Arial" panose="020B0604020202020204" pitchFamily="34" charset="0"/>
+              <a:buChar char="•"/>
+            </a:pPr>
+            <a:r>
+              <a:rPr lang="es-ES" sz="1600" dirty="0" smtClean="0">
+                <a:solidFill>
+                  <a:srgbClr val="444444"/>
+                </a:solidFill>
+              </a:rPr>
+              <a:t>Al hacer un cambio tienes que manualmente volverlo a ejecutar.</a:t>
+            </a:r>
+            <a:endParaRPr lang="es-ES" sz="1600" dirty="0">
+              <a:solidFill>
+                <a:srgbClr val="444444"/>
+              </a:solidFill>
+            </a:endParaRPr>
+          </a:p>
+        </p:txBody>
+      </p:sp>
+      <p:sp>
+        <p:nvSpPr>
+          <p:cNvPr id="16" name="Rectángulo 15"/>
+          <p:cNvSpPr/>
+          <p:nvPr/>
+        </p:nvSpPr>
+        <p:spPr>
+          <a:xfrm>
+            <a:off x="482712" y="4221088"/>
+            <a:ext cx="1003801" cy="464871"/>
+          </a:xfrm>
+          <a:prstGeom prst="rect">
+            <a:avLst/>
+          </a:prstGeom>
+        </p:spPr>
+        <p:txBody>
+          <a:bodyPr wrap="none">
+            <a:spAutoFit/>
+          </a:bodyPr>
+          <a:lstStyle/>
+          <a:p>
+            <a:pPr>
+              <a:lnSpc>
+                <a:spcPct val="150000"/>
+              </a:lnSpc>
+            </a:pPr>
+            <a:r>
+              <a:rPr lang="es-ES" b="1" dirty="0" smtClean="0">
+                <a:solidFill>
+                  <a:schemeClr val="accent1">
+                    <a:lumMod val="75000"/>
+                  </a:schemeClr>
+                </a:solidFill>
+              </a:rPr>
+              <a:t>Practica:</a:t>
+            </a:r>
+            <a:endParaRPr lang="es-ES" dirty="0">
+              <a:solidFill>
+                <a:schemeClr val="accent1">
+                  <a:lumMod val="75000"/>
+                </a:schemeClr>
+              </a:solidFill>
+            </a:endParaRPr>
+          </a:p>
+        </p:txBody>
+      </p:sp>
+      <p:sp>
+        <p:nvSpPr>
+          <p:cNvPr id="10" name="Rectángulo 9"/>
+          <p:cNvSpPr/>
+          <p:nvPr/>
+        </p:nvSpPr>
+        <p:spPr>
+          <a:xfrm>
+            <a:off x="467544" y="4628743"/>
+            <a:ext cx="8111911" cy="1200329"/>
+          </a:xfrm>
+          <a:prstGeom prst="rect">
+            <a:avLst/>
+          </a:prstGeom>
+        </p:spPr>
+        <p:txBody>
+          <a:bodyPr wrap="square">
+            <a:spAutoFit/>
+          </a:bodyPr>
+          <a:lstStyle/>
+          <a:p>
+            <a:pPr marL="285750" indent="-285750">
+              <a:lnSpc>
+                <a:spcPct val="150000"/>
+              </a:lnSpc>
+              <a:buFont typeface="Arial" panose="020B0604020202020204" pitchFamily="34" charset="0"/>
+              <a:buChar char="•"/>
+            </a:pPr>
+            <a:r>
+              <a:rPr lang="es-ES" sz="1600" dirty="0" smtClean="0">
+                <a:solidFill>
+                  <a:srgbClr val="444444"/>
+                </a:solidFill>
+              </a:rPr>
+              <a:t>Agregar una carpeta al Programa Koala</a:t>
+            </a:r>
+          </a:p>
+          <a:p>
+            <a:pPr marL="285750" indent="-285750">
+              <a:lnSpc>
+                <a:spcPct val="150000"/>
+              </a:lnSpc>
+              <a:buFont typeface="Arial" panose="020B0604020202020204" pitchFamily="34" charset="0"/>
+              <a:buChar char="•"/>
+            </a:pPr>
+            <a:r>
+              <a:rPr lang="es-ES" sz="1600" dirty="0" smtClean="0">
+                <a:solidFill>
+                  <a:srgbClr val="444444"/>
+                </a:solidFill>
+              </a:rPr>
+              <a:t>Compilar nuestros archivos usando la herramienta</a:t>
+            </a:r>
+          </a:p>
+          <a:p>
+            <a:pPr marL="285750" indent="-285750">
+              <a:lnSpc>
+                <a:spcPct val="150000"/>
+              </a:lnSpc>
+              <a:buFont typeface="Arial" panose="020B0604020202020204" pitchFamily="34" charset="0"/>
+              <a:buChar char="•"/>
+            </a:pPr>
+            <a:r>
+              <a:rPr lang="es-ES" sz="1600" dirty="0" smtClean="0">
+                <a:solidFill>
+                  <a:srgbClr val="444444"/>
+                </a:solidFill>
+              </a:rPr>
+              <a:t>Comprobar los cambios en nuestro navegador.</a:t>
+            </a:r>
+            <a:endParaRPr lang="es-ES" sz="1600" dirty="0">
+              <a:solidFill>
+                <a:srgbClr val="444444"/>
+              </a:solidFill>
+            </a:endParaRPr>
+          </a:p>
+        </p:txBody>
+      </p:sp>
+      <p:sp>
+        <p:nvSpPr>
+          <p:cNvPr id="5" name="Rectángulo 4"/>
+          <p:cNvSpPr/>
+          <p:nvPr/>
+        </p:nvSpPr>
+        <p:spPr>
+          <a:xfrm>
+            <a:off x="6315070" y="3101115"/>
+            <a:ext cx="2285562" cy="369332"/>
+          </a:xfrm>
+          <a:prstGeom prst="rect">
+            <a:avLst/>
+          </a:prstGeom>
+        </p:spPr>
+        <p:txBody>
+          <a:bodyPr wrap="none">
+            <a:spAutoFit/>
+          </a:bodyPr>
+          <a:lstStyle/>
+          <a:p>
+            <a:r>
+              <a:rPr lang="es-CL" dirty="0"/>
+              <a:t>http://koala-app.com/</a:t>
+            </a:r>
+          </a:p>
+        </p:txBody>
+      </p:sp>
+      <p:pic>
+        <p:nvPicPr>
+          <p:cNvPr id="6146" name="Picture 2" descr="Resultado de imagen para koala gui"/>
+          <p:cNvPicPr>
+            <a:picLocks noChangeAspect="1" noChangeArrowheads="1"/>
+          </p:cNvPicPr>
+          <p:nvPr/>
+        </p:nvPicPr>
+        <p:blipFill>
+          <a:blip r:embed="rId3">
+            <a:extLst>
+              <a:ext uri="{28A0092B-C50C-407E-A947-70E740481C1C}">
+                <a14:useLocalDpi xmlns:a14="http://schemas.microsoft.com/office/drawing/2010/main" val="0"/>
+              </a:ext>
+            </a:extLst>
+          </a:blip>
+          <a:srcRect/>
+          <a:stretch>
+            <a:fillRect/>
+          </a:stretch>
+        </p:blipFill>
+        <p:spPr bwMode="auto">
+          <a:xfrm>
+            <a:off x="5951001" y="1099436"/>
+            <a:ext cx="3054657" cy="1888797"/>
+          </a:xfrm>
+          <a:prstGeom prst="rect">
+            <a:avLst/>
+          </a:prstGeom>
+          <a:noFill/>
+          <a:extLst>
+            <a:ext uri="{909E8E84-426E-40DD-AFC4-6F175D3DCCD1}">
+              <a14:hiddenFill xmlns:a14="http://schemas.microsoft.com/office/drawing/2010/main">
+                <a:solidFill>
+                  <a:srgbClr val="FFFFFF"/>
+                </a:solidFill>
+              </a14:hiddenFill>
+            </a:ext>
+          </a:extLst>
+        </p:spPr>
+      </p:pic>
+    </p:spTree>
+    <p:extLst>
+      <p:ext uri="{BB962C8B-B14F-4D97-AF65-F5344CB8AC3E}">
+        <p14:creationId xmlns:p14="http://schemas.microsoft.com/office/powerpoint/2010/main" val="2533201021"/>
+      </p:ext>
+    </p:extLst>
+  </p:cSld>
+  <p:clrMapOvr>
+    <a:masterClrMapping/>
+  </p:clrMapOvr>
+  <p:timing>
+    <p:tnLst>
+      <p:par>
+        <p:cTn id="1" dur="indefinite" restart="never" nodeType="tmRoot"/>
+      </p:par>
+    </p:tnLst>
+  </p:timing>
+</p:sld>
+</file>
+
+<file path=ppt/slides/slide31.xml><?xml version="1.0" encoding="utf-8"?>
+<p:sld xmlns:a="http://schemas.openxmlformats.org/drawingml/2006/main" xmlns:r="http://schemas.openxmlformats.org/officeDocument/2006/relationships" xmlns:p="http://schemas.openxmlformats.org/presentationml/2006/main">
+  <p:cSld>
+    <p:spTree>
+      <p:nvGrpSpPr>
+        <p:cNvPr id="1" name="Shape 392"/>
+        <p:cNvGrpSpPr/>
+        <p:nvPr/>
+      </p:nvGrpSpPr>
+      <p:grpSpPr>
+        <a:xfrm>
+          <a:off x="0" y="0"/>
+          <a:ext cx="0" cy="0"/>
+          <a:chOff x="0" y="0"/>
+          <a:chExt cx="0" cy="0"/>
+        </a:xfrm>
+      </p:grpSpPr>
+      <p:sp>
+        <p:nvSpPr>
+          <p:cNvPr id="4" name="3 Título"/>
+          <p:cNvSpPr>
+            <a:spLocks noGrp="1"/>
+          </p:cNvSpPr>
+          <p:nvPr>
+            <p:ph type="title"/>
+          </p:nvPr>
+        </p:nvSpPr>
+        <p:spPr>
+          <a:xfrm>
+            <a:off x="467544" y="404664"/>
+            <a:ext cx="7995074" cy="663600"/>
+          </a:xfrm>
+        </p:spPr>
+        <p:txBody>
+          <a:bodyPr>
+            <a:normAutofit/>
+          </a:bodyPr>
+          <a:lstStyle/>
+          <a:p>
+            <a:r>
+              <a:rPr lang="es-CL" sz="2400" dirty="0" smtClean="0"/>
+              <a:t>Practica de SASS, LESS y </a:t>
+            </a:r>
+            <a:r>
+              <a:rPr lang="es-CL" sz="2400" dirty="0" err="1" smtClean="0"/>
+              <a:t>Stylus</a:t>
+            </a:r>
+            <a:r>
+              <a:rPr lang="es-CL" sz="2400" dirty="0" smtClean="0"/>
+              <a:t> </a:t>
+            </a:r>
+            <a:r>
+              <a:rPr lang="es-CL" sz="2400" dirty="0" err="1" smtClean="0"/>
+              <a:t>úsando</a:t>
+            </a:r>
+            <a:r>
+              <a:rPr lang="es-CL" sz="2400" dirty="0" smtClean="0"/>
+              <a:t> NPM</a:t>
+            </a:r>
+            <a:endParaRPr lang="es-CL" sz="2400" dirty="0">
+              <a:solidFill>
+                <a:srgbClr val="000000"/>
+              </a:solidFill>
+            </a:endParaRPr>
+          </a:p>
+        </p:txBody>
+      </p:sp>
+      <p:sp>
+        <p:nvSpPr>
+          <p:cNvPr id="8" name="AutoShape 2" descr="Resultado de imagen para angular"/>
+          <p:cNvSpPr>
+            <a:spLocks noChangeAspect="1" noChangeArrowheads="1"/>
+          </p:cNvSpPr>
+          <p:nvPr/>
+        </p:nvSpPr>
+        <p:spPr bwMode="auto">
+          <a:xfrm>
+            <a:off x="116681" y="-144461"/>
+            <a:ext cx="228600" cy="304801"/>
+          </a:xfrm>
+          <a:prstGeom prst="rect">
+            <a:avLst/>
+          </a:prstGeom>
+          <a:noFill/>
+          <a:extLst>
+            <a:ext uri="{909E8E84-426E-40DD-AFC4-6F175D3DCCD1}">
+              <a14:hiddenFill xmlns:a14="http://schemas.microsoft.com/office/drawing/2010/main">
+                <a:solidFill>
+                  <a:srgbClr val="FFFFFF"/>
+                </a:solidFill>
+              </a14:hiddenFill>
+            </a:ext>
+          </a:extLst>
+        </p:spPr>
+        <p:txBody>
+          <a:bodyPr vert="horz" wrap="square" lIns="91430" tIns="45715" rIns="91430" bIns="45715" numCol="1" anchor="t" anchorCtr="0" compatLnSpc="1">
+            <a:prstTxWarp prst="textNoShape">
+              <a:avLst/>
+            </a:prstTxWarp>
+          </a:bodyPr>
+          <a:lstStyle/>
+          <a:p>
+            <a:endParaRPr lang="es-CL"/>
+          </a:p>
+        </p:txBody>
+      </p:sp>
+      <p:sp>
+        <p:nvSpPr>
+          <p:cNvPr id="2" name="AutoShape 2" descr="Resultado de imagen para NgModules"/>
+          <p:cNvSpPr>
+            <a:spLocks noChangeAspect="1" noChangeArrowheads="1"/>
+          </p:cNvSpPr>
+          <p:nvPr/>
+        </p:nvSpPr>
+        <p:spPr bwMode="auto">
+          <a:xfrm>
+            <a:off x="155575" y="-136525"/>
+            <a:ext cx="296863" cy="296863"/>
+          </a:xfrm>
+          <a:prstGeom prst="rect">
+            <a:avLst/>
+          </a:prstGeom>
+          <a:noFill/>
+          <a:extLst>
+            <a:ext uri="{909E8E84-426E-40DD-AFC4-6F175D3DCCD1}">
+              <a14:hiddenFill xmlns:a14="http://schemas.microsoft.com/office/drawing/2010/main">
+                <a:solidFill>
+                  <a:srgbClr val="FFFFFF"/>
+                </a:solidFill>
+              </a14:hiddenFill>
+            </a:ext>
+          </a:extLst>
+        </p:spPr>
+        <p:txBody>
+          <a:bodyPr vert="horz" wrap="square" lIns="91440" tIns="45720" rIns="91440" bIns="45720" numCol="1" anchor="t" anchorCtr="0" compatLnSpc="1">
+            <a:prstTxWarp prst="textNoShape">
+              <a:avLst/>
+            </a:prstTxWarp>
+          </a:bodyPr>
+          <a:lstStyle/>
+          <a:p>
+            <a:endParaRPr lang="es-CL"/>
+          </a:p>
+        </p:txBody>
+      </p:sp>
+      <p:sp>
+        <p:nvSpPr>
+          <p:cNvPr id="6" name="Rectángulo 5"/>
+          <p:cNvSpPr/>
+          <p:nvPr/>
+        </p:nvSpPr>
+        <p:spPr>
+          <a:xfrm>
+            <a:off x="486138" y="961968"/>
+            <a:ext cx="2216119" cy="507831"/>
+          </a:xfrm>
+          <a:prstGeom prst="rect">
+            <a:avLst/>
+          </a:prstGeom>
+        </p:spPr>
+        <p:txBody>
+          <a:bodyPr wrap="none">
+            <a:spAutoFit/>
+          </a:bodyPr>
+          <a:lstStyle/>
+          <a:p>
+            <a:pPr>
+              <a:lnSpc>
+                <a:spcPct val="150000"/>
+              </a:lnSpc>
+            </a:pPr>
+            <a:r>
+              <a:rPr lang="es-ES" b="1" dirty="0" smtClean="0">
+                <a:solidFill>
+                  <a:schemeClr val="accent1">
+                    <a:lumMod val="75000"/>
+                  </a:schemeClr>
+                </a:solidFill>
+              </a:rPr>
+              <a:t>Uso de </a:t>
+            </a:r>
+            <a:r>
+              <a:rPr lang="es-ES" b="1" dirty="0" err="1" smtClean="0">
+                <a:solidFill>
+                  <a:schemeClr val="accent1">
+                    <a:lumMod val="75000"/>
+                  </a:schemeClr>
+                </a:solidFill>
+              </a:rPr>
+              <a:t>Less</a:t>
+            </a:r>
+            <a:r>
+              <a:rPr lang="es-ES" b="1" dirty="0" smtClean="0">
+                <a:solidFill>
+                  <a:schemeClr val="accent1">
+                    <a:lumMod val="75000"/>
+                  </a:schemeClr>
+                </a:solidFill>
+              </a:rPr>
+              <a:t> con NPM</a:t>
+            </a:r>
+            <a:endParaRPr lang="es-ES" dirty="0">
+              <a:solidFill>
+                <a:schemeClr val="accent1">
+                  <a:lumMod val="75000"/>
+                </a:schemeClr>
+              </a:solidFill>
+            </a:endParaRPr>
+          </a:p>
+        </p:txBody>
+      </p:sp>
+      <p:sp>
+        <p:nvSpPr>
+          <p:cNvPr id="7" name="Rectángulo 6"/>
+          <p:cNvSpPr/>
+          <p:nvPr/>
+        </p:nvSpPr>
+        <p:spPr>
+          <a:xfrm>
+            <a:off x="482712" y="1609722"/>
+            <a:ext cx="5720480" cy="830997"/>
+          </a:xfrm>
+          <a:prstGeom prst="rect">
+            <a:avLst/>
+          </a:prstGeom>
+        </p:spPr>
+        <p:txBody>
+          <a:bodyPr wrap="square">
+            <a:spAutoFit/>
+          </a:bodyPr>
+          <a:lstStyle/>
+          <a:p>
+            <a:r>
+              <a:rPr lang="es-ES" sz="1600" dirty="0">
+                <a:solidFill>
+                  <a:srgbClr val="444444"/>
+                </a:solidFill>
+              </a:rPr>
+              <a:t>$ </a:t>
+            </a:r>
+            <a:r>
+              <a:rPr lang="es-ES" sz="1600" dirty="0" err="1">
+                <a:solidFill>
+                  <a:srgbClr val="444444"/>
+                </a:solidFill>
+              </a:rPr>
+              <a:t>npm</a:t>
+            </a:r>
+            <a:r>
+              <a:rPr lang="es-ES" sz="1600" dirty="0">
+                <a:solidFill>
+                  <a:srgbClr val="444444"/>
+                </a:solidFill>
+              </a:rPr>
+              <a:t> </a:t>
+            </a:r>
+            <a:r>
+              <a:rPr lang="es-ES" sz="1600" dirty="0" err="1">
+                <a:solidFill>
+                  <a:srgbClr val="444444"/>
+                </a:solidFill>
+              </a:rPr>
+              <a:t>install</a:t>
+            </a:r>
+            <a:r>
+              <a:rPr lang="es-ES" sz="1600" dirty="0">
+                <a:solidFill>
+                  <a:srgbClr val="444444"/>
+                </a:solidFill>
+              </a:rPr>
+              <a:t> [-g] </a:t>
+            </a:r>
+            <a:r>
+              <a:rPr lang="es-ES" sz="1600" dirty="0" err="1" smtClean="0">
+                <a:solidFill>
+                  <a:srgbClr val="444444"/>
+                </a:solidFill>
+              </a:rPr>
+              <a:t>lessc-each</a:t>
+            </a:r>
+            <a:endParaRPr lang="es-ES" sz="1600" dirty="0" smtClean="0">
+              <a:solidFill>
+                <a:srgbClr val="444444"/>
+              </a:solidFill>
+            </a:endParaRPr>
+          </a:p>
+          <a:p>
+            <a:r>
+              <a:rPr lang="es-ES" sz="1600" dirty="0" smtClean="0">
+                <a:solidFill>
+                  <a:srgbClr val="444444"/>
+                </a:solidFill>
+              </a:rPr>
+              <a:t>$ </a:t>
+            </a:r>
+            <a:r>
+              <a:rPr lang="es-ES" sz="1600" dirty="0" err="1" smtClean="0">
+                <a:solidFill>
+                  <a:srgbClr val="444444"/>
+                </a:solidFill>
+              </a:rPr>
+              <a:t>lessc-each</a:t>
+            </a:r>
+            <a:r>
+              <a:rPr lang="es-ES" sz="1600" dirty="0" smtClean="0">
+                <a:solidFill>
+                  <a:srgbClr val="444444"/>
+                </a:solidFill>
+              </a:rPr>
+              <a:t>  </a:t>
+            </a:r>
+            <a:r>
+              <a:rPr lang="es-ES" sz="1600" dirty="0" err="1">
+                <a:solidFill>
+                  <a:srgbClr val="444444"/>
+                </a:solidFill>
+              </a:rPr>
+              <a:t>dir</a:t>
+            </a:r>
+            <a:r>
+              <a:rPr lang="es-ES" sz="1600" dirty="0">
+                <a:solidFill>
+                  <a:srgbClr val="444444"/>
+                </a:solidFill>
+              </a:rPr>
+              <a:t>-input  </a:t>
+            </a:r>
+            <a:r>
+              <a:rPr lang="es-ES" sz="1600" dirty="0" err="1">
+                <a:solidFill>
+                  <a:srgbClr val="444444"/>
+                </a:solidFill>
+              </a:rPr>
+              <a:t>dir-ouput</a:t>
+            </a:r>
+            <a:endParaRPr lang="es-ES" sz="1600" dirty="0" smtClean="0">
+              <a:solidFill>
+                <a:srgbClr val="444444"/>
+              </a:solidFill>
+            </a:endParaRPr>
+          </a:p>
+          <a:p>
+            <a:endParaRPr lang="es-ES" sz="1600" dirty="0">
+              <a:solidFill>
+                <a:srgbClr val="444444"/>
+              </a:solidFill>
+            </a:endParaRPr>
+          </a:p>
+        </p:txBody>
+      </p:sp>
+      <p:sp>
+        <p:nvSpPr>
+          <p:cNvPr id="13" name="Rectángulo 12"/>
+          <p:cNvSpPr/>
+          <p:nvPr/>
+        </p:nvSpPr>
+        <p:spPr>
+          <a:xfrm>
+            <a:off x="486138" y="1996192"/>
+            <a:ext cx="1425775" cy="464871"/>
+          </a:xfrm>
+          <a:prstGeom prst="rect">
+            <a:avLst/>
+          </a:prstGeom>
+        </p:spPr>
+        <p:txBody>
+          <a:bodyPr wrap="none">
+            <a:spAutoFit/>
+          </a:bodyPr>
+          <a:lstStyle/>
+          <a:p>
+            <a:pPr>
+              <a:lnSpc>
+                <a:spcPct val="150000"/>
+              </a:lnSpc>
+            </a:pPr>
+            <a:r>
+              <a:rPr lang="es-ES" b="1" dirty="0" smtClean="0">
+                <a:solidFill>
+                  <a:schemeClr val="accent1">
+                    <a:lumMod val="75000"/>
+                  </a:schemeClr>
+                </a:solidFill>
+              </a:rPr>
+              <a:t>Nos permite:</a:t>
+            </a:r>
+            <a:endParaRPr lang="es-ES" dirty="0">
+              <a:solidFill>
+                <a:schemeClr val="accent1">
+                  <a:lumMod val="75000"/>
+                </a:schemeClr>
+              </a:solidFill>
+            </a:endParaRPr>
+          </a:p>
+        </p:txBody>
+      </p:sp>
+      <p:sp>
+        <p:nvSpPr>
+          <p:cNvPr id="14" name="Rectángulo 13"/>
+          <p:cNvSpPr/>
+          <p:nvPr/>
+        </p:nvSpPr>
+        <p:spPr>
+          <a:xfrm>
+            <a:off x="427086" y="2383001"/>
+            <a:ext cx="5528864" cy="1938992"/>
+          </a:xfrm>
+          <a:prstGeom prst="rect">
+            <a:avLst/>
+          </a:prstGeom>
+        </p:spPr>
+        <p:txBody>
+          <a:bodyPr wrap="square">
+            <a:spAutoFit/>
+          </a:bodyPr>
+          <a:lstStyle/>
+          <a:p>
+            <a:pPr marL="285750" indent="-285750" algn="just">
+              <a:lnSpc>
+                <a:spcPct val="150000"/>
+              </a:lnSpc>
+              <a:buFont typeface="Arial" panose="020B0604020202020204" pitchFamily="34" charset="0"/>
+              <a:buChar char="•"/>
+            </a:pPr>
+            <a:r>
+              <a:rPr lang="es-ES" sz="1600" dirty="0" smtClean="0">
+                <a:solidFill>
+                  <a:srgbClr val="444444"/>
+                </a:solidFill>
+              </a:rPr>
+              <a:t>Seleccionar la carpeta de los proyectos los cuales  </a:t>
+            </a:r>
+          </a:p>
+          <a:p>
+            <a:pPr algn="just">
+              <a:lnSpc>
+                <a:spcPct val="150000"/>
+              </a:lnSpc>
+            </a:pPr>
+            <a:r>
+              <a:rPr lang="es-ES" sz="1600" dirty="0">
+                <a:solidFill>
+                  <a:srgbClr val="444444"/>
+                </a:solidFill>
+              </a:rPr>
+              <a:t> </a:t>
+            </a:r>
+            <a:r>
+              <a:rPr lang="es-ES" sz="1600" dirty="0" smtClean="0">
+                <a:solidFill>
+                  <a:srgbClr val="444444"/>
+                </a:solidFill>
+              </a:rPr>
+              <a:t>     deseamos compilar</a:t>
+            </a:r>
+          </a:p>
+          <a:p>
+            <a:pPr marL="285750" indent="-285750" algn="just">
+              <a:lnSpc>
+                <a:spcPct val="150000"/>
+              </a:lnSpc>
+              <a:buFont typeface="Arial" panose="020B0604020202020204" pitchFamily="34" charset="0"/>
+              <a:buChar char="•"/>
+            </a:pPr>
+            <a:r>
+              <a:rPr lang="es-ES" sz="1600" dirty="0" smtClean="0">
+                <a:solidFill>
+                  <a:srgbClr val="444444"/>
+                </a:solidFill>
+              </a:rPr>
+              <a:t>Minimizar los archivos finales</a:t>
+            </a:r>
+          </a:p>
+          <a:p>
+            <a:pPr marL="285750" indent="-285750" algn="just">
+              <a:lnSpc>
+                <a:spcPct val="150000"/>
+              </a:lnSpc>
+              <a:buFont typeface="Arial" panose="020B0604020202020204" pitchFamily="34" charset="0"/>
+              <a:buChar char="•"/>
+            </a:pPr>
+            <a:r>
+              <a:rPr lang="es-ES" sz="1600" dirty="0" smtClean="0">
+                <a:solidFill>
+                  <a:srgbClr val="444444"/>
+                </a:solidFill>
+              </a:rPr>
+              <a:t>Al hacer un cambio tienes que manualmente volverlo a ejecutar.</a:t>
+            </a:r>
+            <a:endParaRPr lang="es-ES" sz="1600" dirty="0">
+              <a:solidFill>
+                <a:srgbClr val="444444"/>
+              </a:solidFill>
+            </a:endParaRPr>
+          </a:p>
+        </p:txBody>
+      </p:sp>
+      <p:sp>
+        <p:nvSpPr>
+          <p:cNvPr id="16" name="Rectángulo 15"/>
+          <p:cNvSpPr/>
+          <p:nvPr/>
+        </p:nvSpPr>
+        <p:spPr>
+          <a:xfrm>
+            <a:off x="482712" y="4221088"/>
+            <a:ext cx="1003801" cy="464871"/>
+          </a:xfrm>
+          <a:prstGeom prst="rect">
+            <a:avLst/>
+          </a:prstGeom>
+        </p:spPr>
+        <p:txBody>
+          <a:bodyPr wrap="none">
+            <a:spAutoFit/>
+          </a:bodyPr>
+          <a:lstStyle/>
+          <a:p>
+            <a:pPr>
+              <a:lnSpc>
+                <a:spcPct val="150000"/>
+              </a:lnSpc>
+            </a:pPr>
+            <a:r>
+              <a:rPr lang="es-ES" b="1" dirty="0" smtClean="0">
+                <a:solidFill>
+                  <a:schemeClr val="accent1">
+                    <a:lumMod val="75000"/>
+                  </a:schemeClr>
+                </a:solidFill>
+              </a:rPr>
+              <a:t>Practica:</a:t>
+            </a:r>
+            <a:endParaRPr lang="es-ES" dirty="0">
+              <a:solidFill>
+                <a:schemeClr val="accent1">
+                  <a:lumMod val="75000"/>
+                </a:schemeClr>
+              </a:solidFill>
+            </a:endParaRPr>
+          </a:p>
+        </p:txBody>
+      </p:sp>
+      <p:sp>
+        <p:nvSpPr>
+          <p:cNvPr id="10" name="Rectángulo 9"/>
+          <p:cNvSpPr/>
+          <p:nvPr/>
+        </p:nvSpPr>
+        <p:spPr>
+          <a:xfrm>
+            <a:off x="467544" y="4628743"/>
+            <a:ext cx="8111911" cy="1200329"/>
+          </a:xfrm>
+          <a:prstGeom prst="rect">
+            <a:avLst/>
+          </a:prstGeom>
+        </p:spPr>
+        <p:txBody>
+          <a:bodyPr wrap="square">
+            <a:spAutoFit/>
+          </a:bodyPr>
+          <a:lstStyle/>
+          <a:p>
+            <a:pPr marL="285750" indent="-285750">
+              <a:lnSpc>
+                <a:spcPct val="150000"/>
+              </a:lnSpc>
+              <a:buFont typeface="Arial" panose="020B0604020202020204" pitchFamily="34" charset="0"/>
+              <a:buChar char="•"/>
+            </a:pPr>
+            <a:r>
+              <a:rPr lang="es-ES" sz="1600" dirty="0" smtClean="0">
+                <a:solidFill>
+                  <a:srgbClr val="444444"/>
+                </a:solidFill>
+              </a:rPr>
+              <a:t>Agregar una carpeta al Programa Koala</a:t>
+            </a:r>
+          </a:p>
+          <a:p>
+            <a:pPr marL="285750" indent="-285750">
+              <a:lnSpc>
+                <a:spcPct val="150000"/>
+              </a:lnSpc>
+              <a:buFont typeface="Arial" panose="020B0604020202020204" pitchFamily="34" charset="0"/>
+              <a:buChar char="•"/>
+            </a:pPr>
+            <a:r>
+              <a:rPr lang="es-ES" sz="1600" dirty="0" smtClean="0">
+                <a:solidFill>
+                  <a:srgbClr val="444444"/>
+                </a:solidFill>
+              </a:rPr>
+              <a:t>Compilar nuestros archivos usando la herramienta</a:t>
+            </a:r>
+          </a:p>
+          <a:p>
+            <a:pPr marL="285750" indent="-285750">
+              <a:lnSpc>
+                <a:spcPct val="150000"/>
+              </a:lnSpc>
+              <a:buFont typeface="Arial" panose="020B0604020202020204" pitchFamily="34" charset="0"/>
+              <a:buChar char="•"/>
+            </a:pPr>
+            <a:r>
+              <a:rPr lang="es-ES" sz="1600" dirty="0" smtClean="0">
+                <a:solidFill>
+                  <a:srgbClr val="444444"/>
+                </a:solidFill>
+              </a:rPr>
+              <a:t>Comprobar los cambios en nuestro navegador.</a:t>
+            </a:r>
+            <a:endParaRPr lang="es-ES" sz="1600" dirty="0">
+              <a:solidFill>
+                <a:srgbClr val="444444"/>
+              </a:solidFill>
+            </a:endParaRPr>
+          </a:p>
+        </p:txBody>
+      </p:sp>
+    </p:spTree>
+    <p:extLst>
+      <p:ext uri="{BB962C8B-B14F-4D97-AF65-F5344CB8AC3E}">
+        <p14:creationId xmlns:p14="http://schemas.microsoft.com/office/powerpoint/2010/main" val="3856409692"/>
+      </p:ext>
+    </p:extLst>
+  </p:cSld>
+  <p:clrMapOvr>
+    <a:masterClrMapping/>
+  </p:clrMapOvr>
+  <p:timing>
+    <p:tnLst>
+      <p:par>
+        <p:cTn id="1" dur="indefinite" restart="never" nodeType="tmRoot"/>
+      </p:par>
+    </p:tnLst>
+  </p:timing>
+</p:sld>
+</file>
+
+<file path=ppt/slides/slide32.xml><?xml version="1.0" encoding="utf-8"?>
+<p:sld xmlns:a="http://schemas.openxmlformats.org/drawingml/2006/main" xmlns:r="http://schemas.openxmlformats.org/officeDocument/2006/relationships" xmlns:p="http://schemas.openxmlformats.org/presentationml/2006/main">
+  <p:cSld>
+    <p:spTree>
+      <p:nvGrpSpPr>
         <p:cNvPr id="1" name="Shape 448"/>
         <p:cNvGrpSpPr/>
         <p:nvPr/>
@@ -19898,68 +21063,6 @@
           <a:chExt cx="0" cy="0"/>
         </a:xfrm>
       </p:grpSpPr>
-      <p:sp>
-        <p:nvSpPr>
-          <p:cNvPr id="449" name="Shape 449"/>
-          <p:cNvSpPr txBox="1">
-            <a:spLocks noGrp="1"/>
-          </p:cNvSpPr>
-          <p:nvPr>
-            <p:ph type="ctrTitle"/>
-          </p:nvPr>
-        </p:nvSpPr>
-        <p:spPr>
-          <a:xfrm>
-            <a:off x="311703" y="1216535"/>
-            <a:ext cx="8520525" cy="3933300"/>
-          </a:xfrm>
-          <a:prstGeom prst="rect">
-            <a:avLst/>
-          </a:prstGeom>
-        </p:spPr>
-        <p:txBody>
-          <a:bodyPr spcFirstLastPara="1" wrap="square" lIns="121886" tIns="121886" rIns="121886" bIns="121886" anchor="b" anchorCtr="0">
-            <a:noAutofit/>
-          </a:bodyPr>
-          <a:lstStyle/>
-          <a:p>
-            <a:pPr>
-              <a:spcBef>
-                <a:spcPts val="0"/>
-              </a:spcBef>
-            </a:pPr>
-            <a:r>
-              <a:rPr lang="es-CL" dirty="0">
-                <a:solidFill>
-                  <a:srgbClr val="0070C0"/>
-                </a:solidFill>
-              </a:rPr>
-              <a:t>¡Muchas gracias!</a:t>
-            </a:r>
-            <a:endParaRPr dirty="0">
-              <a:solidFill>
-                <a:srgbClr val="0070C0"/>
-              </a:solidFill>
-            </a:endParaRPr>
-          </a:p>
-          <a:p>
-            <a:pPr>
-              <a:spcBef>
-                <a:spcPts val="0"/>
-              </a:spcBef>
-            </a:pPr>
-            <a:endParaRPr sz="4000" i="1" dirty="0"/>
-          </a:p>
-          <a:p>
-            <a:pPr>
-              <a:spcBef>
-                <a:spcPts val="0"/>
-              </a:spcBef>
-            </a:pPr>
-            <a:endParaRPr sz="4000" i="1" dirty="0"/>
-          </a:p>
-        </p:txBody>
-      </p:sp>
     </p:spTree>
     <p:extLst>
       <p:ext uri="{BB962C8B-B14F-4D97-AF65-F5344CB8AC3E}">
@@ -19980,7 +21083,7 @@
 </p:sld>
 </file>
 
-<file path=ppt/slides/slide31.xml><?xml version="1.0" encoding="utf-8"?>
+<file path=ppt/slides/slide33.xml><?xml version="1.0" encoding="utf-8"?>
 <p:sld xmlns:a="http://schemas.openxmlformats.org/drawingml/2006/main" xmlns:r="http://schemas.openxmlformats.org/officeDocument/2006/relationships" xmlns:p="http://schemas.openxmlformats.org/presentationml/2006/main">
   <p:cSld>
     <p:spTree>
@@ -21910,106 +23013,89 @@
                   </a:schemeClr>
                 </a:solidFill>
               </a:rPr>
-              <a:t>Forma de Compilar</a:t>
-            </a:r>
-            <a:r>
-              <a:rPr lang="es-CL" sz="2200" dirty="0" smtClean="0">
+              <a:t>Forma de Compilar:</a:t>
+            </a:r>
+          </a:p>
+        </p:txBody>
+      </p:sp>
+      <p:sp>
+        <p:nvSpPr>
+          <p:cNvPr id="17" name="Rectángulo 16"/>
+          <p:cNvSpPr/>
+          <p:nvPr/>
+        </p:nvSpPr>
+        <p:spPr>
+          <a:xfrm>
+            <a:off x="2831293" y="5479770"/>
+            <a:ext cx="6283537" cy="369332"/>
+          </a:xfrm>
+          <a:prstGeom prst="rect">
+            <a:avLst/>
+          </a:prstGeom>
+        </p:spPr>
+        <p:txBody>
+          <a:bodyPr wrap="square">
+            <a:spAutoFit/>
+          </a:bodyPr>
+          <a:lstStyle/>
+          <a:p>
+            <a:r>
+              <a:rPr lang="es-CL" sz="1400" dirty="0">
+                <a:solidFill>
+                  <a:srgbClr val="212121"/>
+                </a:solidFill>
+                <a:latin typeface="arial" panose="020B0604020202020204" pitchFamily="34" charset="0"/>
+              </a:rPr>
+              <a:t>Vía consola para compilar usamos: </a:t>
+            </a:r>
+            <a:r>
+              <a:rPr lang="es-CL" b="1" dirty="0" err="1" smtClean="0"/>
+              <a:t>sass</a:t>
+            </a:r>
+            <a:r>
+              <a:rPr lang="es-CL" b="1" dirty="0" smtClean="0"/>
+              <a:t> </a:t>
+            </a:r>
+            <a:r>
+              <a:rPr lang="es-CL" b="1" dirty="0" err="1" smtClean="0"/>
+              <a:t>miarchivo.scss</a:t>
+            </a:r>
+            <a:endParaRPr lang="es-CL" sz="1400" b="1" dirty="0"/>
+          </a:p>
+        </p:txBody>
+      </p:sp>
+      <p:sp>
+        <p:nvSpPr>
+          <p:cNvPr id="19" name="Rectángulo 18"/>
+          <p:cNvSpPr/>
+          <p:nvPr/>
+        </p:nvSpPr>
+        <p:spPr>
+          <a:xfrm>
+            <a:off x="230250" y="2560488"/>
+            <a:ext cx="1949124" cy="553998"/>
+          </a:xfrm>
+          <a:prstGeom prst="rect">
+            <a:avLst/>
+          </a:prstGeom>
+        </p:spPr>
+        <p:txBody>
+          <a:bodyPr wrap="none">
+            <a:spAutoFit/>
+          </a:bodyPr>
+          <a:lstStyle/>
+          <a:p>
+            <a:pPr algn="ctr"/>
+            <a:r>
+              <a:rPr lang="es-ES" sz="1500" b="1" dirty="0">
                 <a:solidFill>
                   <a:schemeClr val="accent1">
                     <a:lumMod val="75000"/>
                   </a:schemeClr>
                 </a:solidFill>
               </a:rPr>
-              <a:t>:</a:t>
-            </a:r>
-          </a:p>
-        </p:txBody>
-      </p:sp>
-      <p:sp>
-        <p:nvSpPr>
-          <p:cNvPr id="17" name="Rectángulo 16"/>
-          <p:cNvSpPr/>
-          <p:nvPr/>
-        </p:nvSpPr>
-        <p:spPr>
-          <a:xfrm>
-            <a:off x="2831293" y="5479770"/>
-            <a:ext cx="6283537" cy="369332"/>
-          </a:xfrm>
-          <a:prstGeom prst="rect">
-            <a:avLst/>
-          </a:prstGeom>
-        </p:spPr>
-        <p:txBody>
-          <a:bodyPr wrap="square">
-            <a:spAutoFit/>
-          </a:bodyPr>
-          <a:lstStyle/>
-          <a:p>
-            <a:r>
-              <a:rPr lang="es-CL" sz="1400" dirty="0">
-                <a:solidFill>
-                  <a:srgbClr val="212121"/>
-                </a:solidFill>
-                <a:latin typeface="arial" panose="020B0604020202020204" pitchFamily="34" charset="0"/>
-              </a:rPr>
-              <a:t>Vía consola para compilar usamos: </a:t>
-            </a:r>
-            <a:r>
-              <a:rPr lang="es-CL" b="1" dirty="0" err="1" smtClean="0"/>
-              <a:t>sass</a:t>
-            </a:r>
-            <a:r>
-              <a:rPr lang="es-CL" b="1" dirty="0" smtClean="0"/>
-              <a:t> </a:t>
-            </a:r>
-            <a:r>
-              <a:rPr lang="es-CL" b="1" dirty="0" err="1" smtClean="0"/>
-              <a:t>miarchivo.scss</a:t>
-            </a:r>
-            <a:endParaRPr lang="es-CL" sz="1400" b="1" dirty="0"/>
-          </a:p>
-        </p:txBody>
-      </p:sp>
-      <p:sp>
-        <p:nvSpPr>
-          <p:cNvPr id="19" name="Rectángulo 18"/>
-          <p:cNvSpPr/>
-          <p:nvPr/>
-        </p:nvSpPr>
-        <p:spPr>
-          <a:xfrm>
-            <a:off x="230250" y="2560488"/>
-            <a:ext cx="1949124" cy="553998"/>
-          </a:xfrm>
-          <a:prstGeom prst="rect">
-            <a:avLst/>
-          </a:prstGeom>
-        </p:spPr>
-        <p:txBody>
-          <a:bodyPr wrap="none">
-            <a:spAutoFit/>
-          </a:bodyPr>
-          <a:lstStyle/>
-          <a:p>
-            <a:pPr algn="ctr"/>
-            <a:r>
-              <a:rPr lang="es-ES" sz="1500" b="1" dirty="0">
-                <a:solidFill>
-                  <a:schemeClr val="accent1">
-                    <a:lumMod val="75000"/>
-                  </a:schemeClr>
-                </a:solidFill>
-              </a:rPr>
               <a:t>Extensión de Archivo: </a:t>
             </a:r>
-            <a:endParaRPr lang="es-ES" sz="1500" b="1" dirty="0">
-              <a:solidFill>
-                <a:schemeClr val="accent1">
-                  <a:lumMod val="75000"/>
-                </a:schemeClr>
-              </a:solidFill>
-            </a:endParaRPr>
           </a:p>
           <a:p>
             <a:pPr algn="ctr"/>
@@ -22512,8 +23598,32 @@
                   </a:schemeClr>
                 </a:solidFill>
               </a:rPr>
-              <a:t>Forma de Compilar</a:t>
-            </a:r>
+              <a:t>Forma de Compilar:</a:t>
+            </a:r>
+          </a:p>
+        </p:txBody>
+      </p:sp>
+      <p:sp>
+        <p:nvSpPr>
+          <p:cNvPr id="18" name="Rectángulo 17"/>
+          <p:cNvSpPr/>
+          <p:nvPr/>
+        </p:nvSpPr>
+        <p:spPr>
+          <a:xfrm>
+            <a:off x="2699792" y="2503284"/>
+            <a:ext cx="4868192" cy="430887"/>
+          </a:xfrm>
+          <a:prstGeom prst="rect">
+            <a:avLst/>
+          </a:prstGeom>
+        </p:spPr>
+        <p:txBody>
+          <a:bodyPr wrap="none">
+            <a:spAutoFit/>
+          </a:bodyPr>
+          <a:lstStyle/>
+          <a:p>
             <a:r>
               <a:rPr lang="es-CL" sz="2200" dirty="0" smtClean="0">
                 <a:solidFill>
@@ -22522,21 +23632,413 @@
                   </a:schemeClr>
                 </a:solidFill>
               </a:rPr>
-              <a:t>:</a:t>
-            </a:r>
-          </a:p>
-        </p:txBody>
-      </p:sp>
-      <p:sp>
-        <p:nvSpPr>
-          <p:cNvPr id="18" name="Rectángulo 17"/>
+              <a:t>Instalación para compilación en Browser:</a:t>
+            </a:r>
+          </a:p>
+        </p:txBody>
+      </p:sp>
+      <p:sp>
+        <p:nvSpPr>
+          <p:cNvPr id="19" name="Rectángulo 18"/>
           <p:cNvSpPr/>
           <p:nvPr/>
         </p:nvSpPr>
         <p:spPr>
           <a:xfrm>
-            <a:off x="2699792" y="2503284"/>
-            <a:ext cx="4868192" cy="430887"/>
+            <a:off x="2657557" y="3171681"/>
+            <a:ext cx="6750496" cy="338554"/>
+          </a:xfrm>
+          <a:prstGeom prst="rect">
+            <a:avLst/>
+          </a:prstGeom>
+        </p:spPr>
+        <p:txBody>
+          <a:bodyPr wrap="square">
+            <a:spAutoFit/>
+          </a:bodyPr>
+          <a:lstStyle/>
+          <a:p>
+            <a:r>
+              <a:rPr lang="fr-FR" sz="1600" dirty="0">
+                <a:solidFill>
+                  <a:srgbClr val="00358A"/>
+                </a:solidFill>
+                <a:latin typeface="+mj-lt"/>
+              </a:rPr>
+              <a:t>&lt;</a:t>
+            </a:r>
+            <a:r>
+              <a:rPr lang="fr-FR" sz="1600" dirty="0">
+                <a:solidFill>
+                  <a:srgbClr val="0078BD"/>
+                </a:solidFill>
+                <a:latin typeface="+mj-lt"/>
+              </a:rPr>
+              <a:t>script</a:t>
+            </a:r>
+            <a:r>
+              <a:rPr lang="fr-FR" sz="1600" dirty="0">
+                <a:solidFill>
+                  <a:srgbClr val="00358A"/>
+                </a:solidFill>
+                <a:latin typeface="+mj-lt"/>
+              </a:rPr>
+              <a:t> </a:t>
+            </a:r>
+            <a:r>
+              <a:rPr lang="fr-FR" sz="1600" dirty="0">
+                <a:solidFill>
+                  <a:srgbClr val="D64F00"/>
+                </a:solidFill>
+                <a:latin typeface="+mj-lt"/>
+              </a:rPr>
+              <a:t>src</a:t>
+            </a:r>
+            <a:r>
+              <a:rPr lang="fr-FR" sz="1600" dirty="0">
+                <a:solidFill>
+                  <a:srgbClr val="00358A"/>
+                </a:solidFill>
+                <a:latin typeface="+mj-lt"/>
+              </a:rPr>
+              <a:t>=</a:t>
+            </a:r>
+            <a:r>
+              <a:rPr lang="fr-FR" sz="1600" dirty="0">
+                <a:solidFill>
+                  <a:srgbClr val="4C8A00"/>
+                </a:solidFill>
+                <a:latin typeface="+mj-lt"/>
+              </a:rPr>
+              <a:t>"less.js"</a:t>
+            </a:r>
+            <a:r>
+              <a:rPr lang="fr-FR" sz="1600" dirty="0">
+                <a:solidFill>
+                  <a:srgbClr val="00358A"/>
+                </a:solidFill>
+                <a:latin typeface="+mj-lt"/>
+              </a:rPr>
+              <a:t> </a:t>
+            </a:r>
+            <a:r>
+              <a:rPr lang="fr-FR" sz="1600" dirty="0">
+                <a:solidFill>
+                  <a:srgbClr val="D64F00"/>
+                </a:solidFill>
+                <a:latin typeface="+mj-lt"/>
+              </a:rPr>
+              <a:t>type</a:t>
+            </a:r>
+            <a:r>
+              <a:rPr lang="fr-FR" sz="1600" dirty="0">
+                <a:solidFill>
+                  <a:srgbClr val="00358A"/>
+                </a:solidFill>
+                <a:latin typeface="+mj-lt"/>
+              </a:rPr>
+              <a:t>=</a:t>
+            </a:r>
+            <a:r>
+              <a:rPr lang="fr-FR" sz="1600" dirty="0">
+                <a:solidFill>
+                  <a:srgbClr val="4C8A00"/>
+                </a:solidFill>
+                <a:latin typeface="+mj-lt"/>
+              </a:rPr>
+              <a:t>"text/javascript"</a:t>
+            </a:r>
+            <a:r>
+              <a:rPr lang="fr-FR" sz="1600" dirty="0">
+                <a:solidFill>
+                  <a:srgbClr val="00358A"/>
+                </a:solidFill>
+                <a:latin typeface="+mj-lt"/>
+              </a:rPr>
+              <a:t>&gt;&lt;/</a:t>
+            </a:r>
+            <a:r>
+              <a:rPr lang="fr-FR" sz="1600" dirty="0">
+                <a:solidFill>
+                  <a:srgbClr val="0078BD"/>
+                </a:solidFill>
+                <a:latin typeface="+mj-lt"/>
+              </a:rPr>
+              <a:t>script</a:t>
+            </a:r>
+            <a:r>
+              <a:rPr lang="fr-FR" sz="1600" dirty="0" smtClean="0">
+                <a:solidFill>
+                  <a:srgbClr val="00358A"/>
+                </a:solidFill>
+                <a:latin typeface="+mj-lt"/>
+              </a:rPr>
+              <a:t>&gt;</a:t>
+            </a:r>
+            <a:endParaRPr lang="es-CL" sz="1600" dirty="0">
+              <a:latin typeface="+mj-lt"/>
+            </a:endParaRPr>
+          </a:p>
+        </p:txBody>
+      </p:sp>
+      <p:sp>
+        <p:nvSpPr>
+          <p:cNvPr id="20" name="Rectángulo 19"/>
+          <p:cNvSpPr/>
+          <p:nvPr/>
+        </p:nvSpPr>
+        <p:spPr>
+          <a:xfrm>
+            <a:off x="2699791" y="2889982"/>
+            <a:ext cx="6820234" cy="338554"/>
+          </a:xfrm>
+          <a:prstGeom prst="rect">
+            <a:avLst/>
+          </a:prstGeom>
+        </p:spPr>
+        <p:txBody>
+          <a:bodyPr wrap="square">
+            <a:spAutoFit/>
+          </a:bodyPr>
+          <a:lstStyle/>
+          <a:p>
+            <a:r>
+              <a:rPr lang="en-US" sz="1600" dirty="0">
+                <a:solidFill>
+                  <a:srgbClr val="00358A"/>
+                </a:solidFill>
+                <a:latin typeface="+mj-lt"/>
+              </a:rPr>
+              <a:t>&lt;</a:t>
+            </a:r>
+            <a:r>
+              <a:rPr lang="en-US" sz="1600" dirty="0">
+                <a:solidFill>
+                  <a:srgbClr val="0078BD"/>
+                </a:solidFill>
+                <a:latin typeface="+mj-lt"/>
+              </a:rPr>
+              <a:t>link</a:t>
+            </a:r>
+            <a:r>
+              <a:rPr lang="en-US" sz="1600" dirty="0">
+                <a:solidFill>
+                  <a:srgbClr val="00358A"/>
+                </a:solidFill>
+                <a:latin typeface="+mj-lt"/>
+              </a:rPr>
+              <a:t> </a:t>
+            </a:r>
+            <a:r>
+              <a:rPr lang="en-US" sz="1600" dirty="0" err="1">
+                <a:solidFill>
+                  <a:srgbClr val="D64F00"/>
+                </a:solidFill>
+                <a:latin typeface="+mj-lt"/>
+              </a:rPr>
+              <a:t>rel</a:t>
+            </a:r>
+            <a:r>
+              <a:rPr lang="en-US" sz="1600" dirty="0">
+                <a:solidFill>
+                  <a:srgbClr val="00358A"/>
+                </a:solidFill>
+                <a:latin typeface="+mj-lt"/>
+              </a:rPr>
+              <a:t>=</a:t>
+            </a:r>
+            <a:r>
+              <a:rPr lang="en-US" sz="1600" dirty="0">
+                <a:solidFill>
+                  <a:srgbClr val="4C8A00"/>
+                </a:solidFill>
+                <a:latin typeface="+mj-lt"/>
+              </a:rPr>
+              <a:t>"stylesheet/less"</a:t>
+            </a:r>
+            <a:r>
+              <a:rPr lang="en-US" sz="1600" dirty="0">
+                <a:solidFill>
+                  <a:srgbClr val="00358A"/>
+                </a:solidFill>
+                <a:latin typeface="+mj-lt"/>
+              </a:rPr>
+              <a:t> </a:t>
+            </a:r>
+            <a:r>
+              <a:rPr lang="en-US" sz="1600" dirty="0">
+                <a:solidFill>
+                  <a:srgbClr val="D64F00"/>
+                </a:solidFill>
+                <a:latin typeface="+mj-lt"/>
+              </a:rPr>
+              <a:t>type</a:t>
+            </a:r>
+            <a:r>
+              <a:rPr lang="en-US" sz="1600" dirty="0">
+                <a:solidFill>
+                  <a:srgbClr val="00358A"/>
+                </a:solidFill>
+                <a:latin typeface="+mj-lt"/>
+              </a:rPr>
+              <a:t>=</a:t>
+            </a:r>
+            <a:r>
+              <a:rPr lang="en-US" sz="1600" dirty="0">
+                <a:solidFill>
+                  <a:srgbClr val="4C8A00"/>
+                </a:solidFill>
+                <a:latin typeface="+mj-lt"/>
+              </a:rPr>
+              <a:t>"text/</a:t>
+            </a:r>
+            <a:r>
+              <a:rPr lang="en-US" sz="1600" dirty="0" err="1">
+                <a:solidFill>
+                  <a:srgbClr val="4C8A00"/>
+                </a:solidFill>
+                <a:latin typeface="+mj-lt"/>
+              </a:rPr>
+              <a:t>css</a:t>
+            </a:r>
+            <a:r>
+              <a:rPr lang="en-US" sz="1600" dirty="0">
+                <a:solidFill>
+                  <a:srgbClr val="4C8A00"/>
+                </a:solidFill>
+                <a:latin typeface="+mj-lt"/>
+              </a:rPr>
+              <a:t>"</a:t>
+            </a:r>
+            <a:r>
+              <a:rPr lang="en-US" sz="1600" dirty="0">
+                <a:solidFill>
+                  <a:srgbClr val="00358A"/>
+                </a:solidFill>
+                <a:latin typeface="+mj-lt"/>
+              </a:rPr>
+              <a:t> </a:t>
+            </a:r>
+            <a:r>
+              <a:rPr lang="en-US" sz="1600" dirty="0" err="1">
+                <a:solidFill>
+                  <a:srgbClr val="D64F00"/>
+                </a:solidFill>
+                <a:latin typeface="+mj-lt"/>
+              </a:rPr>
+              <a:t>href</a:t>
+            </a:r>
+            <a:r>
+              <a:rPr lang="en-US" sz="1600" dirty="0">
+                <a:solidFill>
+                  <a:srgbClr val="00358A"/>
+                </a:solidFill>
+                <a:latin typeface="+mj-lt"/>
+              </a:rPr>
+              <a:t>=</a:t>
+            </a:r>
+            <a:r>
+              <a:rPr lang="en-US" sz="1600" dirty="0">
+                <a:solidFill>
+                  <a:srgbClr val="4C8A00"/>
+                </a:solidFill>
+                <a:latin typeface="+mj-lt"/>
+              </a:rPr>
+              <a:t>"</a:t>
+            </a:r>
+            <a:r>
+              <a:rPr lang="en-US" sz="1600" dirty="0" err="1">
+                <a:solidFill>
+                  <a:srgbClr val="4C8A00"/>
+                </a:solidFill>
+                <a:latin typeface="+mj-lt"/>
+              </a:rPr>
+              <a:t>styles.less</a:t>
+            </a:r>
+            <a:r>
+              <a:rPr lang="en-US" sz="1600" dirty="0">
+                <a:solidFill>
+                  <a:srgbClr val="4C8A00"/>
+                </a:solidFill>
+                <a:latin typeface="+mj-lt"/>
+              </a:rPr>
+              <a:t>"</a:t>
+            </a:r>
+            <a:r>
+              <a:rPr lang="en-US" sz="1600" dirty="0">
+                <a:solidFill>
+                  <a:srgbClr val="00358A"/>
+                </a:solidFill>
+                <a:latin typeface="+mj-lt"/>
+              </a:rPr>
+              <a:t> /&gt;</a:t>
+            </a:r>
+            <a:endParaRPr lang="es-CL" sz="1600" dirty="0">
+              <a:latin typeface="+mj-lt"/>
+            </a:endParaRPr>
+          </a:p>
+        </p:txBody>
+      </p:sp>
+      <p:sp>
+        <p:nvSpPr>
+          <p:cNvPr id="6" name="Rectángulo 5"/>
+          <p:cNvSpPr/>
+          <p:nvPr/>
+        </p:nvSpPr>
+        <p:spPr>
+          <a:xfrm>
+            <a:off x="2699792" y="5291916"/>
+            <a:ext cx="6283537" cy="369332"/>
+          </a:xfrm>
+          <a:prstGeom prst="rect">
+            <a:avLst/>
+          </a:prstGeom>
+        </p:spPr>
+        <p:txBody>
+          <a:bodyPr wrap="square">
+            <a:spAutoFit/>
+          </a:bodyPr>
+          <a:lstStyle/>
+          <a:p>
+            <a:r>
+              <a:rPr lang="es-CL" sz="1400" dirty="0">
+                <a:solidFill>
+                  <a:srgbClr val="212121"/>
+                </a:solidFill>
+                <a:latin typeface="arial" panose="020B0604020202020204" pitchFamily="34" charset="0"/>
+              </a:rPr>
+              <a:t>Vía consola para compilar usamos: </a:t>
+            </a:r>
+            <a:r>
+              <a:rPr lang="es-CL" b="1" dirty="0" err="1"/>
+              <a:t>lessc</a:t>
+            </a:r>
+            <a:r>
+              <a:rPr lang="es-CL" b="1" dirty="0"/>
+              <a:t> </a:t>
+            </a:r>
+            <a:r>
+              <a:rPr lang="es-CL" b="1" dirty="0" err="1"/>
+              <a:t>miarchivo.less</a:t>
+            </a:r>
+            <a:r>
+              <a:rPr lang="es-CL" b="1" dirty="0"/>
+              <a:t> miarchivo.css </a:t>
+            </a:r>
+            <a:endParaRPr lang="es-CL" sz="1400" b="1" dirty="0"/>
+          </a:p>
+        </p:txBody>
+      </p:sp>
+      <p:sp>
+        <p:nvSpPr>
+          <p:cNvPr id="22" name="Rectángulo 21"/>
+          <p:cNvSpPr/>
+          <p:nvPr/>
+        </p:nvSpPr>
+        <p:spPr>
+          <a:xfrm>
+            <a:off x="230250" y="2560488"/>
+            <a:ext cx="1949124" cy="553998"/>
           </a:xfrm>
           <a:prstGeom prst="rect">
             <a:avLst/>
@@ -22548,450 +24050,17 @@
           </a:bodyPr>
           <a:lstStyle/>
           <a:p>
-            <a:r>
-              <a:rPr lang="es-CL" sz="2200" dirty="0" smtClean="0">
+            <a:pPr algn="ctr"/>
+            <a:r>
+              <a:rPr lang="es-ES" sz="1500" b="1" dirty="0">
                 <a:solidFill>
                   <a:schemeClr val="accent1">
                     <a:lumMod val="75000"/>
                   </a:schemeClr>
                 </a:solidFill>
               </a:rPr>
-              <a:t>Instalación para compilación en Browser:</a:t>
-            </a:r>
-          </a:p>
-        </p:txBody>
-      </p:sp>
-      <p:sp>
-        <p:nvSpPr>
-          <p:cNvPr id="19" name="Rectángulo 18"/>
-          <p:cNvSpPr/>
-          <p:nvPr/>
-        </p:nvSpPr>
-        <p:spPr>
-          <a:xfrm>
-            <a:off x="2657557" y="3171681"/>
-            <a:ext cx="6750496" cy="338554"/>
-          </a:xfrm>
-          <a:prstGeom prst="rect">
-            <a:avLst/>
-          </a:prstGeom>
-        </p:spPr>
-        <p:txBody>
-          <a:bodyPr wrap="square">
-            <a:spAutoFit/>
-          </a:bodyPr>
-          <a:lstStyle/>
-          <a:p>
-            <a:r>
-              <a:rPr lang="fr-FR" sz="1600" dirty="0">
-                <a:solidFill>
-                  <a:srgbClr val="00358A"/>
-                </a:solidFill>
-                <a:latin typeface="+mj-lt"/>
-              </a:rPr>
-              <a:t>&lt;</a:t>
-            </a:r>
-            <a:r>
-              <a:rPr lang="fr-FR" sz="1600" dirty="0">
-                <a:solidFill>
-                  <a:srgbClr val="0078BD"/>
-                </a:solidFill>
-                <a:latin typeface="+mj-lt"/>
-              </a:rPr>
-              <a:t>script</a:t>
-            </a:r>
-            <a:r>
-              <a:rPr lang="fr-FR" sz="1600" dirty="0">
-                <a:solidFill>
-                  <a:srgbClr val="00358A"/>
-                </a:solidFill>
-                <a:latin typeface="+mj-lt"/>
-              </a:rPr>
-              <a:t> </a:t>
-            </a:r>
-            <a:r>
-              <a:rPr lang="fr-FR" sz="1600" dirty="0">
-                <a:solidFill>
-                  <a:srgbClr val="D64F00"/>
-                </a:solidFill>
-                <a:latin typeface="+mj-lt"/>
-              </a:rPr>
-              <a:t>src</a:t>
-            </a:r>
-            <a:r>
-              <a:rPr lang="fr-FR" sz="1600" dirty="0">
-                <a:solidFill>
-                  <a:srgbClr val="00358A"/>
-                </a:solidFill>
-                <a:latin typeface="+mj-lt"/>
-              </a:rPr>
-              <a:t>=</a:t>
-            </a:r>
-            <a:r>
-              <a:rPr lang="fr-FR" sz="1600" dirty="0">
-                <a:solidFill>
-                  <a:srgbClr val="4C8A00"/>
-                </a:solidFill>
-                <a:latin typeface="+mj-lt"/>
-              </a:rPr>
-              <a:t>"less.js"</a:t>
-            </a:r>
-            <a:r>
-              <a:rPr lang="fr-FR" sz="1600" dirty="0">
-                <a:solidFill>
-                  <a:srgbClr val="00358A"/>
-                </a:solidFill>
-                <a:latin typeface="+mj-lt"/>
-              </a:rPr>
-              <a:t> </a:t>
-            </a:r>
-            <a:r>
-              <a:rPr lang="fr-FR" sz="1600" dirty="0">
-                <a:solidFill>
-                  <a:srgbClr val="D64F00"/>
-                </a:solidFill>
-                <a:latin typeface="+mj-lt"/>
-              </a:rPr>
-              <a:t>type</a:t>
-            </a:r>
-            <a:r>
-              <a:rPr lang="fr-FR" sz="1600" dirty="0">
-                <a:solidFill>
-                  <a:srgbClr val="00358A"/>
-                </a:solidFill>
-                <a:latin typeface="+mj-lt"/>
-              </a:rPr>
-              <a:t>=</a:t>
-            </a:r>
-            <a:r>
-              <a:rPr lang="fr-FR" sz="1600" dirty="0">
-                <a:solidFill>
-                  <a:srgbClr val="4C8A00"/>
-                </a:solidFill>
-                <a:latin typeface="+mj-lt"/>
-              </a:rPr>
-              <a:t>"text/javascript"</a:t>
-            </a:r>
-            <a:r>
-              <a:rPr lang="fr-FR" sz="1600" dirty="0">
-                <a:solidFill>
-                  <a:srgbClr val="00358A"/>
-                </a:solidFill>
-                <a:latin typeface="+mj-lt"/>
-              </a:rPr>
-              <a:t>&gt;&lt;/</a:t>
-            </a:r>
-            <a:r>
-              <a:rPr lang="fr-FR" sz="1600" dirty="0">
-                <a:solidFill>
-                  <a:srgbClr val="0078BD"/>
-                </a:solidFill>
-                <a:latin typeface="+mj-lt"/>
-              </a:rPr>
-              <a:t>script</a:t>
-            </a:r>
-            <a:r>
-              <a:rPr lang="fr-FR" sz="1600" dirty="0" smtClean="0">
-                <a:solidFill>
-                  <a:srgbClr val="00358A"/>
-                </a:solidFill>
-                <a:latin typeface="+mj-lt"/>
-              </a:rPr>
-              <a:t>&gt;</a:t>
-            </a:r>
-            <a:endParaRPr lang="es-CL" sz="1600" dirty="0">
-              <a:latin typeface="+mj-lt"/>
-            </a:endParaRPr>
-          </a:p>
-        </p:txBody>
-      </p:sp>
-      <p:sp>
-        <p:nvSpPr>
-          <p:cNvPr id="20" name="Rectángulo 19"/>
-          <p:cNvSpPr/>
-          <p:nvPr/>
-        </p:nvSpPr>
-        <p:spPr>
-          <a:xfrm>
-            <a:off x="2699791" y="2889982"/>
-            <a:ext cx="6820234" cy="338554"/>
-          </a:xfrm>
-          <a:prstGeom prst="rect">
-            <a:avLst/>
-          </a:prstGeom>
-        </p:spPr>
-        <p:txBody>
-          <a:bodyPr wrap="square">
-            <a:spAutoFit/>
-          </a:bodyPr>
-          <a:lstStyle/>
-          <a:p>
-            <a:r>
-              <a:rPr lang="en-US" sz="1600" dirty="0">
-                <a:solidFill>
-                  <a:srgbClr val="00358A"/>
-                </a:solidFill>
-                <a:latin typeface="+mj-lt"/>
-              </a:rPr>
-              <a:t>&lt;</a:t>
-            </a:r>
-            <a:r>
-              <a:rPr lang="en-US" sz="1600" dirty="0">
-                <a:solidFill>
-                  <a:srgbClr val="0078BD"/>
-                </a:solidFill>
-                <a:latin typeface="+mj-lt"/>
-              </a:rPr>
-              <a:t>link</a:t>
-            </a:r>
-            <a:r>
-              <a:rPr lang="en-US" sz="1600" dirty="0">
-                <a:solidFill>
-                  <a:srgbClr val="00358A"/>
-                </a:solidFill>
-                <a:latin typeface="+mj-lt"/>
-              </a:rPr>
-              <a:t> </a:t>
-            </a:r>
-            <a:r>
-              <a:rPr lang="en-US" sz="1600" dirty="0" err="1">
-                <a:solidFill>
-                  <a:srgbClr val="D64F00"/>
-                </a:solidFill>
-                <a:latin typeface="+mj-lt"/>
-              </a:rPr>
-              <a:t>rel</a:t>
-            </a:r>
-            <a:r>
-              <a:rPr lang="en-US" sz="1600" dirty="0">
-                <a:solidFill>
-                  <a:srgbClr val="00358A"/>
-                </a:solidFill>
-                <a:latin typeface="+mj-lt"/>
-              </a:rPr>
-              <a:t>=</a:t>
-            </a:r>
-            <a:r>
-              <a:rPr lang="en-US" sz="1600" dirty="0">
-                <a:solidFill>
-                  <a:srgbClr val="4C8A00"/>
-                </a:solidFill>
-                <a:latin typeface="+mj-lt"/>
-              </a:rPr>
-              <a:t>"stylesheet/less"</a:t>
-            </a:r>
-            <a:r>
-              <a:rPr lang="en-US" sz="1600" dirty="0">
-                <a:solidFill>
-                  <a:srgbClr val="00358A"/>
-                </a:solidFill>
-                <a:latin typeface="+mj-lt"/>
-              </a:rPr>
-              <a:t> </a:t>
-            </a:r>
-            <a:r>
-              <a:rPr lang="en-US" sz="1600" dirty="0">
-                <a:solidFill>
-                  <a:srgbClr val="D64F00"/>
-                </a:solidFill>
-                <a:latin typeface="+mj-lt"/>
-              </a:rPr>
-              <a:t>type</a:t>
-            </a:r>
-            <a:r>
-              <a:rPr lang="en-US" sz="1600" dirty="0">
-                <a:solidFill>
-                  <a:srgbClr val="00358A"/>
-                </a:solidFill>
-                <a:latin typeface="+mj-lt"/>
-              </a:rPr>
-              <a:t>=</a:t>
-            </a:r>
-            <a:r>
-              <a:rPr lang="en-US" sz="1600" dirty="0">
-                <a:solidFill>
-                  <a:srgbClr val="4C8A00"/>
-                </a:solidFill>
-                <a:latin typeface="+mj-lt"/>
-              </a:rPr>
-              <a:t>"text/</a:t>
-            </a:r>
-            <a:r>
-              <a:rPr lang="en-US" sz="1600" dirty="0" err="1">
-                <a:solidFill>
-                  <a:srgbClr val="4C8A00"/>
-                </a:solidFill>
-                <a:latin typeface="+mj-lt"/>
-              </a:rPr>
-              <a:t>css</a:t>
-            </a:r>
-            <a:r>
-              <a:rPr lang="en-US" sz="1600" dirty="0">
-                <a:solidFill>
-                  <a:srgbClr val="4C8A00"/>
-                </a:solidFill>
-                <a:latin typeface="+mj-lt"/>
-              </a:rPr>
-              <a:t>"</a:t>
-            </a:r>
-            <a:r>
-              <a:rPr lang="en-US" sz="1600" dirty="0">
-                <a:solidFill>
-                  <a:srgbClr val="00358A"/>
-                </a:solidFill>
-                <a:latin typeface="+mj-lt"/>
-              </a:rPr>
-              <a:t> </a:t>
-            </a:r>
-            <a:r>
-              <a:rPr lang="en-US" sz="1600" dirty="0" err="1">
-                <a:solidFill>
-                  <a:srgbClr val="D64F00"/>
-                </a:solidFill>
-                <a:latin typeface="+mj-lt"/>
-              </a:rPr>
-              <a:t>href</a:t>
-            </a:r>
-            <a:r>
-              <a:rPr lang="en-US" sz="1600" dirty="0">
-                <a:solidFill>
-                  <a:srgbClr val="00358A"/>
-                </a:solidFill>
-                <a:latin typeface="+mj-lt"/>
-              </a:rPr>
-              <a:t>=</a:t>
-            </a:r>
-            <a:r>
-              <a:rPr lang="en-US" sz="1600" dirty="0">
-                <a:solidFill>
-                  <a:srgbClr val="4C8A00"/>
-                </a:solidFill>
-                <a:latin typeface="+mj-lt"/>
-              </a:rPr>
-              <a:t>"</a:t>
-            </a:r>
-            <a:r>
-              <a:rPr lang="en-US" sz="1600" dirty="0" err="1">
-                <a:solidFill>
-                  <a:srgbClr val="4C8A00"/>
-                </a:solidFill>
-                <a:latin typeface="+mj-lt"/>
-              </a:rPr>
-              <a:t>styles.less</a:t>
-            </a:r>
-            <a:r>
-              <a:rPr lang="en-US" sz="1600" dirty="0">
-                <a:solidFill>
-                  <a:srgbClr val="4C8A00"/>
-                </a:solidFill>
-                <a:latin typeface="+mj-lt"/>
-              </a:rPr>
-              <a:t>"</a:t>
-            </a:r>
-            <a:r>
-              <a:rPr lang="en-US" sz="1600" dirty="0">
-                <a:solidFill>
-                  <a:srgbClr val="00358A"/>
-                </a:solidFill>
-                <a:latin typeface="+mj-lt"/>
-              </a:rPr>
-              <a:t> /&gt;</a:t>
-            </a:r>
-            <a:endParaRPr lang="es-CL" sz="1600" dirty="0">
-              <a:latin typeface="+mj-lt"/>
-            </a:endParaRPr>
-          </a:p>
-        </p:txBody>
-      </p:sp>
-      <p:sp>
-        <p:nvSpPr>
-          <p:cNvPr id="6" name="Rectángulo 5"/>
-          <p:cNvSpPr/>
-          <p:nvPr/>
-        </p:nvSpPr>
-        <p:spPr>
-          <a:xfrm>
-            <a:off x="2699792" y="5291916"/>
-            <a:ext cx="6283537" cy="369332"/>
-          </a:xfrm>
-          <a:prstGeom prst="rect">
-            <a:avLst/>
-          </a:prstGeom>
-        </p:spPr>
-        <p:txBody>
-          <a:bodyPr wrap="square">
-            <a:spAutoFit/>
-          </a:bodyPr>
-          <a:lstStyle/>
-          <a:p>
-            <a:r>
-              <a:rPr lang="es-CL" sz="1400" dirty="0">
-                <a:solidFill>
-                  <a:srgbClr val="212121"/>
-                </a:solidFill>
-                <a:latin typeface="arial" panose="020B0604020202020204" pitchFamily="34" charset="0"/>
-              </a:rPr>
-              <a:t>Vía consola para compilar usamos: </a:t>
-            </a:r>
-            <a:r>
-              <a:rPr lang="es-CL" b="1" dirty="0" err="1"/>
-              <a:t>lessc</a:t>
-            </a:r>
-            <a:r>
-              <a:rPr lang="es-CL" b="1" dirty="0"/>
-              <a:t> </a:t>
-            </a:r>
-            <a:r>
-              <a:rPr lang="es-CL" b="1" dirty="0" err="1"/>
-              <a:t>miarchivo.less</a:t>
-            </a:r>
-            <a:r>
-              <a:rPr lang="es-CL" b="1" dirty="0"/>
-              <a:t> miarchivo.css </a:t>
-            </a:r>
-            <a:endParaRPr lang="es-CL" sz="1400" b="1" dirty="0"/>
-          </a:p>
-        </p:txBody>
-      </p:sp>
-      <p:sp>
-        <p:nvSpPr>
-          <p:cNvPr id="22" name="Rectángulo 21"/>
-          <p:cNvSpPr/>
-          <p:nvPr/>
-        </p:nvSpPr>
-        <p:spPr>
-          <a:xfrm>
-            <a:off x="230250" y="2560488"/>
-            <a:ext cx="1949124" cy="553998"/>
-          </a:xfrm>
-          <a:prstGeom prst="rect">
-            <a:avLst/>
-          </a:prstGeom>
-        </p:spPr>
-        <p:txBody>
-          <a:bodyPr wrap="none">
-            <a:spAutoFit/>
-          </a:bodyPr>
-          <a:lstStyle/>
-          <a:p>
-            <a:pPr algn="ctr"/>
-            <a:r>
-              <a:rPr lang="es-ES" sz="1500" b="1" dirty="0">
-                <a:solidFill>
-                  <a:schemeClr val="accent1">
-                    <a:lumMod val="75000"/>
-                  </a:schemeClr>
-                </a:solidFill>
-              </a:rPr>
               <a:t>Extensión de Archivo: </a:t>
             </a:r>
-            <a:endParaRPr lang="es-ES" sz="1500" b="1" dirty="0">
-              <a:solidFill>
-                <a:schemeClr val="accent1">
-                  <a:lumMod val="75000"/>
-                </a:schemeClr>
-              </a:solidFill>
-            </a:endParaRPr>
           </a:p>
           <a:p>
             <a:pPr algn="ctr"/>
